--- a/2017-10-23__bielefeld__de.nbi_symposium/poster.pptx
+++ b/2017-10-23__bielefeld__de.nbi_symposium/poster.pptx
@@ -34,7 +34,7 @@
       </p:grpSpPr>
       <p:sp>
         <p:nvSpPr>
-          <p:cNvPr id="41" name="PlaceHolder 1"/>
+          <p:cNvPr id="38" name="PlaceHolder 1"/>
           <p:cNvSpPr>
             <a:spLocks noGrp="1"/>
           </p:cNvSpPr>
@@ -58,13 +58,13 @@
               <a:rPr b="0" lang="en-US" sz="2000" spc="-1" strike="noStrike">
                 <a:latin typeface="Arial"/>
               </a:rPr>
-              <a:t>Click to edit the notes </a:t>
+              <a:t>Click to edit the </a:t>
             </a:r>
             <a:r>
               <a:rPr b="0" lang="en-US" sz="2000" spc="-1" strike="noStrike">
                 <a:latin typeface="Arial"/>
               </a:rPr>
-              <a:t>format</a:t>
+              <a:t>notes format</a:t>
             </a:r>
             <a:endParaRPr b="0" lang="en-US" sz="2000" spc="-1" strike="noStrike">
               <a:latin typeface="Arial"/>
@@ -74,7 +74,7 @@
       </p:sp>
       <p:sp>
         <p:nvSpPr>
-          <p:cNvPr id="42" name="PlaceHolder 2"/>
+          <p:cNvPr id="39" name="PlaceHolder 2"/>
           <p:cNvSpPr>
             <a:spLocks noGrp="1"/>
           </p:cNvSpPr>
@@ -108,7 +108,7 @@
       </p:sp>
       <p:sp>
         <p:nvSpPr>
-          <p:cNvPr id="43" name="PlaceHolder 3"/>
+          <p:cNvPr id="40" name="PlaceHolder 3"/>
           <p:cNvSpPr>
             <a:spLocks noGrp="1"/>
           </p:cNvSpPr>
@@ -143,7 +143,7 @@
       </p:sp>
       <p:sp>
         <p:nvSpPr>
-          <p:cNvPr id="44" name="PlaceHolder 4"/>
+          <p:cNvPr id="41" name="PlaceHolder 4"/>
           <p:cNvSpPr>
             <a:spLocks noGrp="1"/>
           </p:cNvSpPr>
@@ -177,7 +177,7 @@
       </p:sp>
       <p:sp>
         <p:nvSpPr>
-          <p:cNvPr id="45" name="PlaceHolder 5"/>
+          <p:cNvPr id="42" name="PlaceHolder 5"/>
           <p:cNvSpPr>
             <a:spLocks noGrp="1"/>
           </p:cNvSpPr>
@@ -198,7 +198,7 @@
           <a:bodyPr lIns="0" rIns="0" tIns="0" bIns="0" anchor="b"/>
           <a:p>
             <a:pPr algn="r"/>
-            <a:fld id="{017F169C-FB42-46A4-89F0-9FA450BA4E35}" type="slidenum">
+            <a:fld id="{151ACC65-4845-43AC-90A9-B1066BB9624E}" type="slidenum">
               <a:rPr b="0" lang="en-US" sz="1400" spc="-1" strike="noStrike">
                 <a:latin typeface="Times New Roman"/>
               </a:rPr>
@@ -235,7 +235,7 @@
       </p:grpSpPr>
       <p:sp>
         <p:nvSpPr>
-          <p:cNvPr id="83" name="PlaceHolder 1"/>
+          <p:cNvPr id="97" name="PlaceHolder 1"/>
           <p:cNvSpPr>
             <a:spLocks noGrp="1"/>
           </p:cNvSpPr>
@@ -246,7 +246,7 @@
         <p:spPr>
           <a:xfrm>
             <a:off x="679320" y="4704840"/>
-            <a:ext cx="5436000" cy="4457160"/>
+            <a:ext cx="5435640" cy="4456800"/>
           </a:xfrm>
           <a:prstGeom prst="rect">
             <a:avLst/>
@@ -265,14 +265,14 @@
       </p:sp>
       <p:sp>
         <p:nvSpPr>
-          <p:cNvPr id="84" name="TextShape 2"/>
-          <p:cNvSpPr txBox="1"/>
+          <p:cNvPr id="98" name="CustomShape 2"/>
+          <p:cNvSpPr/>
           <p:nvPr/>
         </p:nvSpPr>
         <p:spPr>
           <a:xfrm>
             <a:off x="3848400" y="9409680"/>
-            <a:ext cx="2944080" cy="494280"/>
+            <a:ext cx="2943720" cy="493920"/>
           </a:xfrm>
           <a:prstGeom prst="rect">
             <a:avLst/>
@@ -282,6 +282,12 @@
             <a:noFill/>
           </a:ln>
         </p:spPr>
+        <p:style>
+          <a:lnRef idx="0"/>
+          <a:fillRef idx="0"/>
+          <a:effectRef idx="0"/>
+          <a:fontRef idx="minor"/>
+        </p:style>
         <p:txBody>
           <a:bodyPr lIns="95400" rIns="95400" tIns="47880" bIns="47880" anchor="b"/>
           <a:p>
@@ -290,7 +296,7 @@
                 <a:spcPct val="100000"/>
               </a:lnSpc>
             </a:pPr>
-            <a:fld id="{96EE7C0C-F485-4894-BF58-ECB04F9D16E8}" type="slidenum">
+            <a:fld id="{1AB49C03-820C-430D-920D-5622BFA73D95}" type="slidenum">
               <a:rPr b="0" lang="en-US" sz="1300" spc="-1" strike="noStrike">
                 <a:solidFill>
                   <a:srgbClr val="000000"/>
@@ -301,7 +307,7 @@
               <a:t>&lt;number&gt;</a:t>
             </a:fld>
             <a:endParaRPr b="0" lang="en-US" sz="1300" spc="-1" strike="noStrike">
-              <a:latin typeface="Times New Roman"/>
+              <a:latin typeface="Arial"/>
             </a:endParaRPr>
           </a:p>
         </p:txBody>
@@ -352,7 +358,7 @@
       </p:grpSpPr>
       <p:sp>
         <p:nvSpPr>
-          <p:cNvPr id="26" name="PlaceHolder 1"/>
+          <p:cNvPr id="23" name="PlaceHolder 1"/>
           <p:cNvSpPr>
             <a:spLocks noGrp="1"/>
           </p:cNvSpPr>
@@ -363,7 +369,7 @@
         <p:spPr>
           <a:xfrm>
             <a:off x="342720" y="394920"/>
-            <a:ext cx="6171840" cy="1653840"/>
+            <a:ext cx="6171480" cy="1653480"/>
           </a:xfrm>
           <a:prstGeom prst="rect">
             <a:avLst/>
@@ -372,18 +378,16 @@
         <p:txBody>
           <a:bodyPr lIns="0" rIns="0" tIns="0" bIns="0" anchor="ctr"/>
           <a:p>
-            <a:endParaRPr b="0" lang="en-US" sz="3200" spc="-1" strike="noStrike">
-              <a:solidFill>
-                <a:srgbClr val="000000"/>
-              </a:solidFill>
-              <a:latin typeface="Arial"/>
-            </a:endParaRPr>
-          </a:p>
-        </p:txBody>
-      </p:sp>
-      <p:sp>
-        <p:nvSpPr>
-          <p:cNvPr id="27" name="PlaceHolder 2"/>
+            <a:pPr algn="ctr"/>
+            <a:endParaRPr b="0" lang="en-US" sz="4400" spc="-1" strike="noStrike">
+              <a:latin typeface="Arial"/>
+            </a:endParaRPr>
+          </a:p>
+        </p:txBody>
+      </p:sp>
+      <p:sp>
+        <p:nvSpPr>
+          <p:cNvPr id="24" name="PlaceHolder 2"/>
           <p:cNvSpPr>
             <a:spLocks noGrp="1"/>
           </p:cNvSpPr>
@@ -406,17 +410,14 @@
           </a:bodyPr>
           <a:p>
             <a:endParaRPr b="0" lang="en-US" sz="3200" spc="-1" strike="noStrike">
-              <a:solidFill>
-                <a:srgbClr val="333399"/>
-              </a:solidFill>
-              <a:latin typeface="Arial"/>
-            </a:endParaRPr>
-          </a:p>
-        </p:txBody>
-      </p:sp>
-      <p:sp>
-        <p:nvSpPr>
-          <p:cNvPr id="28" name="PlaceHolder 3"/>
+              <a:latin typeface="Arial"/>
+            </a:endParaRPr>
+          </a:p>
+        </p:txBody>
+      </p:sp>
+      <p:sp>
+        <p:nvSpPr>
+          <p:cNvPr id="25" name="PlaceHolder 3"/>
           <p:cNvSpPr>
             <a:spLocks noGrp="1"/>
           </p:cNvSpPr>
@@ -439,9 +440,6 @@
           </a:bodyPr>
           <a:p>
             <a:endParaRPr b="0" lang="en-US" sz="3200" spc="-1" strike="noStrike">
-              <a:solidFill>
-                <a:srgbClr val="333399"/>
-              </a:solidFill>
               <a:latin typeface="Arial"/>
             </a:endParaRPr>
           </a:p>
@@ -471,7 +469,7 @@
       </p:grpSpPr>
       <p:sp>
         <p:nvSpPr>
-          <p:cNvPr id="29" name="PlaceHolder 1"/>
+          <p:cNvPr id="26" name="PlaceHolder 1"/>
           <p:cNvSpPr>
             <a:spLocks noGrp="1"/>
           </p:cNvSpPr>
@@ -482,7 +480,7 @@
         <p:spPr>
           <a:xfrm>
             <a:off x="342720" y="394920"/>
-            <a:ext cx="6171840" cy="1653840"/>
+            <a:ext cx="6171480" cy="1653480"/>
           </a:xfrm>
           <a:prstGeom prst="rect">
             <a:avLst/>
@@ -491,18 +489,16 @@
         <p:txBody>
           <a:bodyPr lIns="0" rIns="0" tIns="0" bIns="0" anchor="ctr"/>
           <a:p>
-            <a:endParaRPr b="0" lang="en-US" sz="3200" spc="-1" strike="noStrike">
-              <a:solidFill>
-                <a:srgbClr val="000000"/>
-              </a:solidFill>
-              <a:latin typeface="Arial"/>
-            </a:endParaRPr>
-          </a:p>
-        </p:txBody>
-      </p:sp>
-      <p:sp>
-        <p:nvSpPr>
-          <p:cNvPr id="30" name="PlaceHolder 2"/>
+            <a:pPr algn="ctr"/>
+            <a:endParaRPr b="0" lang="en-US" sz="4400" spc="-1" strike="noStrike">
+              <a:latin typeface="Arial"/>
+            </a:endParaRPr>
+          </a:p>
+        </p:txBody>
+      </p:sp>
+      <p:sp>
+        <p:nvSpPr>
+          <p:cNvPr id="27" name="PlaceHolder 2"/>
           <p:cNvSpPr>
             <a:spLocks noGrp="1"/>
           </p:cNvSpPr>
@@ -525,17 +521,14 @@
           </a:bodyPr>
           <a:p>
             <a:endParaRPr b="0" lang="en-US" sz="3200" spc="-1" strike="noStrike">
-              <a:solidFill>
-                <a:srgbClr val="333399"/>
-              </a:solidFill>
-              <a:latin typeface="Arial"/>
-            </a:endParaRPr>
-          </a:p>
-        </p:txBody>
-      </p:sp>
-      <p:sp>
-        <p:nvSpPr>
-          <p:cNvPr id="31" name="PlaceHolder 3"/>
+              <a:latin typeface="Arial"/>
+            </a:endParaRPr>
+          </a:p>
+        </p:txBody>
+      </p:sp>
+      <p:sp>
+        <p:nvSpPr>
+          <p:cNvPr id="28" name="PlaceHolder 3"/>
           <p:cNvSpPr>
             <a:spLocks noGrp="1"/>
           </p:cNvSpPr>
@@ -558,17 +551,14 @@
           </a:bodyPr>
           <a:p>
             <a:endParaRPr b="0" lang="en-US" sz="3200" spc="-1" strike="noStrike">
-              <a:solidFill>
-                <a:srgbClr val="333399"/>
-              </a:solidFill>
-              <a:latin typeface="Arial"/>
-            </a:endParaRPr>
-          </a:p>
-        </p:txBody>
-      </p:sp>
-      <p:sp>
-        <p:nvSpPr>
-          <p:cNvPr id="32" name="PlaceHolder 4"/>
+              <a:latin typeface="Arial"/>
+            </a:endParaRPr>
+          </a:p>
+        </p:txBody>
+      </p:sp>
+      <p:sp>
+        <p:nvSpPr>
+          <p:cNvPr id="29" name="PlaceHolder 4"/>
           <p:cNvSpPr>
             <a:spLocks noGrp="1"/>
           </p:cNvSpPr>
@@ -591,17 +581,14 @@
           </a:bodyPr>
           <a:p>
             <a:endParaRPr b="0" lang="en-US" sz="3200" spc="-1" strike="noStrike">
-              <a:solidFill>
-                <a:srgbClr val="333399"/>
-              </a:solidFill>
-              <a:latin typeface="Arial"/>
-            </a:endParaRPr>
-          </a:p>
-        </p:txBody>
-      </p:sp>
-      <p:sp>
-        <p:nvSpPr>
-          <p:cNvPr id="33" name="PlaceHolder 5"/>
+              <a:latin typeface="Arial"/>
+            </a:endParaRPr>
+          </a:p>
+        </p:txBody>
+      </p:sp>
+      <p:sp>
+        <p:nvSpPr>
+          <p:cNvPr id="30" name="PlaceHolder 5"/>
           <p:cNvSpPr>
             <a:spLocks noGrp="1"/>
           </p:cNvSpPr>
@@ -624,9 +611,6 @@
           </a:bodyPr>
           <a:p>
             <a:endParaRPr b="0" lang="en-US" sz="3200" spc="-1" strike="noStrike">
-              <a:solidFill>
-                <a:srgbClr val="333399"/>
-              </a:solidFill>
               <a:latin typeface="Arial"/>
             </a:endParaRPr>
           </a:p>
@@ -656,7 +640,7 @@
       </p:grpSpPr>
       <p:sp>
         <p:nvSpPr>
-          <p:cNvPr id="34" name="PlaceHolder 1"/>
+          <p:cNvPr id="31" name="PlaceHolder 1"/>
           <p:cNvSpPr>
             <a:spLocks noGrp="1"/>
           </p:cNvSpPr>
@@ -667,7 +651,7 @@
         <p:spPr>
           <a:xfrm>
             <a:off x="342720" y="394920"/>
-            <a:ext cx="6171840" cy="1653840"/>
+            <a:ext cx="6171480" cy="1653480"/>
           </a:xfrm>
           <a:prstGeom prst="rect">
             <a:avLst/>
@@ -676,18 +660,16 @@
         <p:txBody>
           <a:bodyPr lIns="0" rIns="0" tIns="0" bIns="0" anchor="ctr"/>
           <a:p>
-            <a:endParaRPr b="0" lang="en-US" sz="3200" spc="-1" strike="noStrike">
-              <a:solidFill>
-                <a:srgbClr val="000000"/>
-              </a:solidFill>
-              <a:latin typeface="Arial"/>
-            </a:endParaRPr>
-          </a:p>
-        </p:txBody>
-      </p:sp>
-      <p:sp>
-        <p:nvSpPr>
-          <p:cNvPr id="35" name="PlaceHolder 2"/>
+            <a:pPr algn="ctr"/>
+            <a:endParaRPr b="0" lang="en-US" sz="4400" spc="-1" strike="noStrike">
+              <a:latin typeface="Arial"/>
+            </a:endParaRPr>
+          </a:p>
+        </p:txBody>
+      </p:sp>
+      <p:sp>
+        <p:nvSpPr>
+          <p:cNvPr id="32" name="PlaceHolder 2"/>
           <p:cNvSpPr>
             <a:spLocks noGrp="1"/>
           </p:cNvSpPr>
@@ -710,17 +692,14 @@
           </a:bodyPr>
           <a:p>
             <a:endParaRPr b="0" lang="en-US" sz="3200" spc="-1" strike="noStrike">
-              <a:solidFill>
-                <a:srgbClr val="333399"/>
-              </a:solidFill>
-              <a:latin typeface="Arial"/>
-            </a:endParaRPr>
-          </a:p>
-        </p:txBody>
-      </p:sp>
-      <p:sp>
-        <p:nvSpPr>
-          <p:cNvPr id="36" name="PlaceHolder 3"/>
+              <a:latin typeface="Arial"/>
+            </a:endParaRPr>
+          </a:p>
+        </p:txBody>
+      </p:sp>
+      <p:sp>
+        <p:nvSpPr>
+          <p:cNvPr id="33" name="PlaceHolder 3"/>
           <p:cNvSpPr>
             <a:spLocks noGrp="1"/>
           </p:cNvSpPr>
@@ -743,17 +722,14 @@
           </a:bodyPr>
           <a:p>
             <a:endParaRPr b="0" lang="en-US" sz="3200" spc="-1" strike="noStrike">
-              <a:solidFill>
-                <a:srgbClr val="333399"/>
-              </a:solidFill>
-              <a:latin typeface="Arial"/>
-            </a:endParaRPr>
-          </a:p>
-        </p:txBody>
-      </p:sp>
-      <p:sp>
-        <p:nvSpPr>
-          <p:cNvPr id="37" name="PlaceHolder 4"/>
+              <a:latin typeface="Arial"/>
+            </a:endParaRPr>
+          </a:p>
+        </p:txBody>
+      </p:sp>
+      <p:sp>
+        <p:nvSpPr>
+          <p:cNvPr id="34" name="PlaceHolder 4"/>
           <p:cNvSpPr>
             <a:spLocks noGrp="1"/>
           </p:cNvSpPr>
@@ -776,17 +752,14 @@
           </a:bodyPr>
           <a:p>
             <a:endParaRPr b="0" lang="en-US" sz="3200" spc="-1" strike="noStrike">
-              <a:solidFill>
-                <a:srgbClr val="333399"/>
-              </a:solidFill>
-              <a:latin typeface="Arial"/>
-            </a:endParaRPr>
-          </a:p>
-        </p:txBody>
-      </p:sp>
-      <p:sp>
-        <p:nvSpPr>
-          <p:cNvPr id="38" name="PlaceHolder 5"/>
+              <a:latin typeface="Arial"/>
+            </a:endParaRPr>
+          </a:p>
+        </p:txBody>
+      </p:sp>
+      <p:sp>
+        <p:nvSpPr>
+          <p:cNvPr id="35" name="PlaceHolder 5"/>
           <p:cNvSpPr>
             <a:spLocks noGrp="1"/>
           </p:cNvSpPr>
@@ -809,17 +782,14 @@
           </a:bodyPr>
           <a:p>
             <a:endParaRPr b="0" lang="en-US" sz="3200" spc="-1" strike="noStrike">
-              <a:solidFill>
-                <a:srgbClr val="333399"/>
-              </a:solidFill>
-              <a:latin typeface="Arial"/>
-            </a:endParaRPr>
-          </a:p>
-        </p:txBody>
-      </p:sp>
-      <p:sp>
-        <p:nvSpPr>
-          <p:cNvPr id="39" name="PlaceHolder 6"/>
+              <a:latin typeface="Arial"/>
+            </a:endParaRPr>
+          </a:p>
+        </p:txBody>
+      </p:sp>
+      <p:sp>
+        <p:nvSpPr>
+          <p:cNvPr id="36" name="PlaceHolder 6"/>
           <p:cNvSpPr>
             <a:spLocks noGrp="1"/>
           </p:cNvSpPr>
@@ -842,17 +812,14 @@
           </a:bodyPr>
           <a:p>
             <a:endParaRPr b="0" lang="en-US" sz="3200" spc="-1" strike="noStrike">
-              <a:solidFill>
-                <a:srgbClr val="333399"/>
-              </a:solidFill>
-              <a:latin typeface="Arial"/>
-            </a:endParaRPr>
-          </a:p>
-        </p:txBody>
-      </p:sp>
-      <p:sp>
-        <p:nvSpPr>
-          <p:cNvPr id="40" name="PlaceHolder 7"/>
+              <a:latin typeface="Arial"/>
+            </a:endParaRPr>
+          </a:p>
+        </p:txBody>
+      </p:sp>
+      <p:sp>
+        <p:nvSpPr>
+          <p:cNvPr id="37" name="PlaceHolder 7"/>
           <p:cNvSpPr>
             <a:spLocks noGrp="1"/>
           </p:cNvSpPr>
@@ -875,9 +842,6 @@
           </a:bodyPr>
           <a:p>
             <a:endParaRPr b="0" lang="en-US" sz="3200" spc="-1" strike="noStrike">
-              <a:solidFill>
-                <a:srgbClr val="333399"/>
-              </a:solidFill>
               <a:latin typeface="Arial"/>
             </a:endParaRPr>
           </a:p>
@@ -907,7 +871,7 @@
       </p:grpSpPr>
       <p:sp>
         <p:nvSpPr>
-          <p:cNvPr id="5" name="PlaceHolder 1"/>
+          <p:cNvPr id="2" name="PlaceHolder 1"/>
           <p:cNvSpPr>
             <a:spLocks noGrp="1"/>
           </p:cNvSpPr>
@@ -918,7 +882,7 @@
         <p:spPr>
           <a:xfrm>
             <a:off x="342720" y="394920"/>
-            <a:ext cx="6171840" cy="1653840"/>
+            <a:ext cx="6171480" cy="1653480"/>
           </a:xfrm>
           <a:prstGeom prst="rect">
             <a:avLst/>
@@ -927,18 +891,16 @@
         <p:txBody>
           <a:bodyPr lIns="0" rIns="0" tIns="0" bIns="0" anchor="ctr"/>
           <a:p>
-            <a:endParaRPr b="0" lang="en-US" sz="3200" spc="-1" strike="noStrike">
-              <a:solidFill>
-                <a:srgbClr val="000000"/>
-              </a:solidFill>
-              <a:latin typeface="Arial"/>
-            </a:endParaRPr>
-          </a:p>
-        </p:txBody>
-      </p:sp>
-      <p:sp>
-        <p:nvSpPr>
-          <p:cNvPr id="6" name="PlaceHolder 2"/>
+            <a:pPr algn="ctr"/>
+            <a:endParaRPr b="0" lang="en-US" sz="4400" spc="-1" strike="noStrike">
+              <a:latin typeface="Arial"/>
+            </a:endParaRPr>
+          </a:p>
+        </p:txBody>
+      </p:sp>
+      <p:sp>
+        <p:nvSpPr>
+          <p:cNvPr id="3" name="PlaceHolder 2"/>
           <p:cNvSpPr>
             <a:spLocks noGrp="1"/>
           </p:cNvSpPr>
@@ -989,7 +951,7 @@
       </p:grpSpPr>
       <p:sp>
         <p:nvSpPr>
-          <p:cNvPr id="7" name="PlaceHolder 1"/>
+          <p:cNvPr id="4" name="PlaceHolder 1"/>
           <p:cNvSpPr>
             <a:spLocks noGrp="1"/>
           </p:cNvSpPr>
@@ -1000,7 +962,7 @@
         <p:spPr>
           <a:xfrm>
             <a:off x="342720" y="394920"/>
-            <a:ext cx="6171840" cy="1653840"/>
+            <a:ext cx="6171480" cy="1653480"/>
           </a:xfrm>
           <a:prstGeom prst="rect">
             <a:avLst/>
@@ -1009,18 +971,16 @@
         <p:txBody>
           <a:bodyPr lIns="0" rIns="0" tIns="0" bIns="0" anchor="ctr"/>
           <a:p>
-            <a:endParaRPr b="0" lang="en-US" sz="3200" spc="-1" strike="noStrike">
-              <a:solidFill>
-                <a:srgbClr val="000000"/>
-              </a:solidFill>
-              <a:latin typeface="Arial"/>
-            </a:endParaRPr>
-          </a:p>
-        </p:txBody>
-      </p:sp>
-      <p:sp>
-        <p:nvSpPr>
-          <p:cNvPr id="8" name="PlaceHolder 2"/>
+            <a:pPr algn="ctr"/>
+            <a:endParaRPr b="0" lang="en-US" sz="4400" spc="-1" strike="noStrike">
+              <a:latin typeface="Arial"/>
+            </a:endParaRPr>
+          </a:p>
+        </p:txBody>
+      </p:sp>
+      <p:sp>
+        <p:nvSpPr>
+          <p:cNvPr id="5" name="PlaceHolder 2"/>
           <p:cNvSpPr>
             <a:spLocks noGrp="1"/>
           </p:cNvSpPr>
@@ -1043,9 +1003,6 @@
           </a:bodyPr>
           <a:p>
             <a:endParaRPr b="0" lang="en-US" sz="3200" spc="-1" strike="noStrike">
-              <a:solidFill>
-                <a:srgbClr val="333399"/>
-              </a:solidFill>
               <a:latin typeface="Arial"/>
             </a:endParaRPr>
           </a:p>
@@ -1075,7 +1032,7 @@
       </p:grpSpPr>
       <p:sp>
         <p:nvSpPr>
-          <p:cNvPr id="9" name="PlaceHolder 1"/>
+          <p:cNvPr id="6" name="PlaceHolder 1"/>
           <p:cNvSpPr>
             <a:spLocks noGrp="1"/>
           </p:cNvSpPr>
@@ -1086,7 +1043,7 @@
         <p:spPr>
           <a:xfrm>
             <a:off x="342720" y="394920"/>
-            <a:ext cx="6171840" cy="1653840"/>
+            <a:ext cx="6171480" cy="1653480"/>
           </a:xfrm>
           <a:prstGeom prst="rect">
             <a:avLst/>
@@ -1095,18 +1052,16 @@
         <p:txBody>
           <a:bodyPr lIns="0" rIns="0" tIns="0" bIns="0" anchor="ctr"/>
           <a:p>
-            <a:endParaRPr b="0" lang="en-US" sz="3200" spc="-1" strike="noStrike">
-              <a:solidFill>
-                <a:srgbClr val="000000"/>
-              </a:solidFill>
-              <a:latin typeface="Arial"/>
-            </a:endParaRPr>
-          </a:p>
-        </p:txBody>
-      </p:sp>
-      <p:sp>
-        <p:nvSpPr>
-          <p:cNvPr id="10" name="PlaceHolder 2"/>
+            <a:pPr algn="ctr"/>
+            <a:endParaRPr b="0" lang="en-US" sz="4400" spc="-1" strike="noStrike">
+              <a:latin typeface="Arial"/>
+            </a:endParaRPr>
+          </a:p>
+        </p:txBody>
+      </p:sp>
+      <p:sp>
+        <p:nvSpPr>
+          <p:cNvPr id="7" name="PlaceHolder 2"/>
           <p:cNvSpPr>
             <a:spLocks noGrp="1"/>
           </p:cNvSpPr>
@@ -1129,17 +1084,14 @@
           </a:bodyPr>
           <a:p>
             <a:endParaRPr b="0" lang="en-US" sz="3200" spc="-1" strike="noStrike">
-              <a:solidFill>
-                <a:srgbClr val="333399"/>
-              </a:solidFill>
-              <a:latin typeface="Arial"/>
-            </a:endParaRPr>
-          </a:p>
-        </p:txBody>
-      </p:sp>
-      <p:sp>
-        <p:nvSpPr>
-          <p:cNvPr id="11" name="PlaceHolder 3"/>
+              <a:latin typeface="Arial"/>
+            </a:endParaRPr>
+          </a:p>
+        </p:txBody>
+      </p:sp>
+      <p:sp>
+        <p:nvSpPr>
+          <p:cNvPr id="8" name="PlaceHolder 3"/>
           <p:cNvSpPr>
             <a:spLocks noGrp="1"/>
           </p:cNvSpPr>
@@ -1162,9 +1114,6 @@
           </a:bodyPr>
           <a:p>
             <a:endParaRPr b="0" lang="en-US" sz="3200" spc="-1" strike="noStrike">
-              <a:solidFill>
-                <a:srgbClr val="333399"/>
-              </a:solidFill>
               <a:latin typeface="Arial"/>
             </a:endParaRPr>
           </a:p>
@@ -1194,7 +1143,7 @@
       </p:grpSpPr>
       <p:sp>
         <p:nvSpPr>
-          <p:cNvPr id="12" name="PlaceHolder 1"/>
+          <p:cNvPr id="9" name="PlaceHolder 1"/>
           <p:cNvSpPr>
             <a:spLocks noGrp="1"/>
           </p:cNvSpPr>
@@ -1205,7 +1154,7 @@
         <p:spPr>
           <a:xfrm>
             <a:off x="342720" y="394920"/>
-            <a:ext cx="6171840" cy="1653840"/>
+            <a:ext cx="6171480" cy="1653480"/>
           </a:xfrm>
           <a:prstGeom prst="rect">
             <a:avLst/>
@@ -1214,10 +1163,8 @@
         <p:txBody>
           <a:bodyPr lIns="0" rIns="0" tIns="0" bIns="0" anchor="ctr"/>
           <a:p>
-            <a:endParaRPr b="0" lang="en-US" sz="3200" spc="-1" strike="noStrike">
-              <a:solidFill>
-                <a:srgbClr val="000000"/>
-              </a:solidFill>
+            <a:pPr algn="ctr"/>
+            <a:endParaRPr b="0" lang="en-US" sz="4400" spc="-1" strike="noStrike">
               <a:latin typeface="Arial"/>
             </a:endParaRPr>
           </a:p>
@@ -1247,7 +1194,7 @@
       </p:grpSpPr>
       <p:sp>
         <p:nvSpPr>
-          <p:cNvPr id="13" name="PlaceHolder 1"/>
+          <p:cNvPr id="10" name="PlaceHolder 1"/>
           <p:cNvSpPr>
             <a:spLocks noGrp="1"/>
           </p:cNvSpPr>
@@ -1258,7 +1205,7 @@
         <p:spPr>
           <a:xfrm>
             <a:off x="342720" y="394920"/>
-            <a:ext cx="6171840" cy="7667640"/>
+            <a:ext cx="6171480" cy="7665840"/>
           </a:xfrm>
           <a:prstGeom prst="rect">
             <a:avLst/>
@@ -1298,7 +1245,7 @@
       </p:grpSpPr>
       <p:sp>
         <p:nvSpPr>
-          <p:cNvPr id="14" name="PlaceHolder 1"/>
+          <p:cNvPr id="11" name="PlaceHolder 1"/>
           <p:cNvSpPr>
             <a:spLocks noGrp="1"/>
           </p:cNvSpPr>
@@ -1309,7 +1256,7 @@
         <p:spPr>
           <a:xfrm>
             <a:off x="342720" y="394920"/>
-            <a:ext cx="6171840" cy="1653840"/>
+            <a:ext cx="6171480" cy="1653480"/>
           </a:xfrm>
           <a:prstGeom prst="rect">
             <a:avLst/>
@@ -1318,18 +1265,16 @@
         <p:txBody>
           <a:bodyPr lIns="0" rIns="0" tIns="0" bIns="0" anchor="ctr"/>
           <a:p>
-            <a:endParaRPr b="0" lang="en-US" sz="3200" spc="-1" strike="noStrike">
-              <a:solidFill>
-                <a:srgbClr val="000000"/>
-              </a:solidFill>
-              <a:latin typeface="Arial"/>
-            </a:endParaRPr>
-          </a:p>
-        </p:txBody>
-      </p:sp>
-      <p:sp>
-        <p:nvSpPr>
-          <p:cNvPr id="15" name="PlaceHolder 2"/>
+            <a:pPr algn="ctr"/>
+            <a:endParaRPr b="0" lang="en-US" sz="4400" spc="-1" strike="noStrike">
+              <a:latin typeface="Arial"/>
+            </a:endParaRPr>
+          </a:p>
+        </p:txBody>
+      </p:sp>
+      <p:sp>
+        <p:nvSpPr>
+          <p:cNvPr id="12" name="PlaceHolder 2"/>
           <p:cNvSpPr>
             <a:spLocks noGrp="1"/>
           </p:cNvSpPr>
@@ -1352,17 +1297,14 @@
           </a:bodyPr>
           <a:p>
             <a:endParaRPr b="0" lang="en-US" sz="3200" spc="-1" strike="noStrike">
-              <a:solidFill>
-                <a:srgbClr val="333399"/>
-              </a:solidFill>
-              <a:latin typeface="Arial"/>
-            </a:endParaRPr>
-          </a:p>
-        </p:txBody>
-      </p:sp>
-      <p:sp>
-        <p:nvSpPr>
-          <p:cNvPr id="16" name="PlaceHolder 3"/>
+              <a:latin typeface="Arial"/>
+            </a:endParaRPr>
+          </a:p>
+        </p:txBody>
+      </p:sp>
+      <p:sp>
+        <p:nvSpPr>
+          <p:cNvPr id="13" name="PlaceHolder 3"/>
           <p:cNvSpPr>
             <a:spLocks noGrp="1"/>
           </p:cNvSpPr>
@@ -1385,17 +1327,14 @@
           </a:bodyPr>
           <a:p>
             <a:endParaRPr b="0" lang="en-US" sz="3200" spc="-1" strike="noStrike">
-              <a:solidFill>
-                <a:srgbClr val="333399"/>
-              </a:solidFill>
-              <a:latin typeface="Arial"/>
-            </a:endParaRPr>
-          </a:p>
-        </p:txBody>
-      </p:sp>
-      <p:sp>
-        <p:nvSpPr>
-          <p:cNvPr id="17" name="PlaceHolder 4"/>
+              <a:latin typeface="Arial"/>
+            </a:endParaRPr>
+          </a:p>
+        </p:txBody>
+      </p:sp>
+      <p:sp>
+        <p:nvSpPr>
+          <p:cNvPr id="14" name="PlaceHolder 4"/>
           <p:cNvSpPr>
             <a:spLocks noGrp="1"/>
           </p:cNvSpPr>
@@ -1418,9 +1357,6 @@
           </a:bodyPr>
           <a:p>
             <a:endParaRPr b="0" lang="en-US" sz="3200" spc="-1" strike="noStrike">
-              <a:solidFill>
-                <a:srgbClr val="333399"/>
-              </a:solidFill>
               <a:latin typeface="Arial"/>
             </a:endParaRPr>
           </a:p>
@@ -1450,7 +1386,7 @@
       </p:grpSpPr>
       <p:sp>
         <p:nvSpPr>
-          <p:cNvPr id="18" name="PlaceHolder 1"/>
+          <p:cNvPr id="15" name="PlaceHolder 1"/>
           <p:cNvSpPr>
             <a:spLocks noGrp="1"/>
           </p:cNvSpPr>
@@ -1461,7 +1397,7 @@
         <p:spPr>
           <a:xfrm>
             <a:off x="342720" y="394920"/>
-            <a:ext cx="6171840" cy="1653840"/>
+            <a:ext cx="6171480" cy="1653480"/>
           </a:xfrm>
           <a:prstGeom prst="rect">
             <a:avLst/>
@@ -1470,18 +1406,16 @@
         <p:txBody>
           <a:bodyPr lIns="0" rIns="0" tIns="0" bIns="0" anchor="ctr"/>
           <a:p>
-            <a:endParaRPr b="0" lang="en-US" sz="3200" spc="-1" strike="noStrike">
-              <a:solidFill>
-                <a:srgbClr val="000000"/>
-              </a:solidFill>
-              <a:latin typeface="Arial"/>
-            </a:endParaRPr>
-          </a:p>
-        </p:txBody>
-      </p:sp>
-      <p:sp>
-        <p:nvSpPr>
-          <p:cNvPr id="19" name="PlaceHolder 2"/>
+            <a:pPr algn="ctr"/>
+            <a:endParaRPr b="0" lang="en-US" sz="4400" spc="-1" strike="noStrike">
+              <a:latin typeface="Arial"/>
+            </a:endParaRPr>
+          </a:p>
+        </p:txBody>
+      </p:sp>
+      <p:sp>
+        <p:nvSpPr>
+          <p:cNvPr id="16" name="PlaceHolder 2"/>
           <p:cNvSpPr>
             <a:spLocks noGrp="1"/>
           </p:cNvSpPr>
@@ -1504,17 +1438,14 @@
           </a:bodyPr>
           <a:p>
             <a:endParaRPr b="0" lang="en-US" sz="3200" spc="-1" strike="noStrike">
-              <a:solidFill>
-                <a:srgbClr val="333399"/>
-              </a:solidFill>
-              <a:latin typeface="Arial"/>
-            </a:endParaRPr>
-          </a:p>
-        </p:txBody>
-      </p:sp>
-      <p:sp>
-        <p:nvSpPr>
-          <p:cNvPr id="20" name="PlaceHolder 3"/>
+              <a:latin typeface="Arial"/>
+            </a:endParaRPr>
+          </a:p>
+        </p:txBody>
+      </p:sp>
+      <p:sp>
+        <p:nvSpPr>
+          <p:cNvPr id="17" name="PlaceHolder 3"/>
           <p:cNvSpPr>
             <a:spLocks noGrp="1"/>
           </p:cNvSpPr>
@@ -1537,17 +1468,14 @@
           </a:bodyPr>
           <a:p>
             <a:endParaRPr b="0" lang="en-US" sz="3200" spc="-1" strike="noStrike">
-              <a:solidFill>
-                <a:srgbClr val="333399"/>
-              </a:solidFill>
-              <a:latin typeface="Arial"/>
-            </a:endParaRPr>
-          </a:p>
-        </p:txBody>
-      </p:sp>
-      <p:sp>
-        <p:nvSpPr>
-          <p:cNvPr id="21" name="PlaceHolder 4"/>
+              <a:latin typeface="Arial"/>
+            </a:endParaRPr>
+          </a:p>
+        </p:txBody>
+      </p:sp>
+      <p:sp>
+        <p:nvSpPr>
+          <p:cNvPr id="18" name="PlaceHolder 4"/>
           <p:cNvSpPr>
             <a:spLocks noGrp="1"/>
           </p:cNvSpPr>
@@ -1570,9 +1498,6 @@
           </a:bodyPr>
           <a:p>
             <a:endParaRPr b="0" lang="en-US" sz="3200" spc="-1" strike="noStrike">
-              <a:solidFill>
-                <a:srgbClr val="333399"/>
-              </a:solidFill>
               <a:latin typeface="Arial"/>
             </a:endParaRPr>
           </a:p>
@@ -1602,7 +1527,7 @@
       </p:grpSpPr>
       <p:sp>
         <p:nvSpPr>
-          <p:cNvPr id="22" name="PlaceHolder 1"/>
+          <p:cNvPr id="19" name="PlaceHolder 1"/>
           <p:cNvSpPr>
             <a:spLocks noGrp="1"/>
           </p:cNvSpPr>
@@ -1613,7 +1538,7 @@
         <p:spPr>
           <a:xfrm>
             <a:off x="342720" y="394920"/>
-            <a:ext cx="6171840" cy="1653840"/>
+            <a:ext cx="6171480" cy="1653480"/>
           </a:xfrm>
           <a:prstGeom prst="rect">
             <a:avLst/>
@@ -1622,18 +1547,16 @@
         <p:txBody>
           <a:bodyPr lIns="0" rIns="0" tIns="0" bIns="0" anchor="ctr"/>
           <a:p>
-            <a:endParaRPr b="0" lang="en-US" sz="3200" spc="-1" strike="noStrike">
-              <a:solidFill>
-                <a:srgbClr val="000000"/>
-              </a:solidFill>
-              <a:latin typeface="Arial"/>
-            </a:endParaRPr>
-          </a:p>
-        </p:txBody>
-      </p:sp>
-      <p:sp>
-        <p:nvSpPr>
-          <p:cNvPr id="23" name="PlaceHolder 2"/>
+            <a:pPr algn="ctr"/>
+            <a:endParaRPr b="0" lang="en-US" sz="4400" spc="-1" strike="noStrike">
+              <a:latin typeface="Arial"/>
+            </a:endParaRPr>
+          </a:p>
+        </p:txBody>
+      </p:sp>
+      <p:sp>
+        <p:nvSpPr>
+          <p:cNvPr id="20" name="PlaceHolder 2"/>
           <p:cNvSpPr>
             <a:spLocks noGrp="1"/>
           </p:cNvSpPr>
@@ -1656,17 +1579,14 @@
           </a:bodyPr>
           <a:p>
             <a:endParaRPr b="0" lang="en-US" sz="3200" spc="-1" strike="noStrike">
-              <a:solidFill>
-                <a:srgbClr val="333399"/>
-              </a:solidFill>
-              <a:latin typeface="Arial"/>
-            </a:endParaRPr>
-          </a:p>
-        </p:txBody>
-      </p:sp>
-      <p:sp>
-        <p:nvSpPr>
-          <p:cNvPr id="24" name="PlaceHolder 3"/>
+              <a:latin typeface="Arial"/>
+            </a:endParaRPr>
+          </a:p>
+        </p:txBody>
+      </p:sp>
+      <p:sp>
+        <p:nvSpPr>
+          <p:cNvPr id="21" name="PlaceHolder 3"/>
           <p:cNvSpPr>
             <a:spLocks noGrp="1"/>
           </p:cNvSpPr>
@@ -1689,17 +1609,14 @@
           </a:bodyPr>
           <a:p>
             <a:endParaRPr b="0" lang="en-US" sz="3200" spc="-1" strike="noStrike">
-              <a:solidFill>
-                <a:srgbClr val="333399"/>
-              </a:solidFill>
-              <a:latin typeface="Arial"/>
-            </a:endParaRPr>
-          </a:p>
-        </p:txBody>
-      </p:sp>
-      <p:sp>
-        <p:nvSpPr>
-          <p:cNvPr id="25" name="PlaceHolder 4"/>
+              <a:latin typeface="Arial"/>
+            </a:endParaRPr>
+          </a:p>
+        </p:txBody>
+      </p:sp>
+      <p:sp>
+        <p:nvSpPr>
+          <p:cNvPr id="22" name="PlaceHolder 4"/>
           <p:cNvSpPr>
             <a:spLocks noGrp="1"/>
           </p:cNvSpPr>
@@ -1722,9 +1639,6 @@
           </a:bodyPr>
           <a:p>
             <a:endParaRPr b="0" lang="en-US" sz="3200" spc="-1" strike="noStrike">
-              <a:solidFill>
-                <a:srgbClr val="333399"/>
-              </a:solidFill>
               <a:latin typeface="Arial"/>
             </a:endParaRPr>
           </a:p>
@@ -1766,111 +1680,13 @@
             <a:spLocks noGrp="1"/>
           </p:cNvSpPr>
           <p:nvPr>
-            <p:ph type="dt"/>
-          </p:nvPr>
-        </p:nvSpPr>
-        <p:spPr>
-          <a:xfrm>
-            <a:off x="343080" y="9020880"/>
-            <a:ext cx="1599840" cy="687600"/>
-          </a:xfrm>
-          <a:prstGeom prst="rect">
-            <a:avLst/>
-          </a:prstGeom>
-        </p:spPr>
-        <p:txBody>
-          <a:bodyPr/>
-          <a:p>
-            <a:endParaRPr b="0" lang="en-US" sz="2400" spc="-1" strike="noStrike">
-              <a:latin typeface="Times New Roman"/>
-            </a:endParaRPr>
-          </a:p>
-        </p:txBody>
-      </p:sp>
-      <p:sp>
-        <p:nvSpPr>
-          <p:cNvPr id="1" name="PlaceHolder 2"/>
-          <p:cNvSpPr>
-            <a:spLocks noGrp="1"/>
-          </p:cNvSpPr>
-          <p:nvPr>
-            <p:ph type="ftr"/>
-          </p:nvPr>
-        </p:nvSpPr>
-        <p:spPr>
-          <a:xfrm>
-            <a:off x="2343240" y="9020880"/>
-            <a:ext cx="2171520" cy="687600"/>
-          </a:xfrm>
-          <a:prstGeom prst="rect">
-            <a:avLst/>
-          </a:prstGeom>
-        </p:spPr>
-        <p:txBody>
-          <a:bodyPr/>
-          <a:p>
-            <a:endParaRPr b="0" lang="en-US" sz="2400" spc="-1" strike="noStrike">
-              <a:latin typeface="Times New Roman"/>
-            </a:endParaRPr>
-          </a:p>
-        </p:txBody>
-      </p:sp>
-      <p:sp>
-        <p:nvSpPr>
-          <p:cNvPr id="2" name="PlaceHolder 3"/>
-          <p:cNvSpPr>
-            <a:spLocks noGrp="1"/>
-          </p:cNvSpPr>
-          <p:nvPr>
-            <p:ph type="sldNum"/>
-          </p:nvPr>
-        </p:nvSpPr>
-        <p:spPr>
-          <a:xfrm>
-            <a:off x="5257800" y="9369360"/>
-            <a:ext cx="1599840" cy="371160"/>
-          </a:xfrm>
-          <a:prstGeom prst="rect">
-            <a:avLst/>
-          </a:prstGeom>
-        </p:spPr>
-        <p:txBody>
-          <a:bodyPr/>
-          <a:p>
-            <a:pPr algn="r">
-              <a:lnSpc>
-                <a:spcPct val="100000"/>
-              </a:lnSpc>
-            </a:pPr>
-            <a:r>
-              <a:rPr b="0" lang="en-US" sz="1400" spc="-1" strike="noStrike">
-                <a:solidFill>
-                  <a:srgbClr val="333399"/>
-                </a:solidFill>
-                <a:latin typeface="Arial"/>
-              </a:rPr>
-              <a:t>www.sbi.uni-rostock.de</a:t>
-            </a:r>
-            <a:endParaRPr b="0" lang="en-US" sz="1400" spc="-1" strike="noStrike">
-              <a:latin typeface="Times New Roman"/>
-            </a:endParaRPr>
-          </a:p>
-        </p:txBody>
-      </p:sp>
-      <p:sp>
-        <p:nvSpPr>
-          <p:cNvPr id="3" name="PlaceHolder 4"/>
-          <p:cNvSpPr>
-            <a:spLocks noGrp="1"/>
-          </p:cNvSpPr>
-          <p:nvPr>
             <p:ph type="title"/>
           </p:nvPr>
         </p:nvSpPr>
         <p:spPr>
           <a:xfrm>
             <a:off x="342720" y="394920"/>
-            <a:ext cx="6171840" cy="1653840"/>
+            <a:ext cx="6171480" cy="1653480"/>
           </a:xfrm>
           <a:prstGeom prst="rect">
             <a:avLst/>
@@ -1880,242 +1696,26 @@
           <a:bodyPr lIns="0" rIns="0" tIns="0" bIns="0" anchor="ctr"/>
           <a:p>
             <a:r>
-              <a:rPr b="0" lang="en-US" sz="3200" spc="-1" strike="noStrike">
-                <a:solidFill>
-                  <a:srgbClr val="000000"/>
-                </a:solidFill>
+              <a:rPr b="0" lang="en-US" sz="1800" spc="-1" strike="noStrike">
                 <a:latin typeface="Arial"/>
               </a:rPr>
-              <a:t>C</a:t>
-            </a:r>
-            <a:r>
-              <a:rPr b="0" lang="en-US" sz="3200" spc="-1" strike="noStrike">
-                <a:solidFill>
-                  <a:srgbClr val="000000"/>
-                </a:solidFill>
+              <a:t>Click to edit the title text </a:t>
+            </a:r>
+            <a:r>
+              <a:rPr b="0" lang="en-US" sz="1800" spc="-1" strike="noStrike">
                 <a:latin typeface="Arial"/>
               </a:rPr>
-              <a:t>li</a:t>
-            </a:r>
-            <a:r>
-              <a:rPr b="0" lang="en-US" sz="3200" spc="-1" strike="noStrike">
-                <a:solidFill>
-                  <a:srgbClr val="000000"/>
-                </a:solidFill>
-                <a:latin typeface="Arial"/>
-              </a:rPr>
-              <a:t>c</a:t>
-            </a:r>
-            <a:r>
-              <a:rPr b="0" lang="en-US" sz="3200" spc="-1" strike="noStrike">
-                <a:solidFill>
-                  <a:srgbClr val="000000"/>
-                </a:solidFill>
-                <a:latin typeface="Arial"/>
-              </a:rPr>
-              <a:t>k </a:t>
-            </a:r>
-            <a:r>
-              <a:rPr b="0" lang="en-US" sz="3200" spc="-1" strike="noStrike">
-                <a:solidFill>
-                  <a:srgbClr val="000000"/>
-                </a:solidFill>
-                <a:latin typeface="Arial"/>
-              </a:rPr>
-              <a:t>t</a:t>
-            </a:r>
-            <a:r>
-              <a:rPr b="0" lang="en-US" sz="3200" spc="-1" strike="noStrike">
-                <a:solidFill>
-                  <a:srgbClr val="000000"/>
-                </a:solidFill>
-                <a:latin typeface="Arial"/>
-              </a:rPr>
-              <a:t>o </a:t>
-            </a:r>
-            <a:r>
-              <a:rPr b="0" lang="en-US" sz="3200" spc="-1" strike="noStrike">
-                <a:solidFill>
-                  <a:srgbClr val="000000"/>
-                </a:solidFill>
-                <a:latin typeface="Arial"/>
-              </a:rPr>
-              <a:t>e</a:t>
-            </a:r>
-            <a:r>
-              <a:rPr b="0" lang="en-US" sz="3200" spc="-1" strike="noStrike">
-                <a:solidFill>
-                  <a:srgbClr val="000000"/>
-                </a:solidFill>
-                <a:latin typeface="Arial"/>
-              </a:rPr>
-              <a:t>d</a:t>
-            </a:r>
-            <a:r>
-              <a:rPr b="0" lang="en-US" sz="3200" spc="-1" strike="noStrike">
-                <a:solidFill>
-                  <a:srgbClr val="000000"/>
-                </a:solidFill>
-                <a:latin typeface="Arial"/>
-              </a:rPr>
-              <a:t>it </a:t>
-            </a:r>
-            <a:r>
-              <a:rPr b="0" lang="en-US" sz="3200" spc="-1" strike="noStrike">
-                <a:solidFill>
-                  <a:srgbClr val="000000"/>
-                </a:solidFill>
-                <a:latin typeface="Arial"/>
-              </a:rPr>
-              <a:t>t</a:t>
-            </a:r>
-            <a:r>
-              <a:rPr b="0" lang="en-US" sz="3200" spc="-1" strike="noStrike">
-                <a:solidFill>
-                  <a:srgbClr val="000000"/>
-                </a:solidFill>
-                <a:latin typeface="Arial"/>
-              </a:rPr>
-              <a:t>h</a:t>
-            </a:r>
-            <a:r>
-              <a:rPr b="0" lang="en-US" sz="3200" spc="-1" strike="noStrike">
-                <a:solidFill>
-                  <a:srgbClr val="000000"/>
-                </a:solidFill>
-                <a:latin typeface="Arial"/>
-              </a:rPr>
-              <a:t>e </a:t>
-            </a:r>
-            <a:r>
-              <a:rPr b="0" lang="en-US" sz="3200" spc="-1" strike="noStrike">
-                <a:solidFill>
-                  <a:srgbClr val="000000"/>
-                </a:solidFill>
-                <a:latin typeface="Arial"/>
-              </a:rPr>
-              <a:t>ti</a:t>
-            </a:r>
-            <a:r>
-              <a:rPr b="0" lang="en-US" sz="3200" spc="-1" strike="noStrike">
-                <a:solidFill>
-                  <a:srgbClr val="000000"/>
-                </a:solidFill>
-                <a:latin typeface="Arial"/>
-              </a:rPr>
-              <a:t>tl</a:t>
-            </a:r>
-            <a:r>
-              <a:rPr b="0" lang="en-US" sz="3200" spc="-1" strike="noStrike">
-                <a:solidFill>
-                  <a:srgbClr val="000000"/>
-                </a:solidFill>
-                <a:latin typeface="Arial"/>
-              </a:rPr>
-              <a:t>e </a:t>
-            </a:r>
-            <a:r>
-              <a:rPr b="0" lang="en-US" sz="3200" spc="-1" strike="noStrike">
-                <a:solidFill>
-                  <a:srgbClr val="000000"/>
-                </a:solidFill>
-                <a:latin typeface="Arial"/>
-              </a:rPr>
-              <a:t>t</a:t>
-            </a:r>
-            <a:r>
-              <a:rPr b="0" lang="en-US" sz="3200" spc="-1" strike="noStrike">
-                <a:solidFill>
-                  <a:srgbClr val="000000"/>
-                </a:solidFill>
-                <a:latin typeface="Arial"/>
-              </a:rPr>
-              <a:t>e</a:t>
-            </a:r>
-            <a:r>
-              <a:rPr b="0" lang="en-US" sz="3200" spc="-1" strike="noStrike">
-                <a:solidFill>
-                  <a:srgbClr val="000000"/>
-                </a:solidFill>
-                <a:latin typeface="Arial"/>
-              </a:rPr>
-              <a:t>x</a:t>
-            </a:r>
-            <a:r>
-              <a:rPr b="0" lang="en-US" sz="3200" spc="-1" strike="noStrike">
-                <a:solidFill>
-                  <a:srgbClr val="000000"/>
-                </a:solidFill>
-                <a:latin typeface="Arial"/>
-              </a:rPr>
-              <a:t>t </a:t>
-            </a:r>
-            <a:r>
-              <a:rPr b="0" lang="en-US" sz="3200" spc="-1" strike="noStrike">
-                <a:solidFill>
-                  <a:srgbClr val="000000"/>
-                </a:solidFill>
-                <a:latin typeface="Arial"/>
-              </a:rPr>
-              <a:t>f</a:t>
-            </a:r>
-            <a:r>
-              <a:rPr b="0" lang="en-US" sz="3200" spc="-1" strike="noStrike">
-                <a:solidFill>
-                  <a:srgbClr val="000000"/>
-                </a:solidFill>
-                <a:latin typeface="Arial"/>
-              </a:rPr>
-              <a:t>o</a:t>
-            </a:r>
-            <a:r>
-              <a:rPr b="0" lang="en-US" sz="3200" spc="-1" strike="noStrike">
-                <a:solidFill>
-                  <a:srgbClr val="000000"/>
-                </a:solidFill>
-                <a:latin typeface="Arial"/>
-              </a:rPr>
-              <a:t>r</a:t>
-            </a:r>
-            <a:r>
-              <a:rPr b="0" lang="en-US" sz="3200" spc="-1" strike="noStrike">
-                <a:solidFill>
-                  <a:srgbClr val="000000"/>
-                </a:solidFill>
-                <a:latin typeface="Arial"/>
-              </a:rPr>
-              <a:t>m</a:t>
-            </a:r>
-            <a:r>
-              <a:rPr b="0" lang="en-US" sz="3200" spc="-1" strike="noStrike">
-                <a:solidFill>
-                  <a:srgbClr val="000000"/>
-                </a:solidFill>
-                <a:latin typeface="Arial"/>
-              </a:rPr>
-              <a:t>a</a:t>
-            </a:r>
-            <a:r>
-              <a:rPr b="0" lang="en-US" sz="3200" spc="-1" strike="noStrike">
-                <a:solidFill>
-                  <a:srgbClr val="000000"/>
-                </a:solidFill>
-                <a:latin typeface="Arial"/>
-              </a:rPr>
-              <a:t>t</a:t>
-            </a:r>
-            <a:endParaRPr b="0" lang="en-US" sz="3200" spc="-1" strike="noStrike">
-              <a:solidFill>
-                <a:srgbClr val="000000"/>
-              </a:solidFill>
-              <a:latin typeface="Arial"/>
-            </a:endParaRPr>
-          </a:p>
-        </p:txBody>
-      </p:sp>
-      <p:sp>
-        <p:nvSpPr>
-          <p:cNvPr id="4" name="PlaceHolder 5"/>
+              <a:t>format</a:t>
+            </a:r>
+            <a:endParaRPr b="0" lang="en-US" sz="1800" spc="-1" strike="noStrike">
+              <a:latin typeface="Arial"/>
+            </a:endParaRPr>
+          </a:p>
+        </p:txBody>
+      </p:sp>
+      <p:sp>
+        <p:nvSpPr>
+          <p:cNvPr id="1" name="PlaceHolder 2"/>
           <p:cNvSpPr>
             <a:spLocks noGrp="1"/>
           </p:cNvSpPr>
@@ -2150,17 +1750,11 @@
             </a:pPr>
             <a:r>
               <a:rPr b="0" lang="en-US" sz="3200" spc="-1" strike="noStrike">
-                <a:solidFill>
-                  <a:srgbClr val="333399"/>
-                </a:solidFill>
                 <a:latin typeface="Arial"/>
               </a:rPr>
               <a:t>Click to edit the outline text format</a:t>
             </a:r>
             <a:endParaRPr b="0" lang="en-US" sz="3200" spc="-1" strike="noStrike">
-              <a:solidFill>
-                <a:srgbClr val="333399"/>
-              </a:solidFill>
               <a:latin typeface="Arial"/>
             </a:endParaRPr>
           </a:p>
@@ -2177,18 +1771,12 @@
               <a:buChar char=""/>
             </a:pPr>
             <a:r>
-              <a:rPr b="0" lang="en-US" sz="2400" spc="-1" strike="noStrike">
-                <a:solidFill>
-                  <a:srgbClr val="333399"/>
-                </a:solidFill>
+              <a:rPr b="0" lang="en-US" sz="2800" spc="-1" strike="noStrike">
                 <a:latin typeface="Arial"/>
               </a:rPr>
               <a:t>Second Outline Level</a:t>
             </a:r>
-            <a:endParaRPr b="0" lang="en-US" sz="2400" spc="-1" strike="noStrike">
-              <a:solidFill>
-                <a:srgbClr val="333399"/>
-              </a:solidFill>
+            <a:endParaRPr b="0" lang="en-US" sz="2800" spc="-1" strike="noStrike">
               <a:latin typeface="Arial"/>
             </a:endParaRPr>
           </a:p>
@@ -2205,18 +1793,12 @@
               <a:buChar char=""/>
             </a:pPr>
             <a:r>
-              <a:rPr b="0" lang="en-US" sz="2000" spc="-1" strike="noStrike">
-                <a:solidFill>
-                  <a:srgbClr val="333399"/>
-                </a:solidFill>
+              <a:rPr b="0" lang="en-US" sz="2400" spc="-1" strike="noStrike">
                 <a:latin typeface="Arial"/>
               </a:rPr>
               <a:t>Third Outline Level</a:t>
             </a:r>
-            <a:endParaRPr b="0" lang="en-US" sz="2000" spc="-1" strike="noStrike">
-              <a:solidFill>
-                <a:srgbClr val="333399"/>
-              </a:solidFill>
+            <a:endParaRPr b="0" lang="en-US" sz="2400" spc="-1" strike="noStrike">
               <a:latin typeface="Arial"/>
             </a:endParaRPr>
           </a:p>
@@ -2234,17 +1816,11 @@
             </a:pPr>
             <a:r>
               <a:rPr b="0" lang="en-US" sz="2000" spc="-1" strike="noStrike">
-                <a:solidFill>
-                  <a:srgbClr val="333399"/>
-                </a:solidFill>
                 <a:latin typeface="Arial"/>
               </a:rPr>
               <a:t>Fourth Outline Level</a:t>
             </a:r>
             <a:endParaRPr b="0" lang="en-US" sz="2000" spc="-1" strike="noStrike">
-              <a:solidFill>
-                <a:srgbClr val="333399"/>
-              </a:solidFill>
               <a:latin typeface="Arial"/>
             </a:endParaRPr>
           </a:p>
@@ -2262,17 +1838,11 @@
             </a:pPr>
             <a:r>
               <a:rPr b="0" lang="en-US" sz="2000" spc="-1" strike="noStrike">
-                <a:solidFill>
-                  <a:srgbClr val="333399"/>
-                </a:solidFill>
                 <a:latin typeface="Arial"/>
               </a:rPr>
               <a:t>Fifth Outline Level</a:t>
             </a:r>
             <a:endParaRPr b="0" lang="en-US" sz="2000" spc="-1" strike="noStrike">
-              <a:solidFill>
-                <a:srgbClr val="333399"/>
-              </a:solidFill>
               <a:latin typeface="Arial"/>
             </a:endParaRPr>
           </a:p>
@@ -2290,17 +1860,11 @@
             </a:pPr>
             <a:r>
               <a:rPr b="0" lang="en-US" sz="2000" spc="-1" strike="noStrike">
-                <a:solidFill>
-                  <a:srgbClr val="333399"/>
-                </a:solidFill>
                 <a:latin typeface="Arial"/>
               </a:rPr>
               <a:t>Sixth Outline Level</a:t>
             </a:r>
             <a:endParaRPr b="0" lang="en-US" sz="2000" spc="-1" strike="noStrike">
-              <a:solidFill>
-                <a:srgbClr val="333399"/>
-              </a:solidFill>
               <a:latin typeface="Arial"/>
             </a:endParaRPr>
           </a:p>
@@ -2318,17 +1882,11 @@
             </a:pPr>
             <a:r>
               <a:rPr b="0" lang="en-US" sz="2000" spc="-1" strike="noStrike">
-                <a:solidFill>
-                  <a:srgbClr val="333399"/>
-                </a:solidFill>
                 <a:latin typeface="Arial"/>
               </a:rPr>
               <a:t>Seventh Outline Level</a:t>
             </a:r>
             <a:endParaRPr b="0" lang="en-US" sz="2000" spc="-1" strike="noStrike">
-              <a:solidFill>
-                <a:srgbClr val="333399"/>
-              </a:solidFill>
               <a:latin typeface="Arial"/>
             </a:endParaRPr>
           </a:p>
@@ -2373,21 +1931,25 @@
       </p:grpSpPr>
       <p:sp>
         <p:nvSpPr>
-          <p:cNvPr id="46" name="CustomShape 1"/>
+          <p:cNvPr id="43" name="CustomShape 1"/>
           <p:cNvSpPr/>
           <p:nvPr/>
         </p:nvSpPr>
         <p:spPr>
           <a:xfrm>
-            <a:off x="0" y="753840"/>
-            <a:ext cx="6857640" cy="1003680"/>
-          </a:xfrm>
-          <a:prstGeom prst="rect">
-            <a:avLst/>
-          </a:prstGeom>
-          <a:noFill/>
+            <a:off x="114480" y="9206640"/>
+            <a:ext cx="6600240" cy="943200"/>
+          </a:xfrm>
+          <a:prstGeom prst="rect">
+            <a:avLst/>
+          </a:prstGeom>
+          <a:solidFill>
+            <a:srgbClr val="2f5597"/>
+          </a:solidFill>
           <a:ln>
-            <a:noFill/>
+            <a:solidFill>
+              <a:srgbClr val="3465a4"/>
+            </a:solidFill>
           </a:ln>
         </p:spPr>
         <p:style>
@@ -2396,6 +1958,32 @@
           <a:effectRef idx="0"/>
           <a:fontRef idx="minor"/>
         </p:style>
+      </p:sp>
+      <p:sp>
+        <p:nvSpPr>
+          <p:cNvPr id="44" name="CustomShape 2"/>
+          <p:cNvSpPr/>
+          <p:nvPr/>
+        </p:nvSpPr>
+        <p:spPr>
+          <a:xfrm>
+            <a:off x="0" y="753840"/>
+            <a:ext cx="6857280" cy="1257840"/>
+          </a:xfrm>
+          <a:prstGeom prst="rect">
+            <a:avLst/>
+          </a:prstGeom>
+          <a:noFill/>
+          <a:ln>
+            <a:noFill/>
+          </a:ln>
+        </p:spPr>
+        <p:style>
+          <a:lnRef idx="0"/>
+          <a:fillRef idx="0"/>
+          <a:effectRef idx="0"/>
+          <a:fontRef idx="minor"/>
+        </p:style>
         <p:txBody>
           <a:bodyPr lIns="90000" rIns="90000" tIns="45000" bIns="45000"/>
           <a:p>
@@ -2415,6 +2003,9 @@
               <a:t>Towards automating and publishing workflow</a:t>
             </a:r>
             <a:endParaRPr b="0" lang="en-US" sz="2000" spc="-1" strike="noStrike">
+              <a:solidFill>
+                <a:srgbClr val="0070c0"/>
+              </a:solidFill>
               <a:latin typeface="Arial"/>
             </a:endParaRPr>
           </a:p>
@@ -2435,6 +2026,9 @@
               <a:t>analyses in Galaxy</a:t>
             </a:r>
             <a:endParaRPr b="0" lang="en-US" sz="2000" spc="-1" strike="noStrike">
+              <a:solidFill>
+                <a:srgbClr val="0070c0"/>
+              </a:solidFill>
               <a:latin typeface="Arial"/>
             </a:endParaRPr>
           </a:p>
@@ -2445,6 +2039,9 @@
               </a:lnSpc>
             </a:pPr>
             <a:endParaRPr b="0" lang="en-US" sz="2000" spc="-1" strike="noStrike">
+              <a:solidFill>
+                <a:srgbClr val="0070c0"/>
+              </a:solidFill>
               <a:latin typeface="Arial"/>
             </a:endParaRPr>
           </a:p>
@@ -2465,21 +2062,24 @@
               <a:t>Andrea Bagnacani, Markus Wolfien, Martin Scharm, Olaf Wolkenhauer</a:t>
             </a:r>
             <a:endParaRPr b="0" lang="en-US" sz="1200" spc="-1" strike="noStrike">
-              <a:latin typeface="Arial"/>
-            </a:endParaRPr>
-          </a:p>
-        </p:txBody>
-      </p:sp>
-      <p:sp>
-        <p:nvSpPr>
-          <p:cNvPr id="47" name="CustomShape 2"/>
+              <a:solidFill>
+                <a:srgbClr val="0070c0"/>
+              </a:solidFill>
+              <a:latin typeface="Arial"/>
+            </a:endParaRPr>
+          </a:p>
+        </p:txBody>
+      </p:sp>
+      <p:sp>
+        <p:nvSpPr>
+          <p:cNvPr id="45" name="CustomShape 3"/>
           <p:cNvSpPr/>
           <p:nvPr/>
         </p:nvSpPr>
         <p:spPr>
           <a:xfrm>
-            <a:off x="3183480" y="9129240"/>
-            <a:ext cx="1845720" cy="729720"/>
+            <a:off x="3291480" y="9201240"/>
+            <a:ext cx="1845360" cy="729360"/>
           </a:xfrm>
           <a:prstGeom prst="rect">
             <a:avLst/>
@@ -2506,7 +2106,7 @@
             <a:r>
               <a:rPr b="0" lang="en-US" sz="800" spc="-1" strike="noStrike">
                 <a:solidFill>
-                  <a:srgbClr val="000000"/>
+                  <a:srgbClr val="ffffff"/>
                 </a:solidFill>
                 <a:latin typeface="Cambria"/>
                 <a:ea typeface="ＭＳ Ｐゴシック"/>
@@ -2514,7 +2114,10 @@
               <a:t>Andrea Bagnacani</a:t>
             </a:r>
             <a:endParaRPr b="0" lang="en-US" sz="800" spc="-1" strike="noStrike">
-              <a:latin typeface="Arial"/>
+              <a:solidFill>
+                <a:srgbClr val="ffffff"/>
+              </a:solidFill>
+              <a:latin typeface="Cambria"/>
             </a:endParaRPr>
           </a:p>
           <a:p>
@@ -2524,10 +2127,11 @@
               </a:lnSpc>
             </a:pPr>
             <a:r>
-              <a:rPr b="0" lang="en-US" sz="800" spc="-1" strike="noStrike">
-                <a:solidFill>
-                  <a:srgbClr val="000000"/>
-                </a:solidFill>
+              <a:rPr b="0" lang="en-US" sz="800" spc="-1" strike="noStrike" u="sng">
+                <a:solidFill>
+                  <a:srgbClr val="ffffff"/>
+                </a:solidFill>
+                <a:uFillTx/>
                 <a:latin typeface="Cambria"/>
                 <a:ea typeface="ＭＳ Ｐゴシック"/>
                 <a:hlinkClick r:id="rId1"/>
@@ -2535,7 +2139,10 @@
               <a:t>andrea.bagnacani@uni-rostock.de</a:t>
             </a:r>
             <a:endParaRPr b="0" lang="en-US" sz="800" spc="-1" strike="noStrike">
-              <a:latin typeface="Arial"/>
+              <a:solidFill>
+                <a:srgbClr val="ffffff"/>
+              </a:solidFill>
+              <a:latin typeface="Cambria"/>
             </a:endParaRPr>
           </a:p>
           <a:p>
@@ -2544,8 +2151,21 @@
                 <a:spcPct val="100000"/>
               </a:lnSpc>
             </a:pPr>
+            <a:r>
+              <a:rPr b="0" lang="en-US" sz="800" spc="-1" strike="noStrike">
+                <a:solidFill>
+                  <a:srgbClr val="ffffff"/>
+                </a:solidFill>
+                <a:latin typeface="Cambria"/>
+                <a:ea typeface="ＭＳ Ｐゴシック"/>
+              </a:rPr>
+              <a:t>Systems Biology and Bioinformatics</a:t>
+            </a:r>
             <a:endParaRPr b="0" lang="en-US" sz="800" spc="-1" strike="noStrike">
-              <a:latin typeface="Arial"/>
+              <a:solidFill>
+                <a:srgbClr val="ffffff"/>
+              </a:solidFill>
+              <a:latin typeface="Cambria"/>
             </a:endParaRPr>
           </a:p>
           <a:p>
@@ -2555,17 +2175,20 @@
               </a:lnSpc>
             </a:pPr>
             <a:r>
-              <a:rPr b="0" lang="en-US" sz="600" spc="-1" strike="noStrike">
-                <a:solidFill>
-                  <a:srgbClr val="000000"/>
-                </a:solidFill>
-                <a:latin typeface="Cambria"/>
-                <a:ea typeface="ＭＳ Ｐゴシック"/>
-              </a:rPr>
-              <a:t>Systems Biology and Bioinformatics</a:t>
-            </a:r>
-            <a:endParaRPr b="0" lang="en-US" sz="600" spc="-1" strike="noStrike">
-              <a:latin typeface="Arial"/>
+              <a:rPr b="0" lang="en-US" sz="800" spc="-1" strike="noStrike">
+                <a:solidFill>
+                  <a:srgbClr val="ffffff"/>
+                </a:solidFill>
+                <a:latin typeface="Cambria"/>
+                <a:ea typeface="ＭＳ Ｐゴシック"/>
+              </a:rPr>
+              <a:t>University of Rostock</a:t>
+            </a:r>
+            <a:endParaRPr b="0" lang="en-US" sz="800" spc="-1" strike="noStrike">
+              <a:solidFill>
+                <a:srgbClr val="ffffff"/>
+              </a:solidFill>
+              <a:latin typeface="Cambria"/>
             </a:endParaRPr>
           </a:p>
           <a:p>
@@ -2575,29 +2198,9 @@
               </a:lnSpc>
             </a:pPr>
             <a:r>
-              <a:rPr b="0" lang="en-US" sz="600" spc="-1" strike="noStrike">
-                <a:solidFill>
-                  <a:srgbClr val="000000"/>
-                </a:solidFill>
-                <a:latin typeface="Cambria"/>
-                <a:ea typeface="ＭＳ Ｐゴシック"/>
-              </a:rPr>
-              <a:t>University of Rostock</a:t>
-            </a:r>
-            <a:endParaRPr b="0" lang="en-US" sz="600" spc="-1" strike="noStrike">
-              <a:latin typeface="Arial"/>
-            </a:endParaRPr>
-          </a:p>
-          <a:p>
-            <a:pPr>
-              <a:lnSpc>
-                <a:spcPct val="100000"/>
-              </a:lnSpc>
-            </a:pPr>
-            <a:r>
               <a:rPr b="1" lang="en-US" sz="800" spc="-1" strike="noStrike">
                 <a:solidFill>
-                  <a:srgbClr val="729fcf"/>
+                  <a:srgbClr val="ffffff"/>
                 </a:solidFill>
                 <a:latin typeface="Cambria"/>
                 <a:ea typeface="ＭＳ Ｐゴシック"/>
@@ -2605,21 +2208,24 @@
               <a:t>www.sbi.uni-rostock.de</a:t>
             </a:r>
             <a:endParaRPr b="0" lang="en-US" sz="800" spc="-1" strike="noStrike">
-              <a:latin typeface="Arial"/>
-            </a:endParaRPr>
-          </a:p>
-        </p:txBody>
-      </p:sp>
-      <p:sp>
-        <p:nvSpPr>
-          <p:cNvPr id="48" name="CustomShape 3"/>
+              <a:solidFill>
+                <a:srgbClr val="ffffff"/>
+              </a:solidFill>
+              <a:latin typeface="Cambria"/>
+            </a:endParaRPr>
+          </a:p>
+        </p:txBody>
+      </p:sp>
+      <p:sp>
+        <p:nvSpPr>
+          <p:cNvPr id="46" name="CustomShape 4"/>
           <p:cNvSpPr/>
           <p:nvPr/>
         </p:nvSpPr>
         <p:spPr>
           <a:xfrm>
             <a:off x="174600" y="1881360"/>
-            <a:ext cx="3208680" cy="240840"/>
+            <a:ext cx="3117240" cy="240480"/>
           </a:xfrm>
           <a:prstGeom prst="roundRect">
             <a:avLst>
@@ -2627,7 +2233,7 @@
             </a:avLst>
           </a:prstGeom>
           <a:solidFill>
-            <a:srgbClr val="3465a4"/>
+            <a:srgbClr val="2f5597"/>
           </a:solidFill>
           <a:ln w="9360">
             <a:solidFill>
@@ -2668,7 +2274,7 @@
       </p:sp>
       <p:pic>
         <p:nvPicPr>
-          <p:cNvPr id="49" name="Picture 114" descr=""/>
+          <p:cNvPr id="47" name="Picture 114" descr=""/>
           <p:cNvPicPr/>
           <p:nvPr/>
         </p:nvPicPr>
@@ -2679,7 +2285,7 @@
         <p:spPr>
           <a:xfrm>
             <a:off x="5136480" y="56880"/>
-            <a:ext cx="1466640" cy="491760"/>
+            <a:ext cx="1466280" cy="491400"/>
           </a:xfrm>
           <a:prstGeom prst="rect">
             <a:avLst/>
@@ -2691,14 +2297,14 @@
       </p:pic>
       <p:sp>
         <p:nvSpPr>
-          <p:cNvPr id="50" name="CustomShape 4"/>
+          <p:cNvPr id="48" name="CustomShape 5"/>
           <p:cNvSpPr/>
           <p:nvPr/>
         </p:nvSpPr>
         <p:spPr>
           <a:xfrm>
-            <a:off x="114480" y="-182880"/>
-            <a:ext cx="6600600" cy="802080"/>
+            <a:off x="114480" y="640080"/>
+            <a:ext cx="6600240" cy="9966960"/>
           </a:xfrm>
           <a:prstGeom prst="roundRect">
             <a:avLst>
@@ -2708,7 +2314,7 @@
           <a:noFill/>
           <a:ln w="25560">
             <a:solidFill>
-              <a:srgbClr val="2d2d8a"/>
+              <a:srgbClr val="2f5597"/>
             </a:solidFill>
             <a:round/>
           </a:ln>
@@ -2720,26 +2326,143 @@
           <a:fontRef idx="minor"/>
         </p:style>
       </p:sp>
-      <p:sp>
-        <p:nvSpPr>
-          <p:cNvPr id="51" name="CustomShape 5"/>
+      <p:pic>
+        <p:nvPicPr>
+          <p:cNvPr id="49" name="" descr=""/>
+          <p:cNvPicPr/>
+          <p:nvPr/>
+        </p:nvPicPr>
+        <p:blipFill>
+          <a:blip r:embed="rId3"/>
+          <a:stretch/>
+        </p:blipFill>
+        <p:spPr>
+          <a:xfrm>
+            <a:off x="991800" y="91440"/>
+            <a:ext cx="1226880" cy="411840"/>
+          </a:xfrm>
+          <a:prstGeom prst="rect">
+            <a:avLst/>
+          </a:prstGeom>
+          <a:ln>
+            <a:noFill/>
+          </a:ln>
+        </p:spPr>
+      </p:pic>
+      <p:pic>
+        <p:nvPicPr>
+          <p:cNvPr id="50" name="" descr=""/>
+          <p:cNvPicPr/>
+          <p:nvPr/>
+        </p:nvPicPr>
+        <p:blipFill>
+          <a:blip r:embed="rId4"/>
+          <a:stretch/>
+        </p:blipFill>
+        <p:spPr>
+          <a:xfrm>
+            <a:off x="2416320" y="64080"/>
+            <a:ext cx="2534040" cy="520200"/>
+          </a:xfrm>
+          <a:prstGeom prst="rect">
+            <a:avLst/>
+          </a:prstGeom>
+          <a:ln>
+            <a:noFill/>
+          </a:ln>
+        </p:spPr>
+      </p:pic>
+      <p:pic>
+        <p:nvPicPr>
+          <p:cNvPr id="51" name="" descr=""/>
+          <p:cNvPicPr/>
+          <p:nvPr/>
+        </p:nvPicPr>
+        <p:blipFill>
+          <a:blip r:embed="rId5"/>
+          <a:stretch/>
+        </p:blipFill>
+        <p:spPr>
+          <a:xfrm>
+            <a:off x="218880" y="36000"/>
+            <a:ext cx="581760" cy="822600"/>
+          </a:xfrm>
+          <a:prstGeom prst="rect">
+            <a:avLst/>
+          </a:prstGeom>
+          <a:ln>
+            <a:noFill/>
+          </a:ln>
+        </p:spPr>
+      </p:pic>
+      <p:pic>
+        <p:nvPicPr>
+          <p:cNvPr id="52" name="" descr=""/>
+          <p:cNvPicPr/>
+          <p:nvPr/>
+        </p:nvPicPr>
+        <p:blipFill>
+          <a:blip r:embed="rId6"/>
+          <a:stretch/>
+        </p:blipFill>
+        <p:spPr>
+          <a:xfrm>
+            <a:off x="146880" y="9252000"/>
+            <a:ext cx="3053520" cy="631800"/>
+          </a:xfrm>
+          <a:prstGeom prst="rect">
+            <a:avLst/>
+          </a:prstGeom>
+          <a:ln>
+            <a:noFill/>
+          </a:ln>
+        </p:spPr>
+      </p:pic>
+      <p:pic>
+        <p:nvPicPr>
+          <p:cNvPr id="53" name="" descr=""/>
+          <p:cNvPicPr/>
+          <p:nvPr/>
+        </p:nvPicPr>
+        <p:blipFill>
+          <a:blip r:embed="rId7"/>
+          <a:stretch/>
+        </p:blipFill>
+        <p:spPr>
+          <a:xfrm>
+            <a:off x="150480" y="5172840"/>
+            <a:ext cx="3141360" cy="1938960"/>
+          </a:xfrm>
+          <a:prstGeom prst="rect">
+            <a:avLst/>
+          </a:prstGeom>
+          <a:ln>
+            <a:noFill/>
+          </a:ln>
+        </p:spPr>
+      </p:pic>
+      <p:sp>
+        <p:nvSpPr>
+          <p:cNvPr id="54" name="CustomShape 6"/>
           <p:cNvSpPr/>
           <p:nvPr/>
         </p:nvSpPr>
         <p:spPr>
           <a:xfrm>
-            <a:off x="114480" y="9073440"/>
-            <a:ext cx="6600600" cy="984960"/>
+            <a:off x="3474720" y="7528320"/>
+            <a:ext cx="3184200" cy="240480"/>
           </a:xfrm>
           <a:prstGeom prst="roundRect">
             <a:avLst>
-              <a:gd name="adj" fmla="val 5154"/>
+              <a:gd name="adj" fmla="val 16667"/>
             </a:avLst>
           </a:prstGeom>
-          <a:noFill/>
-          <a:ln w="25560">
+          <a:solidFill>
+            <a:srgbClr val="2f5597"/>
+          </a:solidFill>
+          <a:ln w="9360">
             <a:solidFill>
-              <a:srgbClr val="2d2d8a"/>
+              <a:srgbClr val="3465a4"/>
             </a:solidFill>
             <a:round/>
           </a:ln>
@@ -2750,125 +2473,750 @@
           <a:effectRef idx="0"/>
           <a:fontRef idx="minor"/>
         </p:style>
+        <p:txBody>
+          <a:bodyPr lIns="90000" rIns="90000" tIns="45000" bIns="45000" anchor="ctr"/>
+          <a:p>
+            <a:pPr algn="ctr">
+              <a:lnSpc>
+                <a:spcPct val="100000"/>
+              </a:lnSpc>
+            </a:pPr>
+            <a:r>
+              <a:rPr b="0" lang="en-US" sz="1000" spc="-1" strike="noStrike">
+                <a:solidFill>
+                  <a:srgbClr val="ffffff"/>
+                </a:solidFill>
+                <a:latin typeface="Cambria"/>
+                <a:ea typeface="ＭＳ Ｐゴシック"/>
+              </a:rPr>
+              <a:t>References</a:t>
+            </a:r>
+            <a:endParaRPr b="0" lang="en-US" sz="1000" spc="-1" strike="noStrike">
+              <a:latin typeface="Arial"/>
+            </a:endParaRPr>
+          </a:p>
+        </p:txBody>
+      </p:sp>
+      <p:sp>
+        <p:nvSpPr>
+          <p:cNvPr id="55" name="CustomShape 7"/>
+          <p:cNvSpPr/>
+          <p:nvPr/>
+        </p:nvSpPr>
+        <p:spPr>
+          <a:xfrm>
+            <a:off x="91440" y="2139120"/>
+            <a:ext cx="3291840" cy="1733040"/>
+          </a:xfrm>
+          <a:prstGeom prst="rect">
+            <a:avLst/>
+          </a:prstGeom>
+          <a:noFill/>
+          <a:ln>
+            <a:noFill/>
+          </a:ln>
+        </p:spPr>
+        <p:style>
+          <a:lnRef idx="0"/>
+          <a:fillRef idx="0"/>
+          <a:effectRef idx="0"/>
+          <a:fontRef idx="minor"/>
+        </p:style>
+        <p:txBody>
+          <a:bodyPr lIns="90000" rIns="90000" tIns="45000" bIns="45000"/>
+          <a:p>
+            <a:pPr algn="just">
+              <a:lnSpc>
+                <a:spcPct val="100000"/>
+              </a:lnSpc>
+            </a:pPr>
+            <a:r>
+              <a:rPr b="0" lang="en-US" sz="800" spc="-1" strike="noStrike">
+                <a:solidFill>
+                  <a:srgbClr val="000000"/>
+                </a:solidFill>
+                <a:latin typeface="Cambria"/>
+                <a:ea typeface="ＭＳ Ｐゴシック"/>
+              </a:rPr>
+              <a:t>The Galaxy community is promoting RNA-Seq protocols and best practices through the reuse of existing tools, and the consolidation of a Training Network to provide guidance to researchers through example datasets, tutorials, and interactive tours. However, the more tools and techniques are showcased, the more complex the options for tool chaining and parametrization become. And as more material is gathered to illustrate approaches on the analysis of Life Science data, the higher the risk to overwhelm users. To assist researchers in carrying out their investigations, we propose to integrate the Galaxy framework with an interactive recommendation system that leverages on community consolidated best practices as well as EDAM-annotated tools. Such a system would promote the adoption of well established pipelines, while at the same time allow room for testing further experimental tools, easing reuse, and consolidating protocols and reproducibility.</a:t>
+            </a:r>
+            <a:endParaRPr b="0" lang="en-US" sz="800" spc="-1" strike="noStrike">
+              <a:latin typeface="Arial"/>
+            </a:endParaRPr>
+          </a:p>
+        </p:txBody>
+      </p:sp>
+      <p:sp>
+        <p:nvSpPr>
+          <p:cNvPr id="56" name="CustomShape 8"/>
+          <p:cNvSpPr/>
+          <p:nvPr/>
+        </p:nvSpPr>
+        <p:spPr>
+          <a:xfrm>
+            <a:off x="3438720" y="7756200"/>
+            <a:ext cx="3291840" cy="1279080"/>
+          </a:xfrm>
+          <a:prstGeom prst="rect">
+            <a:avLst/>
+          </a:prstGeom>
+          <a:noFill/>
+          <a:ln>
+            <a:noFill/>
+          </a:ln>
+        </p:spPr>
+        <p:style>
+          <a:lnRef idx="0"/>
+          <a:fillRef idx="0"/>
+          <a:effectRef idx="0"/>
+          <a:fontRef idx="minor"/>
+        </p:style>
+        <p:txBody>
+          <a:bodyPr lIns="90000" rIns="90000" tIns="45000" bIns="45000"/>
+          <a:p>
+            <a:pPr>
+              <a:lnSpc>
+                <a:spcPct val="100000"/>
+              </a:lnSpc>
+            </a:pPr>
+            <a:r>
+              <a:rPr b="0" lang="en-US" sz="800" spc="-1" strike="noStrike">
+                <a:solidFill>
+                  <a:srgbClr val="000000"/>
+                </a:solidFill>
+                <a:latin typeface="Cambria"/>
+                <a:ea typeface="ＭＳ Ｐゴシック"/>
+              </a:rPr>
+              <a:t>Wolfien M </a:t>
+            </a:r>
+            <a:r>
+              <a:rPr b="0" i="1" lang="en-US" sz="800" spc="-1" strike="noStrike">
+                <a:solidFill>
+                  <a:srgbClr val="000000"/>
+                </a:solidFill>
+                <a:latin typeface="Cambria"/>
+                <a:ea typeface="ＭＳ Ｐゴシック"/>
+              </a:rPr>
+              <a:t>et al</a:t>
+            </a:r>
+            <a:r>
+              <a:rPr b="0" lang="en-US" sz="800" spc="-1" strike="noStrike">
+                <a:solidFill>
+                  <a:srgbClr val="000000"/>
+                </a:solidFill>
+                <a:latin typeface="Cambria"/>
+                <a:ea typeface="ＭＳ Ｐゴシック"/>
+              </a:rPr>
+              <a:t>. TRAPLINE: A standardized and automated pipeline</a:t>
+            </a:r>
+            <a:endParaRPr b="0" lang="en-US" sz="800" spc="-1" strike="noStrike">
+              <a:latin typeface="Arial"/>
+            </a:endParaRPr>
+          </a:p>
+          <a:p>
+            <a:pPr>
+              <a:lnSpc>
+                <a:spcPct val="100000"/>
+              </a:lnSpc>
+            </a:pPr>
+            <a:r>
+              <a:rPr b="0" lang="en-US" sz="800" spc="-1" strike="noStrike">
+                <a:solidFill>
+                  <a:srgbClr val="000000"/>
+                </a:solidFill>
+                <a:latin typeface="Cambria"/>
+                <a:ea typeface="ＭＳ Ｐゴシック"/>
+              </a:rPr>
+              <a:t>      </a:t>
+            </a:r>
+            <a:r>
+              <a:rPr b="0" lang="en-US" sz="800" spc="-1" strike="noStrike">
+                <a:solidFill>
+                  <a:srgbClr val="000000"/>
+                </a:solidFill>
+                <a:latin typeface="Cambria"/>
+                <a:ea typeface="ＭＳ Ｐゴシック"/>
+              </a:rPr>
+              <a:t>for RNA sequencing data analysis, evaluation and annotation.</a:t>
+            </a:r>
+            <a:endParaRPr b="0" lang="en-US" sz="800" spc="-1" strike="noStrike">
+              <a:latin typeface="Arial"/>
+            </a:endParaRPr>
+          </a:p>
+          <a:p>
+            <a:pPr>
+              <a:lnSpc>
+                <a:spcPct val="100000"/>
+              </a:lnSpc>
+            </a:pPr>
+            <a:r>
+              <a:rPr b="0" lang="en-US" sz="800" spc="-1" strike="noStrike">
+                <a:solidFill>
+                  <a:srgbClr val="000000"/>
+                </a:solidFill>
+                <a:latin typeface="Cambria"/>
+                <a:ea typeface="ＭＳ Ｐゴシック"/>
+              </a:rPr>
+              <a:t>      </a:t>
+            </a:r>
+            <a:r>
+              <a:rPr b="0" lang="en-US" sz="800" spc="-1" strike="noStrike">
+                <a:solidFill>
+                  <a:srgbClr val="000000"/>
+                </a:solidFill>
+                <a:latin typeface="Cambria"/>
+                <a:ea typeface="ＭＳ Ｐゴシック"/>
+              </a:rPr>
+              <a:t>BMC Bioinformatics, 2016. </a:t>
+            </a:r>
+            <a:r>
+              <a:rPr b="0" i="1" lang="en-US" sz="800" spc="-1" strike="noStrike">
+                <a:solidFill>
+                  <a:srgbClr val="3465a4"/>
+                </a:solidFill>
+                <a:latin typeface="Cambria"/>
+                <a:ea typeface="ＭＳ Ｐゴシック"/>
+              </a:rPr>
+              <a:t>10.1186/s12859-015-0873-9</a:t>
+            </a:r>
+            <a:endParaRPr b="0" lang="en-US" sz="800" spc="-1" strike="noStrike">
+              <a:latin typeface="Arial"/>
+            </a:endParaRPr>
+          </a:p>
+          <a:p>
+            <a:pPr>
+              <a:lnSpc>
+                <a:spcPct val="100000"/>
+              </a:lnSpc>
+            </a:pPr>
+            <a:r>
+              <a:rPr b="0" lang="en-US" sz="800" spc="-1" strike="noStrike">
+                <a:solidFill>
+                  <a:srgbClr val="000000"/>
+                </a:solidFill>
+                <a:latin typeface="Cambria"/>
+                <a:ea typeface="ＭＳ Ｐゴシック"/>
+              </a:rPr>
+              <a:t>Lott SC </a:t>
+            </a:r>
+            <a:r>
+              <a:rPr b="0" i="1" lang="en-US" sz="800" spc="-1" strike="noStrike">
+                <a:solidFill>
+                  <a:srgbClr val="000000"/>
+                </a:solidFill>
+                <a:latin typeface="Cambria"/>
+                <a:ea typeface="ＭＳ Ｐゴシック"/>
+              </a:rPr>
+              <a:t>et al</a:t>
+            </a:r>
+            <a:r>
+              <a:rPr b="0" lang="en-US" sz="800" spc="-1" strike="noStrike">
+                <a:solidFill>
+                  <a:srgbClr val="000000"/>
+                </a:solidFill>
+                <a:latin typeface="Cambria"/>
+                <a:ea typeface="ＭＳ Ｐゴシック"/>
+              </a:rPr>
+              <a:t>. Customized workflow development and data</a:t>
+            </a:r>
+            <a:endParaRPr b="0" lang="en-US" sz="800" spc="-1" strike="noStrike">
+              <a:latin typeface="Arial"/>
+            </a:endParaRPr>
+          </a:p>
+          <a:p>
+            <a:pPr>
+              <a:lnSpc>
+                <a:spcPct val="100000"/>
+              </a:lnSpc>
+            </a:pPr>
+            <a:r>
+              <a:rPr b="0" lang="en-US" sz="800" spc="-1" strike="noStrike">
+                <a:solidFill>
+                  <a:srgbClr val="000000"/>
+                </a:solidFill>
+                <a:latin typeface="Cambria"/>
+                <a:ea typeface="ＭＳ Ｐゴシック"/>
+              </a:rPr>
+              <a:t>      </a:t>
+            </a:r>
+            <a:r>
+              <a:rPr b="0" lang="en-US" sz="800" spc="-1" strike="noStrike">
+                <a:solidFill>
+                  <a:srgbClr val="000000"/>
+                </a:solidFill>
+                <a:latin typeface="Cambria"/>
+                <a:ea typeface="ＭＳ Ｐゴシック"/>
+              </a:rPr>
+              <a:t>modularization concepts for RNA-Sequencing and</a:t>
+            </a:r>
+            <a:endParaRPr b="0" lang="en-US" sz="800" spc="-1" strike="noStrike">
+              <a:latin typeface="Arial"/>
+            </a:endParaRPr>
+          </a:p>
+          <a:p>
+            <a:pPr>
+              <a:lnSpc>
+                <a:spcPct val="100000"/>
+              </a:lnSpc>
+            </a:pPr>
+            <a:r>
+              <a:rPr b="0" lang="en-US" sz="800" spc="-1" strike="noStrike">
+                <a:solidFill>
+                  <a:srgbClr val="000000"/>
+                </a:solidFill>
+                <a:latin typeface="Cambria"/>
+                <a:ea typeface="ＭＳ Ｐゴシック"/>
+              </a:rPr>
+              <a:t>      </a:t>
+            </a:r>
+            <a:r>
+              <a:rPr b="0" lang="en-US" sz="800" spc="-1" strike="noStrike">
+                <a:solidFill>
+                  <a:srgbClr val="000000"/>
+                </a:solidFill>
+                <a:latin typeface="Cambria"/>
+                <a:ea typeface="ＭＳ Ｐゴシック"/>
+              </a:rPr>
+              <a:t>metatranscriptome experiments. Journal of Biotechnology, 2017.</a:t>
+            </a:r>
+            <a:endParaRPr b="0" lang="en-US" sz="800" spc="-1" strike="noStrike">
+              <a:latin typeface="Arial"/>
+            </a:endParaRPr>
+          </a:p>
+          <a:p>
+            <a:pPr>
+              <a:lnSpc>
+                <a:spcPct val="100000"/>
+              </a:lnSpc>
+            </a:pPr>
+            <a:r>
+              <a:rPr b="0" lang="en-US" sz="800" spc="-1" strike="noStrike">
+                <a:solidFill>
+                  <a:srgbClr val="000000"/>
+                </a:solidFill>
+                <a:latin typeface="Cambria"/>
+                <a:ea typeface="ＭＳ Ｐゴシック"/>
+              </a:rPr>
+              <a:t>      </a:t>
+            </a:r>
+            <a:r>
+              <a:rPr b="0" i="1" lang="en-US" sz="800" spc="-1" strike="noStrike">
+                <a:solidFill>
+                  <a:srgbClr val="3465a4"/>
+                </a:solidFill>
+                <a:latin typeface="Cambria"/>
+                <a:ea typeface="ＭＳ Ｐゴシック"/>
+              </a:rPr>
+              <a:t>10.1016/j.jbiotec.2017.06.1203</a:t>
+            </a:r>
+            <a:endParaRPr b="0" lang="en-US" sz="800" spc="-1" strike="noStrike">
+              <a:latin typeface="Arial"/>
+            </a:endParaRPr>
+          </a:p>
+          <a:p>
+            <a:pPr>
+              <a:lnSpc>
+                <a:spcPct val="100000"/>
+              </a:lnSpc>
+            </a:pPr>
+            <a:r>
+              <a:rPr b="0" lang="en-US" sz="800" spc="-1" strike="noStrike">
+                <a:solidFill>
+                  <a:srgbClr val="000000"/>
+                </a:solidFill>
+                <a:latin typeface="Cambria"/>
+                <a:ea typeface="ＭＳ Ｐゴシック"/>
+              </a:rPr>
+              <a:t>Grüning BA </a:t>
+            </a:r>
+            <a:r>
+              <a:rPr b="0" i="1" lang="en-US" sz="800" spc="-1" strike="noStrike">
+                <a:solidFill>
+                  <a:srgbClr val="000000"/>
+                </a:solidFill>
+                <a:latin typeface="Cambria"/>
+                <a:ea typeface="ＭＳ Ｐゴシック"/>
+              </a:rPr>
+              <a:t>et al</a:t>
+            </a:r>
+            <a:r>
+              <a:rPr b="0" lang="en-US" sz="800" spc="-1" strike="noStrike">
+                <a:solidFill>
+                  <a:srgbClr val="000000"/>
+                </a:solidFill>
+                <a:latin typeface="Cambria"/>
+                <a:ea typeface="ＭＳ Ｐゴシック"/>
+              </a:rPr>
+              <a:t>. The RNA workbench: best practices for RNA</a:t>
+            </a:r>
+            <a:endParaRPr b="0" lang="en-US" sz="800" spc="-1" strike="noStrike">
+              <a:latin typeface="Arial"/>
+            </a:endParaRPr>
+          </a:p>
+          <a:p>
+            <a:pPr>
+              <a:lnSpc>
+                <a:spcPct val="100000"/>
+              </a:lnSpc>
+            </a:pPr>
+            <a:r>
+              <a:rPr b="0" lang="en-US" sz="800" spc="-1" strike="noStrike">
+                <a:solidFill>
+                  <a:srgbClr val="000000"/>
+                </a:solidFill>
+                <a:latin typeface="Cambria"/>
+                <a:ea typeface="ＭＳ Ｐゴシック"/>
+              </a:rPr>
+              <a:t>      </a:t>
+            </a:r>
+            <a:r>
+              <a:rPr b="0" lang="en-US" sz="800" spc="-1" strike="noStrike">
+                <a:solidFill>
+                  <a:srgbClr val="000000"/>
+                </a:solidFill>
+                <a:latin typeface="Cambria"/>
+                <a:ea typeface="ＭＳ Ｐゴシック"/>
+              </a:rPr>
+              <a:t>and high-throughput sequencing bioinformatics in Galaxy.</a:t>
+            </a:r>
+            <a:endParaRPr b="0" lang="en-US" sz="800" spc="-1" strike="noStrike">
+              <a:latin typeface="Arial"/>
+            </a:endParaRPr>
+          </a:p>
+          <a:p>
+            <a:pPr>
+              <a:lnSpc>
+                <a:spcPct val="100000"/>
+              </a:lnSpc>
+            </a:pPr>
+            <a:r>
+              <a:rPr b="0" lang="en-US" sz="800" spc="-1" strike="noStrike">
+                <a:solidFill>
+                  <a:srgbClr val="000000"/>
+                </a:solidFill>
+                <a:latin typeface="Cambria"/>
+                <a:ea typeface="ＭＳ Ｐゴシック"/>
+              </a:rPr>
+              <a:t>      </a:t>
+            </a:r>
+            <a:r>
+              <a:rPr b="0" lang="en-US" sz="800" spc="-1" strike="noStrike">
+                <a:solidFill>
+                  <a:srgbClr val="000000"/>
+                </a:solidFill>
+                <a:latin typeface="Cambria"/>
+                <a:ea typeface="ＭＳ Ｐゴシック"/>
+              </a:rPr>
+              <a:t>Nucleic Acids Research, 2017. </a:t>
+            </a:r>
+            <a:r>
+              <a:rPr b="0" i="1" lang="en-US" sz="800" spc="-1" strike="noStrike">
+                <a:solidFill>
+                  <a:srgbClr val="3465a4"/>
+                </a:solidFill>
+                <a:latin typeface="Cambria"/>
+                <a:ea typeface="ＭＳ Ｐゴシック"/>
+              </a:rPr>
+              <a:t>10.1093/nar/gkx409</a:t>
+            </a:r>
+            <a:endParaRPr b="0" lang="en-US" sz="800" spc="-1" strike="noStrike">
+              <a:latin typeface="Arial"/>
+            </a:endParaRPr>
+          </a:p>
+        </p:txBody>
+      </p:sp>
+      <p:sp>
+        <p:nvSpPr>
+          <p:cNvPr id="57" name="CustomShape 9"/>
+          <p:cNvSpPr/>
+          <p:nvPr/>
+        </p:nvSpPr>
+        <p:spPr>
+          <a:xfrm>
+            <a:off x="3619440" y="2194920"/>
+            <a:ext cx="2121840" cy="329400"/>
+          </a:xfrm>
+          <a:prstGeom prst="rect">
+            <a:avLst/>
+          </a:prstGeom>
+          <a:noFill/>
+          <a:ln>
+            <a:noFill/>
+          </a:ln>
+        </p:spPr>
+        <p:style>
+          <a:lnRef idx="0"/>
+          <a:fillRef idx="0"/>
+          <a:effectRef idx="0"/>
+          <a:fontRef idx="minor"/>
+        </p:style>
+        <p:txBody>
+          <a:bodyPr lIns="90000" rIns="90000" tIns="45000" bIns="45000"/>
+          <a:p>
+            <a:pPr algn="ctr">
+              <a:lnSpc>
+                <a:spcPct val="100000"/>
+              </a:lnSpc>
+            </a:pPr>
+            <a:r>
+              <a:rPr b="0" lang="en-US" sz="800" spc="-1" strike="noStrike">
+                <a:solidFill>
+                  <a:srgbClr val="000000"/>
+                </a:solidFill>
+                <a:latin typeface="Cambria"/>
+                <a:ea typeface="ＭＳ Ｐゴシック"/>
+              </a:rPr>
+              <a:t>Leverage on the Galaxy interactive tours</a:t>
+            </a:r>
+            <a:endParaRPr b="0" lang="en-US" sz="800" spc="-1" strike="noStrike">
+              <a:latin typeface="Cambria"/>
+            </a:endParaRPr>
+          </a:p>
+          <a:p>
+            <a:pPr algn="ctr">
+              <a:lnSpc>
+                <a:spcPct val="100000"/>
+              </a:lnSpc>
+            </a:pPr>
+            <a:r>
+              <a:rPr b="0" lang="en-US" sz="800" spc="-1" strike="noStrike">
+                <a:solidFill>
+                  <a:srgbClr val="000000"/>
+                </a:solidFill>
+                <a:latin typeface="Cambria"/>
+                <a:ea typeface="ＭＳ Ｐゴシック"/>
+              </a:rPr>
+              <a:t>to provide users interchangeable tools</a:t>
+            </a:r>
+            <a:endParaRPr b="0" lang="en-US" sz="800" spc="-1" strike="noStrike">
+              <a:latin typeface="Cambria"/>
+            </a:endParaRPr>
+          </a:p>
+        </p:txBody>
+      </p:sp>
+      <p:sp>
+        <p:nvSpPr>
+          <p:cNvPr id="58" name="CustomShape 10"/>
+          <p:cNvSpPr/>
+          <p:nvPr/>
+        </p:nvSpPr>
+        <p:spPr>
+          <a:xfrm>
+            <a:off x="3481200" y="2901600"/>
+            <a:ext cx="2351520" cy="501120"/>
+          </a:xfrm>
+          <a:prstGeom prst="rect">
+            <a:avLst/>
+          </a:prstGeom>
+          <a:noFill/>
+          <a:ln>
+            <a:noFill/>
+          </a:ln>
+        </p:spPr>
+        <p:style>
+          <a:lnRef idx="0"/>
+          <a:fillRef idx="0"/>
+          <a:effectRef idx="0"/>
+          <a:fontRef idx="minor"/>
+        </p:style>
+        <p:txBody>
+          <a:bodyPr lIns="90000" rIns="90000" tIns="45000" bIns="45000"/>
+          <a:p>
+            <a:pPr algn="ctr">
+              <a:lnSpc>
+                <a:spcPct val="100000"/>
+              </a:lnSpc>
+            </a:pPr>
+            <a:r>
+              <a:rPr b="0" lang="en-US" sz="800" spc="-1" strike="noStrike">
+                <a:solidFill>
+                  <a:srgbClr val="000000"/>
+                </a:solidFill>
+                <a:latin typeface="Cambria"/>
+                <a:ea typeface="ＭＳ Ｐゴシック"/>
+              </a:rPr>
+              <a:t>Gather EDAM ontology terms describing</a:t>
+            </a:r>
+            <a:endParaRPr b="0" lang="en-US" sz="800" spc="-1" strike="noStrike">
+              <a:latin typeface="Cambria"/>
+            </a:endParaRPr>
+          </a:p>
+          <a:p>
+            <a:pPr algn="ctr">
+              <a:lnSpc>
+                <a:spcPct val="100000"/>
+              </a:lnSpc>
+            </a:pPr>
+            <a:r>
+              <a:rPr b="0" lang="en-US" sz="800" spc="-1" strike="noStrike">
+                <a:solidFill>
+                  <a:srgbClr val="000000"/>
+                </a:solidFill>
+                <a:latin typeface="Cambria"/>
+                <a:ea typeface="ＭＳ Ｐゴシック"/>
+              </a:rPr>
+              <a:t>each tool in terms of operations, input,</a:t>
+            </a:r>
+            <a:endParaRPr b="0" lang="en-US" sz="800" spc="-1" strike="noStrike">
+              <a:latin typeface="Cambria"/>
+            </a:endParaRPr>
+          </a:p>
+          <a:p>
+            <a:pPr algn="ctr">
+              <a:lnSpc>
+                <a:spcPct val="100000"/>
+              </a:lnSpc>
+            </a:pPr>
+            <a:r>
+              <a:rPr b="0" lang="en-US" sz="800" spc="-1" strike="noStrike">
+                <a:solidFill>
+                  <a:srgbClr val="000000"/>
+                </a:solidFill>
+                <a:latin typeface="Cambria"/>
+                <a:ea typeface="ＭＳ Ｐゴシック"/>
+              </a:rPr>
+              <a:t>and output formats</a:t>
+            </a:r>
+            <a:endParaRPr b="0" lang="en-US" sz="800" spc="-1" strike="noStrike">
+              <a:latin typeface="Cambria"/>
+            </a:endParaRPr>
+          </a:p>
+        </p:txBody>
+      </p:sp>
+      <p:sp>
+        <p:nvSpPr>
+          <p:cNvPr id="59" name="CustomShape 11"/>
+          <p:cNvSpPr/>
+          <p:nvPr/>
+        </p:nvSpPr>
+        <p:spPr>
+          <a:xfrm>
+            <a:off x="3517200" y="3765600"/>
+            <a:ext cx="2315520" cy="398520"/>
+          </a:xfrm>
+          <a:prstGeom prst="rect">
+            <a:avLst/>
+          </a:prstGeom>
+          <a:noFill/>
+          <a:ln>
+            <a:noFill/>
+          </a:ln>
+        </p:spPr>
+        <p:style>
+          <a:lnRef idx="0"/>
+          <a:fillRef idx="0"/>
+          <a:effectRef idx="0"/>
+          <a:fontRef idx="minor"/>
+        </p:style>
+        <p:txBody>
+          <a:bodyPr lIns="90000" rIns="90000" tIns="45000" bIns="45000"/>
+          <a:p>
+            <a:pPr algn="ctr">
+              <a:lnSpc>
+                <a:spcPct val="100000"/>
+              </a:lnSpc>
+            </a:pPr>
+            <a:r>
+              <a:rPr b="0" lang="en-US" sz="800" spc="-1" strike="noStrike">
+                <a:solidFill>
+                  <a:srgbClr val="000000"/>
+                </a:solidFill>
+                <a:latin typeface="Cambria"/>
+                <a:ea typeface="ＭＳ Ｐゴシック"/>
+              </a:rPr>
+              <a:t>Mine Galaxy instances for user-tracked</a:t>
+            </a:r>
+            <a:endParaRPr b="0" lang="en-US" sz="800" spc="-1" strike="noStrike">
+              <a:latin typeface="Cambria"/>
+            </a:endParaRPr>
+          </a:p>
+          <a:p>
+            <a:pPr algn="ctr">
+              <a:lnSpc>
+                <a:spcPct val="100000"/>
+              </a:lnSpc>
+            </a:pPr>
+            <a:r>
+              <a:rPr b="0" lang="en-US" sz="800" spc="-1" strike="noStrike">
+                <a:solidFill>
+                  <a:srgbClr val="000000"/>
+                </a:solidFill>
+                <a:latin typeface="Cambria"/>
+                <a:ea typeface="ＭＳ Ｐゴシック"/>
+              </a:rPr>
+              <a:t>data: tool chaining, parametrization, formats</a:t>
+            </a:r>
+            <a:endParaRPr b="0" lang="en-US" sz="800" spc="-1" strike="noStrike">
+              <a:latin typeface="Cambria"/>
+            </a:endParaRPr>
+          </a:p>
+        </p:txBody>
+      </p:sp>
+      <p:sp>
+        <p:nvSpPr>
+          <p:cNvPr id="60" name="CustomShape 12"/>
+          <p:cNvSpPr/>
+          <p:nvPr/>
+        </p:nvSpPr>
+        <p:spPr>
+          <a:xfrm>
+            <a:off x="3606480" y="2197800"/>
+            <a:ext cx="2134800" cy="362520"/>
+          </a:xfrm>
+          <a:prstGeom prst="roundRect">
+            <a:avLst>
+              <a:gd name="adj" fmla="val 5154"/>
+            </a:avLst>
+          </a:prstGeom>
+          <a:noFill/>
+          <a:ln w="6480">
+            <a:solidFill>
+              <a:srgbClr val="00bfff"/>
+            </a:solidFill>
+            <a:round/>
+          </a:ln>
+        </p:spPr>
+        <p:style>
+          <a:lnRef idx="0"/>
+          <a:fillRef idx="0"/>
+          <a:effectRef idx="0"/>
+          <a:fontRef idx="minor"/>
+        </p:style>
+      </p:sp>
+      <p:sp>
+        <p:nvSpPr>
+          <p:cNvPr id="61" name="CustomShape 13"/>
+          <p:cNvSpPr/>
+          <p:nvPr/>
+        </p:nvSpPr>
+        <p:spPr>
+          <a:xfrm>
+            <a:off x="3606840" y="2881800"/>
+            <a:ext cx="2134440" cy="520920"/>
+          </a:xfrm>
+          <a:prstGeom prst="roundRect">
+            <a:avLst>
+              <a:gd name="adj" fmla="val 5154"/>
+            </a:avLst>
+          </a:prstGeom>
+          <a:noFill/>
+          <a:ln w="6480">
+            <a:solidFill>
+              <a:srgbClr val="00bfff"/>
+            </a:solidFill>
+            <a:round/>
+          </a:ln>
+        </p:spPr>
+        <p:style>
+          <a:lnRef idx="0"/>
+          <a:fillRef idx="0"/>
+          <a:effectRef idx="0"/>
+          <a:fontRef idx="minor"/>
+        </p:style>
       </p:sp>
       <p:pic>
         <p:nvPicPr>
-          <p:cNvPr id="52" name="" descr=""/>
-          <p:cNvPicPr/>
-          <p:nvPr/>
-        </p:nvPicPr>
-        <p:blipFill>
-          <a:blip r:embed="rId3"/>
-          <a:stretch/>
-        </p:blipFill>
-        <p:spPr>
-          <a:xfrm>
-            <a:off x="991800" y="91440"/>
-            <a:ext cx="1227240" cy="412200"/>
-          </a:xfrm>
-          <a:prstGeom prst="rect">
-            <a:avLst/>
-          </a:prstGeom>
-          <a:ln>
-            <a:noFill/>
-          </a:ln>
-        </p:spPr>
-      </p:pic>
-      <p:pic>
-        <p:nvPicPr>
-          <p:cNvPr id="53" name="" descr=""/>
-          <p:cNvPicPr/>
-          <p:nvPr/>
-        </p:nvPicPr>
-        <p:blipFill>
-          <a:blip r:embed="rId4"/>
-          <a:stretch/>
-        </p:blipFill>
-        <p:spPr>
-          <a:xfrm>
-            <a:off x="2416320" y="64080"/>
-            <a:ext cx="2534400" cy="520560"/>
-          </a:xfrm>
-          <a:prstGeom prst="rect">
-            <a:avLst/>
-          </a:prstGeom>
-          <a:ln>
-            <a:noFill/>
-          </a:ln>
-        </p:spPr>
-      </p:pic>
-      <p:pic>
-        <p:nvPicPr>
-          <p:cNvPr id="54" name="" descr=""/>
-          <p:cNvPicPr/>
-          <p:nvPr/>
-        </p:nvPicPr>
-        <p:blipFill>
-          <a:blip r:embed="rId5"/>
-          <a:stretch/>
-        </p:blipFill>
-        <p:spPr>
-          <a:xfrm>
-            <a:off x="218880" y="36000"/>
-            <a:ext cx="582120" cy="822960"/>
-          </a:xfrm>
-          <a:prstGeom prst="rect">
-            <a:avLst/>
-          </a:prstGeom>
-          <a:ln>
-            <a:noFill/>
-          </a:ln>
-        </p:spPr>
-      </p:pic>
-      <p:pic>
-        <p:nvPicPr>
-          <p:cNvPr id="55" name="" descr=""/>
-          <p:cNvPicPr/>
-          <p:nvPr/>
-        </p:nvPicPr>
-        <p:blipFill>
-          <a:blip r:embed="rId6"/>
-          <a:stretch/>
-        </p:blipFill>
-        <p:spPr>
-          <a:xfrm>
-            <a:off x="146880" y="9180000"/>
-            <a:ext cx="3091680" cy="640080"/>
-          </a:xfrm>
-          <a:prstGeom prst="rect">
-            <a:avLst/>
-          </a:prstGeom>
-          <a:ln>
-            <a:noFill/>
-          </a:ln>
-        </p:spPr>
-      </p:pic>
-      <p:pic>
-        <p:nvPicPr>
-          <p:cNvPr id="56" name="" descr=""/>
-          <p:cNvPicPr/>
-          <p:nvPr/>
-        </p:nvPicPr>
-        <p:blipFill>
-          <a:blip r:embed="rId7"/>
-          <a:stretch/>
-        </p:blipFill>
-        <p:spPr>
-          <a:xfrm>
-            <a:off x="4987440" y="9252000"/>
-            <a:ext cx="817560" cy="568080"/>
-          </a:xfrm>
-          <a:prstGeom prst="rect">
-            <a:avLst/>
-          </a:prstGeom>
-          <a:ln>
-            <a:noFill/>
-          </a:ln>
-        </p:spPr>
-      </p:pic>
-      <p:pic>
-        <p:nvPicPr>
-          <p:cNvPr id="57" name="" descr=""/>
+          <p:cNvPr id="62" name="" descr=""/>
           <p:cNvPicPr/>
           <p:nvPr/>
         </p:nvPicPr>
@@ -2878,8 +3226,8 @@
         </p:blipFill>
         <p:spPr>
           <a:xfrm>
-            <a:off x="5853240" y="9252000"/>
-            <a:ext cx="824760" cy="568080"/>
+            <a:off x="6054480" y="2198520"/>
+            <a:ext cx="401760" cy="406440"/>
           </a:xfrm>
           <a:prstGeom prst="rect">
             <a:avLst/>
@@ -2891,14 +3239,68 @@
       </p:pic>
       <p:sp>
         <p:nvSpPr>
-          <p:cNvPr id="58" name="CustomShape 6"/>
+          <p:cNvPr id="63" name="CustomShape 14"/>
           <p:cNvSpPr/>
           <p:nvPr/>
         </p:nvSpPr>
         <p:spPr>
           <a:xfrm>
-            <a:off x="174600" y="3930840"/>
-            <a:ext cx="6500520" cy="240840"/>
+            <a:off x="3606840" y="3745800"/>
+            <a:ext cx="2134440" cy="418320"/>
+          </a:xfrm>
+          <a:prstGeom prst="roundRect">
+            <a:avLst>
+              <a:gd name="adj" fmla="val 5154"/>
+            </a:avLst>
+          </a:prstGeom>
+          <a:noFill/>
+          <a:ln w="6480">
+            <a:solidFill>
+              <a:srgbClr val="00bfff"/>
+            </a:solidFill>
+            <a:round/>
+          </a:ln>
+        </p:spPr>
+        <p:style>
+          <a:lnRef idx="0"/>
+          <a:fillRef idx="0"/>
+          <a:effectRef idx="0"/>
+          <a:fontRef idx="minor"/>
+        </p:style>
+      </p:sp>
+      <p:pic>
+        <p:nvPicPr>
+          <p:cNvPr id="64" name="" descr=""/>
+          <p:cNvPicPr/>
+          <p:nvPr/>
+        </p:nvPicPr>
+        <p:blipFill>
+          <a:blip r:embed="rId9"/>
+          <a:stretch/>
+        </p:blipFill>
+        <p:spPr>
+          <a:xfrm>
+            <a:off x="6057720" y="2978280"/>
+            <a:ext cx="389160" cy="385560"/>
+          </a:xfrm>
+          <a:prstGeom prst="rect">
+            <a:avLst/>
+          </a:prstGeom>
+          <a:ln>
+            <a:noFill/>
+          </a:ln>
+        </p:spPr>
+      </p:pic>
+      <p:sp>
+        <p:nvSpPr>
+          <p:cNvPr id="65" name="CustomShape 15"/>
+          <p:cNvSpPr/>
+          <p:nvPr/>
+        </p:nvSpPr>
+        <p:spPr>
+          <a:xfrm>
+            <a:off x="174960" y="4113720"/>
+            <a:ext cx="3116880" cy="240480"/>
           </a:xfrm>
           <a:prstGeom prst="roundRect">
             <a:avLst>
@@ -2906,7 +3308,7 @@
             </a:avLst>
           </a:prstGeom>
           <a:solidFill>
-            <a:srgbClr val="3465a4"/>
+            <a:srgbClr val="2f5597"/>
           </a:solidFill>
           <a:ln w="9360">
             <a:solidFill>
@@ -2937,7 +3339,7 @@
                 <a:latin typeface="Cambria"/>
                 <a:ea typeface="ＭＳ Ｐゴシック"/>
               </a:rPr>
-              <a:t>Bridging the gap</a:t>
+              <a:t>Bridging the gap of tool chaining and parametrization</a:t>
             </a:r>
             <a:endParaRPr b="0" lang="en-US" sz="1000" spc="-1" strike="noStrike">
               <a:latin typeface="Arial"/>
@@ -2945,39 +3347,412 @@
           </a:p>
         </p:txBody>
       </p:sp>
-      <p:pic>
-        <p:nvPicPr>
-          <p:cNvPr id="59" name="" descr=""/>
-          <p:cNvPicPr/>
-          <p:nvPr/>
-        </p:nvPicPr>
-        <p:blipFill>
-          <a:blip r:embed="rId9"/>
-          <a:stretch/>
-        </p:blipFill>
-        <p:spPr>
-          <a:xfrm>
-            <a:off x="150480" y="4200840"/>
-            <a:ext cx="4055760" cy="2503440"/>
-          </a:xfrm>
-          <a:prstGeom prst="rect">
-            <a:avLst/>
-          </a:prstGeom>
+      <p:sp>
+        <p:nvSpPr>
+          <p:cNvPr id="66" name="CustomShape 16"/>
+          <p:cNvSpPr/>
+          <p:nvPr/>
+        </p:nvSpPr>
+        <p:spPr>
+          <a:xfrm>
+            <a:off x="91440" y="6432120"/>
+            <a:ext cx="3382920" cy="1733040"/>
+          </a:xfrm>
+          <a:prstGeom prst="rect">
+            <a:avLst/>
+          </a:prstGeom>
+          <a:noFill/>
           <a:ln>
             <a:noFill/>
           </a:ln>
         </p:spPr>
-      </p:pic>
-      <p:sp>
-        <p:nvSpPr>
-          <p:cNvPr id="60" name="CustomShape 7"/>
+        <p:style>
+          <a:lnRef idx="0"/>
+          <a:fillRef idx="0"/>
+          <a:effectRef idx="0"/>
+          <a:fontRef idx="minor"/>
+        </p:style>
+      </p:sp>
+      <p:sp>
+        <p:nvSpPr>
+          <p:cNvPr id="67" name="CustomShape 17"/>
           <p:cNvSpPr/>
           <p:nvPr/>
         </p:nvSpPr>
         <p:spPr>
           <a:xfrm>
-            <a:off x="3486600" y="1876320"/>
-            <a:ext cx="3208680" cy="240840"/>
+            <a:off x="3403440" y="5928120"/>
+            <a:ext cx="3291840" cy="1409400"/>
+          </a:xfrm>
+          <a:prstGeom prst="rect">
+            <a:avLst/>
+          </a:prstGeom>
+          <a:noFill/>
+          <a:ln>
+            <a:noFill/>
+          </a:ln>
+        </p:spPr>
+        <p:style>
+          <a:lnRef idx="0"/>
+          <a:fillRef idx="0"/>
+          <a:effectRef idx="0"/>
+          <a:fontRef idx="minor"/>
+        </p:style>
+        <p:txBody>
+          <a:bodyPr lIns="90000" rIns="90000" tIns="45000" bIns="45000"/>
+          <a:p>
+            <a:pPr algn="just">
+              <a:lnSpc>
+                <a:spcPct val="100000"/>
+              </a:lnSpc>
+            </a:pPr>
+            <a:endParaRPr b="0" lang="en-US" sz="800" spc="-1" strike="noStrike">
+              <a:latin typeface="Arial"/>
+            </a:endParaRPr>
+          </a:p>
+          <a:p>
+            <a:pPr algn="just">
+              <a:lnSpc>
+                <a:spcPct val="100000"/>
+              </a:lnSpc>
+            </a:pPr>
+            <a:endParaRPr b="0" lang="en-US" sz="1800" spc="-1" strike="noStrike">
+              <a:latin typeface="Arial"/>
+            </a:endParaRPr>
+          </a:p>
+        </p:txBody>
+      </p:sp>
+      <p:sp>
+        <p:nvSpPr>
+          <p:cNvPr id="68" name="CustomShape 18"/>
+          <p:cNvSpPr/>
+          <p:nvPr/>
+        </p:nvSpPr>
+        <p:spPr>
+          <a:xfrm>
+            <a:off x="91440" y="7140600"/>
+            <a:ext cx="3291840" cy="1515240"/>
+          </a:xfrm>
+          <a:prstGeom prst="rect">
+            <a:avLst/>
+          </a:prstGeom>
+          <a:noFill/>
+          <a:ln>
+            <a:noFill/>
+          </a:ln>
+        </p:spPr>
+        <p:style>
+          <a:lnRef idx="0"/>
+          <a:fillRef idx="0"/>
+          <a:effectRef idx="0"/>
+          <a:fontRef idx="minor"/>
+        </p:style>
+        <p:txBody>
+          <a:bodyPr lIns="90000" rIns="90000" tIns="45000" bIns="45000"/>
+          <a:p>
+            <a:pPr algn="just">
+              <a:lnSpc>
+                <a:spcPct val="100000"/>
+              </a:lnSpc>
+            </a:pPr>
+            <a:r>
+              <a:rPr b="1" lang="en-US" sz="800" spc="-1" strike="noStrike">
+                <a:solidFill>
+                  <a:srgbClr val="000000"/>
+                </a:solidFill>
+                <a:latin typeface="Cambria"/>
+                <a:ea typeface="ＭＳ Ｐゴシック"/>
+              </a:rPr>
+              <a:t>The de.STAIR Galaxy interactive recommendation system.</a:t>
+            </a:r>
+            <a:r>
+              <a:rPr b="0" lang="en-US" sz="800" spc="-1" strike="noStrike">
+                <a:solidFill>
+                  <a:srgbClr val="000000"/>
+                </a:solidFill>
+                <a:latin typeface="Cambria"/>
+                <a:ea typeface="ＭＳ Ｐゴシック"/>
+              </a:rPr>
+              <a:t> The recommendation system traces a path from the beginning of a Life Science data analysis to its end. Here, researchers can decide which path to walk towards the completion of the desired analysis by providing an </a:t>
+            </a:r>
+            <a:r>
+              <a:rPr b="0" lang="en-US" sz="800" spc="-1" strike="noStrike">
+                <a:latin typeface="Cambria"/>
+                <a:ea typeface="ＭＳ Ｐゴシック"/>
+              </a:rPr>
+              <a:t>input dataset and an analysis goal.</a:t>
+            </a:r>
+            <a:endParaRPr b="0" lang="en-US" sz="800" spc="-1" strike="noStrike">
+              <a:latin typeface="Arial"/>
+            </a:endParaRPr>
+          </a:p>
+          <a:p>
+            <a:pPr algn="just">
+              <a:lnSpc>
+                <a:spcPct val="100000"/>
+              </a:lnSpc>
+            </a:pPr>
+            <a:endParaRPr b="0" lang="en-US" sz="800" spc="-1" strike="noStrike">
+              <a:latin typeface="Arial"/>
+            </a:endParaRPr>
+          </a:p>
+          <a:p>
+            <a:pPr algn="just">
+              <a:lnSpc>
+                <a:spcPct val="100000"/>
+              </a:lnSpc>
+            </a:pPr>
+            <a:r>
+              <a:rPr b="0" lang="en-US" sz="800" spc="-1" strike="noStrike">
+                <a:solidFill>
+                  <a:srgbClr val="000000"/>
+                </a:solidFill>
+                <a:latin typeface="Cambria"/>
+                <a:ea typeface="ＭＳ Ｐゴシック"/>
+              </a:rPr>
+              <a:t>Tools are recommended step by step, based on both tool’s pertinence within the scope of the requested analysis goal and existing best practices within the current analysis step.</a:t>
+            </a:r>
+            <a:endParaRPr b="0" lang="en-US" sz="800" spc="-1" strike="noStrike">
+              <a:latin typeface="Arial"/>
+            </a:endParaRPr>
+          </a:p>
+          <a:p>
+            <a:pPr algn="just">
+              <a:lnSpc>
+                <a:spcPct val="100000"/>
+              </a:lnSpc>
+            </a:pPr>
+            <a:endParaRPr b="0" lang="en-US" sz="800" spc="-1" strike="noStrike">
+              <a:latin typeface="Arial"/>
+            </a:endParaRPr>
+          </a:p>
+          <a:p>
+            <a:pPr marL="216000" indent="-216000" algn="just">
+              <a:lnSpc>
+                <a:spcPct val="100000"/>
+              </a:lnSpc>
+              <a:spcBef>
+                <a:spcPts val="283"/>
+              </a:spcBef>
+              <a:spcAft>
+                <a:spcPts val="283"/>
+              </a:spcAft>
+              <a:buClr>
+                <a:srgbClr val="2f5597"/>
+              </a:buClr>
+              <a:buFont typeface="Wingdings" charset="2"/>
+              <a:buChar char=""/>
+            </a:pPr>
+            <a:r>
+              <a:rPr b="0" lang="en-US" sz="800" spc="-1" strike="noStrike">
+                <a:latin typeface="Cambria"/>
+                <a:ea typeface="ＭＳ Ｐゴシック"/>
+              </a:rPr>
+              <a:t>Best practice approaches are shared among the scientific community through the Galaxy platform as reusable workflows.</a:t>
+            </a:r>
+            <a:endParaRPr b="0" lang="en-US" sz="800" spc="-1" strike="noStrike">
+              <a:latin typeface="Arial"/>
+              <a:ea typeface="Noto Sans CJK SC Regular"/>
+            </a:endParaRPr>
+          </a:p>
+          <a:p>
+            <a:pPr marL="216000" indent="-216000" algn="just">
+              <a:lnSpc>
+                <a:spcPct val="100000"/>
+              </a:lnSpc>
+              <a:spcBef>
+                <a:spcPts val="283"/>
+              </a:spcBef>
+              <a:spcAft>
+                <a:spcPts val="283"/>
+              </a:spcAft>
+              <a:buClr>
+                <a:srgbClr val="2f5597"/>
+              </a:buClr>
+              <a:buFont typeface="Wingdings" charset="2"/>
+              <a:buChar char=""/>
+            </a:pPr>
+            <a:r>
+              <a:rPr b="0" lang="en-US" sz="800" spc="-1" strike="noStrike">
+                <a:latin typeface="Cambria"/>
+                <a:ea typeface="ＭＳ Ｐゴシック"/>
+              </a:rPr>
+              <a:t>Tool pertinence is inferred from the provided EDAM ontology terms, associated to its operations and input/output data formats.</a:t>
+            </a:r>
+            <a:endParaRPr b="0" lang="en-US" sz="800" spc="-1" strike="noStrike">
+              <a:latin typeface="Arial"/>
+              <a:ea typeface="Noto Sans CJK SC Regular"/>
+            </a:endParaRPr>
+          </a:p>
+        </p:txBody>
+      </p:sp>
+      <p:sp>
+        <p:nvSpPr>
+          <p:cNvPr id="69" name="CustomShape 19"/>
+          <p:cNvSpPr/>
+          <p:nvPr/>
+        </p:nvSpPr>
+        <p:spPr>
+          <a:xfrm>
+            <a:off x="91440" y="4368600"/>
+            <a:ext cx="3291840" cy="752040"/>
+          </a:xfrm>
+          <a:prstGeom prst="rect">
+            <a:avLst/>
+          </a:prstGeom>
+          <a:noFill/>
+          <a:ln>
+            <a:noFill/>
+          </a:ln>
+        </p:spPr>
+        <p:style>
+          <a:lnRef idx="0"/>
+          <a:fillRef idx="0"/>
+          <a:effectRef idx="0"/>
+          <a:fontRef idx="minor"/>
+        </p:style>
+        <p:txBody>
+          <a:bodyPr lIns="90000" rIns="90000" tIns="45000" bIns="45000"/>
+          <a:p>
+            <a:pPr marL="216000" indent="-216000" algn="just">
+              <a:lnSpc>
+                <a:spcPct val="100000"/>
+              </a:lnSpc>
+              <a:spcBef>
+                <a:spcPts val="283"/>
+              </a:spcBef>
+              <a:spcAft>
+                <a:spcPts val="283"/>
+              </a:spcAft>
+              <a:buClr>
+                <a:srgbClr val="2f5597"/>
+              </a:buClr>
+              <a:buFont typeface="Wingdings" charset="2"/>
+              <a:buChar char=""/>
+            </a:pPr>
+            <a:r>
+              <a:rPr b="0" lang="en-US" sz="800" spc="-1" strike="noStrike">
+                <a:solidFill>
+                  <a:srgbClr val="000000"/>
+                </a:solidFill>
+                <a:latin typeface="Cambria"/>
+                <a:ea typeface="ＭＳ Ｐゴシック"/>
+              </a:rPr>
+              <a:t>Dockerized Galaxy flavor</a:t>
+            </a:r>
+            <a:endParaRPr b="0" lang="en-US" sz="800" spc="-1" strike="noStrike">
+              <a:latin typeface="Arial"/>
+              <a:ea typeface="Noto Sans CJK SC Regular"/>
+            </a:endParaRPr>
+          </a:p>
+          <a:p>
+            <a:pPr marL="216000" indent="-216000" algn="just">
+              <a:lnSpc>
+                <a:spcPct val="100000"/>
+              </a:lnSpc>
+              <a:spcBef>
+                <a:spcPts val="283"/>
+              </a:spcBef>
+              <a:spcAft>
+                <a:spcPts val="283"/>
+              </a:spcAft>
+              <a:buClr>
+                <a:srgbClr val="2f5597"/>
+              </a:buClr>
+              <a:buFont typeface="Wingdings" charset="2"/>
+              <a:buChar char=""/>
+            </a:pPr>
+            <a:r>
+              <a:rPr b="0" lang="en-US" sz="800" spc="-1" strike="noStrike">
+                <a:solidFill>
+                  <a:srgbClr val="000000"/>
+                </a:solidFill>
+                <a:latin typeface="Cambria"/>
+                <a:ea typeface="ＭＳ Ｐゴシック"/>
+              </a:rPr>
+              <a:t>Integration within  Galaxy RNA Workbench</a:t>
+            </a:r>
+            <a:endParaRPr b="0" lang="en-US" sz="800" spc="-1" strike="noStrike">
+              <a:latin typeface="Arial"/>
+              <a:ea typeface="Noto Sans CJK SC Regular"/>
+            </a:endParaRPr>
+          </a:p>
+          <a:p>
+            <a:pPr marL="216000" indent="-216000" algn="just">
+              <a:lnSpc>
+                <a:spcPct val="100000"/>
+              </a:lnSpc>
+              <a:spcBef>
+                <a:spcPts val="283"/>
+              </a:spcBef>
+              <a:spcAft>
+                <a:spcPts val="283"/>
+              </a:spcAft>
+              <a:buClr>
+                <a:srgbClr val="2f5597"/>
+              </a:buClr>
+              <a:buFont typeface="Wingdings" charset="2"/>
+              <a:buChar char=""/>
+            </a:pPr>
+            <a:r>
+              <a:rPr b="0" lang="en-US" sz="800" spc="-1" strike="noStrike">
+                <a:solidFill>
+                  <a:srgbClr val="000000"/>
+                </a:solidFill>
+                <a:latin typeface="Cambria"/>
+                <a:ea typeface="ＭＳ Ｐゴシック"/>
+              </a:rPr>
+              <a:t>Provide interactive guidance on designing  RNA-Seq experiments</a:t>
+            </a:r>
+            <a:endParaRPr b="0" lang="en-US" sz="800" spc="-1" strike="noStrike">
+              <a:latin typeface="Arial"/>
+              <a:ea typeface="Noto Sans CJK SC Regular"/>
+            </a:endParaRPr>
+          </a:p>
+          <a:p>
+            <a:pPr marL="216000" indent="-216000" algn="just">
+              <a:lnSpc>
+                <a:spcPct val="100000"/>
+              </a:lnSpc>
+              <a:spcBef>
+                <a:spcPts val="283"/>
+              </a:spcBef>
+              <a:spcAft>
+                <a:spcPts val="283"/>
+              </a:spcAft>
+              <a:buClr>
+                <a:srgbClr val="2f5597"/>
+              </a:buClr>
+              <a:buFont typeface="Wingdings" charset="2"/>
+              <a:buChar char=""/>
+            </a:pPr>
+            <a:r>
+              <a:rPr b="0" lang="en-US" sz="800" spc="-1" strike="noStrike">
+                <a:solidFill>
+                  <a:srgbClr val="000000"/>
+                </a:solidFill>
+                <a:latin typeface="Cambria"/>
+                <a:ea typeface="ＭＳ Ｐゴシック"/>
+              </a:rPr>
+              <a:t>Test of novel and experimental tools</a:t>
+            </a:r>
+            <a:endParaRPr b="0" lang="en-US" sz="800" spc="-1" strike="noStrike">
+              <a:latin typeface="Arial"/>
+              <a:ea typeface="Noto Sans CJK SC Regular"/>
+            </a:endParaRPr>
+          </a:p>
+        </p:txBody>
+      </p:sp>
+      <p:sp>
+        <p:nvSpPr>
+          <p:cNvPr id="70" name="CustomShape 20"/>
+          <p:cNvSpPr/>
+          <p:nvPr/>
+        </p:nvSpPr>
+        <p:spPr>
+          <a:xfrm>
+            <a:off x="3522600" y="1881720"/>
+            <a:ext cx="3117240" cy="240480"/>
           </a:xfrm>
           <a:prstGeom prst="roundRect">
             <a:avLst>
@@ -2985,7 +3760,7 @@
             </a:avLst>
           </a:prstGeom>
           <a:solidFill>
-            <a:srgbClr val="3465a4"/>
+            <a:srgbClr val="2f5597"/>
           </a:solidFill>
           <a:ln w="9360">
             <a:solidFill>
@@ -3016,7 +3791,17 @@
                 <a:latin typeface="Cambria"/>
                 <a:ea typeface="ＭＳ Ｐゴシック"/>
               </a:rPr>
-              <a:t>References</a:t>
+              <a:t>Towards the automation of workflow </a:t>
+            </a:r>
+            <a:r>
+              <a:rPr b="0" lang="en-US" sz="1000" spc="-1" strike="noStrike">
+                <a:solidFill>
+                  <a:srgbClr val="ffffff"/>
+                </a:solidFill>
+                <a:latin typeface="Cambria"/>
+                <a:ea typeface="ＭＳ Ｐゴシック"/>
+              </a:rPr>
+              <a:t>construction</a:t>
             </a:r>
             <a:endParaRPr b="0" lang="en-US" sz="1000" spc="-1" strike="noStrike">
               <a:latin typeface="Arial"/>
@@ -3024,16 +3809,114 @@
           </a:p>
         </p:txBody>
       </p:sp>
-      <p:sp>
-        <p:nvSpPr>
-          <p:cNvPr id="61" name="CustomShape 8"/>
-          <p:cNvSpPr/>
-          <p:nvPr/>
-        </p:nvSpPr>
-        <p:spPr>
-          <a:xfrm>
-            <a:off x="3510720" y="2140200"/>
-            <a:ext cx="3164400" cy="1550520"/>
+      <p:pic>
+        <p:nvPicPr>
+          <p:cNvPr id="71" name="" descr=""/>
+          <p:cNvPicPr/>
+          <p:nvPr/>
+        </p:nvPicPr>
+        <p:blipFill>
+          <a:blip r:embed="rId10"/>
+          <a:stretch/>
+        </p:blipFill>
+        <p:spPr>
+          <a:xfrm>
+            <a:off x="6015240" y="3736440"/>
+            <a:ext cx="487080" cy="688680"/>
+          </a:xfrm>
+          <a:prstGeom prst="rect">
+            <a:avLst/>
+          </a:prstGeom>
+          <a:ln>
+            <a:noFill/>
+          </a:ln>
+        </p:spPr>
+      </p:pic>
+      <p:cxnSp>
+        <p:nvCxnSpPr>
+          <p:cNvPr id="72" name="Line 21"/>
+          <p:cNvCxnSpPr>
+            <a:stCxn id="60" idx="79"/>
+            <a:endCxn id="61" idx="21"/>
+          </p:cNvCxnSpPr>
+          <p:nvPr/>
+        </p:nvCxnSpPr>
+        <p:spPr>
+          <a:xfrm>
+            <a:off x="4673880" y="2560320"/>
+            <a:ext cx="360" cy="321840"/>
+          </a:xfrm>
+          <a:prstGeom prst="straightConnector1">
+            <a:avLst/>
+          </a:prstGeom>
+          <a:ln w="10080">
+            <a:solidFill>
+              <a:srgbClr val="00bfff"/>
+            </a:solidFill>
+            <a:round/>
+            <a:tailEnd len="med" type="triangle" w="med"/>
+          </a:ln>
+        </p:spPr>
+      </p:cxnSp>
+      <p:cxnSp>
+        <p:nvCxnSpPr>
+          <p:cNvPr id="73" name="Line 22"/>
+          <p:cNvCxnSpPr>
+            <a:stCxn id="61" idx="68"/>
+            <a:endCxn id="63" idx="19"/>
+          </p:cNvCxnSpPr>
+          <p:nvPr/>
+        </p:nvCxnSpPr>
+        <p:spPr>
+          <a:xfrm>
+            <a:off x="4673880" y="3402720"/>
+            <a:ext cx="360" cy="343440"/>
+          </a:xfrm>
+          <a:prstGeom prst="straightConnector1">
+            <a:avLst/>
+          </a:prstGeom>
+          <a:ln w="6480">
+            <a:solidFill>
+              <a:srgbClr val="00bfff"/>
+            </a:solidFill>
+            <a:round/>
+            <a:tailEnd len="med" type="triangle" w="med"/>
+          </a:ln>
+        </p:spPr>
+      </p:cxnSp>
+      <p:pic>
+        <p:nvPicPr>
+          <p:cNvPr id="74" name="" descr=""/>
+          <p:cNvPicPr/>
+          <p:nvPr/>
+        </p:nvPicPr>
+        <p:blipFill>
+          <a:blip r:embed="rId11"/>
+          <a:stretch/>
+        </p:blipFill>
+        <p:spPr>
+          <a:xfrm>
+            <a:off x="4093200" y="4461120"/>
+            <a:ext cx="2068200" cy="2834640"/>
+          </a:xfrm>
+          <a:prstGeom prst="rect">
+            <a:avLst/>
+          </a:prstGeom>
+          <a:ln>
+            <a:noFill/>
+          </a:ln>
+        </p:spPr>
+      </p:pic>
+      <p:sp>
+        <p:nvSpPr>
+          <p:cNvPr id="75" name="TextShape 23"/>
+          <p:cNvSpPr txBox="1"/>
+          <p:nvPr/>
+        </p:nvSpPr>
+        <p:spPr>
+          <a:xfrm>
+            <a:off x="5518080" y="5724000"/>
+            <a:ext cx="914400" cy="207720"/>
           </a:xfrm>
           <a:prstGeom prst="rect">
             <a:avLst/>
@@ -3041,6 +3924,538 @@
           <a:noFill/>
           <a:ln>
             <a:noFill/>
+          </a:ln>
+        </p:spPr>
+        <p:txBody>
+          <a:bodyPr lIns="90000" rIns="90000" tIns="45000" bIns="45000"/>
+          <a:p>
+            <a:r>
+              <a:rPr b="1" lang="en-US" sz="800" spc="-1" strike="noStrike">
+                <a:solidFill>
+                  <a:srgbClr val="2f5597"/>
+                </a:solidFill>
+                <a:latin typeface="Cambria"/>
+              </a:rPr>
+              <a:t>Training </a:t>
+            </a:r>
+            <a:r>
+              <a:rPr b="1" lang="en-US" sz="800" spc="-1" strike="noStrike">
+                <a:solidFill>
+                  <a:srgbClr val="2f5597"/>
+                </a:solidFill>
+                <a:latin typeface="Cambria"/>
+              </a:rPr>
+              <a:t>events</a:t>
+            </a:r>
+            <a:endParaRPr b="1" lang="en-US" sz="800" spc="-1" strike="noStrike">
+              <a:solidFill>
+                <a:srgbClr val="2f5597"/>
+              </a:solidFill>
+              <a:latin typeface="Cambria"/>
+            </a:endParaRPr>
+          </a:p>
+        </p:txBody>
+      </p:sp>
+      <p:sp>
+        <p:nvSpPr>
+          <p:cNvPr id="76" name="TextShape 24"/>
+          <p:cNvSpPr txBox="1"/>
+          <p:nvPr/>
+        </p:nvSpPr>
+        <p:spPr>
+          <a:xfrm>
+            <a:off x="3605040" y="5652720"/>
+            <a:ext cx="1427040" cy="559800"/>
+          </a:xfrm>
+          <a:prstGeom prst="rect">
+            <a:avLst/>
+          </a:prstGeom>
+          <a:noFill/>
+          <a:ln>
+            <a:noFill/>
+          </a:ln>
+        </p:spPr>
+        <p:txBody>
+          <a:bodyPr lIns="90000" rIns="90000" tIns="45000" bIns="45000"/>
+          <a:p>
+            <a:r>
+              <a:rPr b="1" lang="en-US" sz="800" spc="-1" strike="noStrike">
+                <a:solidFill>
+                  <a:srgbClr val="ff1493"/>
+                </a:solidFill>
+                <a:latin typeface="Cambria"/>
+              </a:rPr>
+              <a:t>Galaxy </a:t>
+            </a:r>
+            <a:r>
+              <a:rPr b="1" lang="en-US" sz="800" spc="-1" strike="noStrike">
+                <a:solidFill>
+                  <a:srgbClr val="ff1493"/>
+                </a:solidFill>
+                <a:latin typeface="Cambria"/>
+              </a:rPr>
+              <a:t>Interacti</a:t>
+            </a:r>
+            <a:r>
+              <a:rPr b="1" lang="en-US" sz="800" spc="-1" strike="noStrike">
+                <a:solidFill>
+                  <a:srgbClr val="ff1493"/>
+                </a:solidFill>
+                <a:latin typeface="Cambria"/>
+              </a:rPr>
+              <a:t>ve</a:t>
+            </a:r>
+            <a:endParaRPr b="1" lang="en-US" sz="800" spc="-1" strike="noStrike">
+              <a:solidFill>
+                <a:srgbClr val="ff1493"/>
+              </a:solidFill>
+              <a:latin typeface="Cambria"/>
+            </a:endParaRPr>
+          </a:p>
+          <a:p>
+            <a:r>
+              <a:rPr b="1" lang="en-US" sz="800" spc="-1" strike="noStrike">
+                <a:solidFill>
+                  <a:srgbClr val="ff1493"/>
+                </a:solidFill>
+                <a:latin typeface="Cambria"/>
+              </a:rPr>
+              <a:t>Recomm</a:t>
+            </a:r>
+            <a:r>
+              <a:rPr b="1" lang="en-US" sz="800" spc="-1" strike="noStrike">
+                <a:solidFill>
+                  <a:srgbClr val="ff1493"/>
+                </a:solidFill>
+                <a:latin typeface="Cambria"/>
+              </a:rPr>
+              <a:t>endation </a:t>
+            </a:r>
+            <a:r>
+              <a:rPr b="1" lang="en-US" sz="800" spc="-1" strike="noStrike">
+                <a:solidFill>
+                  <a:srgbClr val="ff1493"/>
+                </a:solidFill>
+                <a:latin typeface="Cambria"/>
+              </a:rPr>
+              <a:t>system</a:t>
+            </a:r>
+            <a:endParaRPr b="1" lang="en-US" sz="800" spc="-1" strike="noStrike">
+              <a:solidFill>
+                <a:srgbClr val="ff1493"/>
+              </a:solidFill>
+              <a:latin typeface="Cambria"/>
+            </a:endParaRPr>
+          </a:p>
+        </p:txBody>
+      </p:sp>
+      <p:sp>
+        <p:nvSpPr>
+          <p:cNvPr id="77" name="TextShape 25"/>
+          <p:cNvSpPr txBox="1"/>
+          <p:nvPr/>
+        </p:nvSpPr>
+        <p:spPr>
+          <a:xfrm>
+            <a:off x="4829040" y="4572720"/>
+            <a:ext cx="914400" cy="207720"/>
+          </a:xfrm>
+          <a:prstGeom prst="rect">
+            <a:avLst/>
+          </a:prstGeom>
+          <a:noFill/>
+          <a:ln>
+            <a:noFill/>
+          </a:ln>
+        </p:spPr>
+        <p:txBody>
+          <a:bodyPr lIns="90000" rIns="90000" tIns="45000" bIns="45000"/>
+          <a:p>
+            <a:r>
+              <a:rPr b="1" lang="en-US" sz="800" spc="-1" strike="noStrike">
+                <a:solidFill>
+                  <a:srgbClr val="ff1493"/>
+                </a:solidFill>
+                <a:latin typeface="Cambria"/>
+              </a:rPr>
+              <a:t>Galaxy </a:t>
+            </a:r>
+            <a:r>
+              <a:rPr b="1" lang="en-US" sz="800" spc="-1" strike="noStrike">
+                <a:solidFill>
+                  <a:srgbClr val="ff1493"/>
+                </a:solidFill>
+                <a:latin typeface="Cambria"/>
+              </a:rPr>
+              <a:t>Tours</a:t>
+            </a:r>
+            <a:endParaRPr b="1" lang="en-US" sz="800" spc="-1" strike="noStrike">
+              <a:solidFill>
+                <a:srgbClr val="ff1493"/>
+              </a:solidFill>
+              <a:latin typeface="Cambria"/>
+            </a:endParaRPr>
+          </a:p>
+        </p:txBody>
+      </p:sp>
+      <p:sp>
+        <p:nvSpPr>
+          <p:cNvPr id="78" name="TextShape 26"/>
+          <p:cNvSpPr txBox="1"/>
+          <p:nvPr/>
+        </p:nvSpPr>
+        <p:spPr>
+          <a:xfrm>
+            <a:off x="3713040" y="5904360"/>
+            <a:ext cx="914400" cy="207720"/>
+          </a:xfrm>
+          <a:prstGeom prst="rect">
+            <a:avLst/>
+          </a:prstGeom>
+          <a:noFill/>
+          <a:ln>
+            <a:noFill/>
+          </a:ln>
+        </p:spPr>
+        <p:txBody>
+          <a:bodyPr lIns="90000" rIns="90000" tIns="45000" bIns="45000"/>
+          <a:p>
+            <a:r>
+              <a:rPr b="1" lang="en-US" sz="800" spc="-1" strike="noStrike">
+                <a:solidFill>
+                  <a:srgbClr val="000000"/>
+                </a:solidFill>
+                <a:latin typeface="Cambria"/>
+              </a:rPr>
+              <a:t>Hackathon</a:t>
+            </a:r>
+            <a:endParaRPr b="1" lang="en-US" sz="800" spc="-1" strike="noStrike">
+              <a:solidFill>
+                <a:srgbClr val="000000"/>
+              </a:solidFill>
+              <a:latin typeface="Cambria"/>
+            </a:endParaRPr>
+          </a:p>
+        </p:txBody>
+      </p:sp>
+      <p:sp>
+        <p:nvSpPr>
+          <p:cNvPr id="79" name="TextShape 27"/>
+          <p:cNvSpPr txBox="1"/>
+          <p:nvPr/>
+        </p:nvSpPr>
+        <p:spPr>
+          <a:xfrm>
+            <a:off x="4937040" y="4464360"/>
+            <a:ext cx="914400" cy="207720"/>
+          </a:xfrm>
+          <a:prstGeom prst="rect">
+            <a:avLst/>
+          </a:prstGeom>
+          <a:noFill/>
+          <a:ln>
+            <a:noFill/>
+          </a:ln>
+        </p:spPr>
+        <p:txBody>
+          <a:bodyPr lIns="90000" rIns="90000" tIns="45000" bIns="45000"/>
+          <a:p>
+            <a:r>
+              <a:rPr b="1" lang="en-US" sz="800" spc="-1" strike="noStrike">
+                <a:solidFill>
+                  <a:srgbClr val="2f5597"/>
+                </a:solidFill>
+                <a:latin typeface="Cambria"/>
+              </a:rPr>
+              <a:t>Training </a:t>
+            </a:r>
+            <a:r>
+              <a:rPr b="1" lang="en-US" sz="800" spc="-1" strike="noStrike">
+                <a:solidFill>
+                  <a:srgbClr val="2f5597"/>
+                </a:solidFill>
+                <a:latin typeface="Cambria"/>
+              </a:rPr>
+              <a:t>events</a:t>
+            </a:r>
+            <a:endParaRPr b="1" lang="en-US" sz="800" spc="-1" strike="noStrike">
+              <a:solidFill>
+                <a:srgbClr val="2f5597"/>
+              </a:solidFill>
+              <a:latin typeface="Cambria"/>
+            </a:endParaRPr>
+          </a:p>
+        </p:txBody>
+      </p:sp>
+      <p:sp>
+        <p:nvSpPr>
+          <p:cNvPr id="80" name="TextShape 28"/>
+          <p:cNvSpPr txBox="1"/>
+          <p:nvPr/>
+        </p:nvSpPr>
+        <p:spPr>
+          <a:xfrm>
+            <a:off x="5621040" y="5869080"/>
+            <a:ext cx="914400" cy="207720"/>
+          </a:xfrm>
+          <a:prstGeom prst="rect">
+            <a:avLst/>
+          </a:prstGeom>
+          <a:noFill/>
+          <a:ln>
+            <a:noFill/>
+          </a:ln>
+        </p:spPr>
+        <p:txBody>
+          <a:bodyPr lIns="90000" rIns="90000" tIns="45000" bIns="45000"/>
+          <a:p>
+            <a:r>
+              <a:rPr b="1" lang="en-US" sz="800" spc="-1" strike="noStrike">
+                <a:solidFill>
+                  <a:srgbClr val="ff1493"/>
+                </a:solidFill>
+                <a:latin typeface="Cambria"/>
+              </a:rPr>
+              <a:t>Galaxy </a:t>
+            </a:r>
+            <a:r>
+              <a:rPr b="1" lang="en-US" sz="800" spc="-1" strike="noStrike">
+                <a:solidFill>
+                  <a:srgbClr val="ff1493"/>
+                </a:solidFill>
+                <a:latin typeface="Cambria"/>
+              </a:rPr>
+              <a:t>Flavor</a:t>
+            </a:r>
+            <a:endParaRPr b="1" lang="en-US" sz="800" spc="-1" strike="noStrike">
+              <a:solidFill>
+                <a:srgbClr val="ff1493"/>
+              </a:solidFill>
+              <a:latin typeface="Cambria"/>
+            </a:endParaRPr>
+          </a:p>
+        </p:txBody>
+      </p:sp>
+      <p:sp>
+        <p:nvSpPr>
+          <p:cNvPr id="81" name="TextShape 29"/>
+          <p:cNvSpPr txBox="1"/>
+          <p:nvPr/>
+        </p:nvSpPr>
+        <p:spPr>
+          <a:xfrm>
+            <a:off x="3713040" y="7021080"/>
+            <a:ext cx="914400" cy="207720"/>
+          </a:xfrm>
+          <a:prstGeom prst="rect">
+            <a:avLst/>
+          </a:prstGeom>
+          <a:noFill/>
+          <a:ln>
+            <a:noFill/>
+          </a:ln>
+        </p:spPr>
+        <p:txBody>
+          <a:bodyPr lIns="90000" rIns="90000" tIns="45000" bIns="45000"/>
+          <a:p>
+            <a:r>
+              <a:rPr b="1" lang="en-US" sz="800" spc="-1" strike="noStrike">
+                <a:solidFill>
+                  <a:srgbClr val="ff1493"/>
+                </a:solidFill>
+                <a:latin typeface="Cambria"/>
+              </a:rPr>
+              <a:t>G</a:t>
+            </a:r>
+            <a:r>
+              <a:rPr b="1" lang="en-US" sz="800" spc="-1" strike="noStrike">
+                <a:solidFill>
+                  <a:srgbClr val="ff1493"/>
+                </a:solidFill>
+                <a:latin typeface="Cambria"/>
+              </a:rPr>
+              <a:t>al</a:t>
+            </a:r>
+            <a:r>
+              <a:rPr b="1" lang="en-US" sz="800" spc="-1" strike="noStrike">
+                <a:solidFill>
+                  <a:srgbClr val="ff1493"/>
+                </a:solidFill>
+                <a:latin typeface="Cambria"/>
+              </a:rPr>
+              <a:t>a</a:t>
+            </a:r>
+            <a:r>
+              <a:rPr b="1" lang="en-US" sz="800" spc="-1" strike="noStrike">
+                <a:solidFill>
+                  <a:srgbClr val="ff1493"/>
+                </a:solidFill>
+                <a:latin typeface="Cambria"/>
+              </a:rPr>
+              <a:t>x</a:t>
+            </a:r>
+            <a:r>
+              <a:rPr b="1" lang="en-US" sz="800" spc="-1" strike="noStrike">
+                <a:solidFill>
+                  <a:srgbClr val="ff1493"/>
+                </a:solidFill>
+                <a:latin typeface="Cambria"/>
+              </a:rPr>
+              <a:t>y </a:t>
+            </a:r>
+            <a:r>
+              <a:rPr b="1" lang="en-US" sz="800" spc="-1" strike="noStrike">
+                <a:solidFill>
+                  <a:srgbClr val="ff1493"/>
+                </a:solidFill>
+                <a:latin typeface="Cambria"/>
+              </a:rPr>
+              <a:t>T</a:t>
+            </a:r>
+            <a:r>
+              <a:rPr b="1" lang="en-US" sz="800" spc="-1" strike="noStrike">
+                <a:solidFill>
+                  <a:srgbClr val="ff1493"/>
+                </a:solidFill>
+                <a:latin typeface="Cambria"/>
+              </a:rPr>
+              <a:t>o</a:t>
+            </a:r>
+            <a:r>
+              <a:rPr b="1" lang="en-US" sz="800" spc="-1" strike="noStrike">
+                <a:solidFill>
+                  <a:srgbClr val="ff1493"/>
+                </a:solidFill>
+                <a:latin typeface="Cambria"/>
+              </a:rPr>
+              <a:t>u</a:t>
+            </a:r>
+            <a:r>
+              <a:rPr b="1" lang="en-US" sz="800" spc="-1" strike="noStrike">
+                <a:solidFill>
+                  <a:srgbClr val="ff1493"/>
+                </a:solidFill>
+                <a:latin typeface="Cambria"/>
+              </a:rPr>
+              <a:t>r</a:t>
+            </a:r>
+            <a:r>
+              <a:rPr b="1" lang="en-US" sz="800" spc="-1" strike="noStrike">
+                <a:solidFill>
+                  <a:srgbClr val="ff1493"/>
+                </a:solidFill>
+                <a:latin typeface="Cambria"/>
+              </a:rPr>
+              <a:t>s</a:t>
+            </a:r>
+            <a:endParaRPr b="1" lang="en-US" sz="800" spc="-1" strike="noStrike">
+              <a:solidFill>
+                <a:srgbClr val="ff1493"/>
+              </a:solidFill>
+              <a:latin typeface="Cambria"/>
+            </a:endParaRPr>
+          </a:p>
+        </p:txBody>
+      </p:sp>
+      <p:sp>
+        <p:nvSpPr>
+          <p:cNvPr id="82" name="TextShape 30"/>
+          <p:cNvSpPr txBox="1"/>
+          <p:nvPr/>
+        </p:nvSpPr>
+        <p:spPr>
+          <a:xfrm>
+            <a:off x="3641040" y="6876720"/>
+            <a:ext cx="914400" cy="207720"/>
+          </a:xfrm>
+          <a:prstGeom prst="rect">
+            <a:avLst/>
+          </a:prstGeom>
+          <a:noFill/>
+          <a:ln>
+            <a:noFill/>
+          </a:ln>
+        </p:spPr>
+        <p:txBody>
+          <a:bodyPr lIns="90000" rIns="90000" tIns="45000" bIns="45000"/>
+          <a:p>
+            <a:r>
+              <a:rPr b="1" lang="en-US" sz="800" spc="-1" strike="noStrike">
+                <a:solidFill>
+                  <a:srgbClr val="000000"/>
+                </a:solidFill>
+                <a:latin typeface="Cambria"/>
+              </a:rPr>
+              <a:t>Hackathon</a:t>
+            </a:r>
+            <a:endParaRPr b="1" lang="en-US" sz="800" spc="-1" strike="noStrike">
+              <a:solidFill>
+                <a:srgbClr val="000000"/>
+              </a:solidFill>
+              <a:latin typeface="Cambria"/>
+            </a:endParaRPr>
+          </a:p>
+        </p:txBody>
+      </p:sp>
+      <p:sp>
+        <p:nvSpPr>
+          <p:cNvPr id="83" name="TextShape 31"/>
+          <p:cNvSpPr txBox="1"/>
+          <p:nvPr/>
+        </p:nvSpPr>
+        <p:spPr>
+          <a:xfrm>
+            <a:off x="3821040" y="7164360"/>
+            <a:ext cx="914400" cy="207720"/>
+          </a:xfrm>
+          <a:prstGeom prst="rect">
+            <a:avLst/>
+          </a:prstGeom>
+          <a:noFill/>
+          <a:ln>
+            <a:noFill/>
+          </a:ln>
+        </p:spPr>
+        <p:txBody>
+          <a:bodyPr lIns="90000" rIns="90000" tIns="45000" bIns="45000"/>
+          <a:p>
+            <a:r>
+              <a:rPr b="1" lang="en-US" sz="800" spc="-1" strike="noStrike">
+                <a:solidFill>
+                  <a:srgbClr val="2f5597"/>
+                </a:solidFill>
+                <a:latin typeface="Cambria"/>
+              </a:rPr>
+              <a:t>Training events</a:t>
+            </a:r>
+            <a:endParaRPr b="1" lang="en-US" sz="800" spc="-1" strike="noStrike">
+              <a:solidFill>
+                <a:srgbClr val="2f5597"/>
+              </a:solidFill>
+              <a:latin typeface="Cambria"/>
+            </a:endParaRPr>
+          </a:p>
+        </p:txBody>
+      </p:sp>
+      <p:sp>
+        <p:nvSpPr>
+          <p:cNvPr id="84" name="Line 32"/>
+          <p:cNvSpPr/>
+          <p:nvPr/>
+        </p:nvSpPr>
+        <p:spPr>
+          <a:xfrm flipH="1">
+            <a:off x="4897800" y="4804920"/>
+            <a:ext cx="577440" cy="1022400"/>
+          </a:xfrm>
+          <a:prstGeom prst="line">
+            <a:avLst/>
+          </a:prstGeom>
+          <a:ln w="10080">
+            <a:solidFill>
+              <a:srgbClr val="ff1493"/>
+            </a:solidFill>
+            <a:round/>
           </a:ln>
         </p:spPr>
         <p:style>
@@ -3052,705 +4467,21 @@
       </p:sp>
       <p:sp>
         <p:nvSpPr>
-          <p:cNvPr id="62" name="TextShape 9"/>
-          <p:cNvSpPr txBox="1"/>
-          <p:nvPr/>
-        </p:nvSpPr>
-        <p:spPr>
-          <a:xfrm>
-            <a:off x="91440" y="2103120"/>
-            <a:ext cx="3383280" cy="1733400"/>
-          </a:xfrm>
-          <a:prstGeom prst="rect">
-            <a:avLst/>
-          </a:prstGeom>
-          <a:noFill/>
-          <a:ln>
-            <a:noFill/>
-          </a:ln>
-        </p:spPr>
-        <p:txBody>
-          <a:bodyPr lIns="90000" rIns="90000" tIns="45000" bIns="45000"/>
-          <a:p>
-            <a:pPr algn="just">
-              <a:lnSpc>
-                <a:spcPct val="100000"/>
-              </a:lnSpc>
-            </a:pPr>
-            <a:r>
-              <a:rPr b="0" lang="en-US" sz="800" spc="-1" strike="noStrike">
-                <a:solidFill>
-                  <a:srgbClr val="000000"/>
-                </a:solidFill>
-                <a:latin typeface="Cambria"/>
-                <a:ea typeface="ＭＳ Ｐゴシック"/>
-              </a:rPr>
-              <a:t>The Galaxy community is promoting RNA-Seq protocols and best practices through the reuse of existing tools, and the consolidation of a Training Network to provide guidance to researchers through example datasets, tutorials, and interactive tours. However, the more tools and techniques are showcased, the more complex the options for tool chaining and parametrization become. And as more material is gathered to illustrate approaches on the analysis of Life Science data, the higher the risk to overwhelm users. To assist researchers in carrying out their investigations, we propose to integrate the Galaxy framework with an interactive recommendation system that leverages on community consolidated best practices as well as EDAM-annotated tools. Such a system would promote the adoption of well established pipelines, while at the same time allow room for testing further experimental tools, easing reuse, while consolidating protocols and reproducibility.</a:t>
-            </a:r>
-            <a:endParaRPr b="0" lang="en-US" sz="800" spc="-1" strike="noStrike">
-              <a:latin typeface="Arial"/>
-            </a:endParaRPr>
-          </a:p>
-        </p:txBody>
-      </p:sp>
-      <p:sp>
-        <p:nvSpPr>
-          <p:cNvPr id="63" name="TextShape 10"/>
-          <p:cNvSpPr txBox="1"/>
-          <p:nvPr/>
-        </p:nvSpPr>
-        <p:spPr>
-          <a:xfrm>
-            <a:off x="3402720" y="2104200"/>
-            <a:ext cx="3472560" cy="1733400"/>
-          </a:xfrm>
-          <a:prstGeom prst="rect">
-            <a:avLst/>
-          </a:prstGeom>
-          <a:noFill/>
-          <a:ln>
-            <a:noFill/>
-          </a:ln>
-        </p:spPr>
-        <p:txBody>
-          <a:bodyPr lIns="90000" rIns="90000" tIns="45000" bIns="45000"/>
-          <a:p>
-            <a:pPr>
-              <a:lnSpc>
-                <a:spcPct val="100000"/>
-              </a:lnSpc>
-            </a:pPr>
-            <a:r>
-              <a:rPr b="1" lang="en-US" sz="800" spc="-1" strike="noStrike">
-                <a:solidFill>
-                  <a:srgbClr val="000000"/>
-                </a:solidFill>
-                <a:latin typeface="Cambria"/>
-                <a:ea typeface="ＭＳ Ｐゴシック"/>
-              </a:rPr>
-              <a:t>Wolfien M</a:t>
-            </a:r>
-            <a:r>
-              <a:rPr b="0" lang="en-US" sz="800" spc="-1" strike="noStrike">
-                <a:solidFill>
-                  <a:srgbClr val="000000"/>
-                </a:solidFill>
-                <a:latin typeface="Cambria"/>
-                <a:ea typeface="ＭＳ Ｐゴシック"/>
-              </a:rPr>
-              <a:t>, Rimmbach R, Schmitz U, Jung JJ, Krebs S, Steinhoff G, David R,</a:t>
-            </a:r>
-            <a:endParaRPr b="0" lang="en-US" sz="800" spc="-1" strike="noStrike">
-              <a:latin typeface="Arial"/>
-            </a:endParaRPr>
-          </a:p>
-          <a:p>
-            <a:pPr>
-              <a:lnSpc>
-                <a:spcPct val="100000"/>
-              </a:lnSpc>
-            </a:pPr>
-            <a:r>
-              <a:rPr b="0" lang="en-US" sz="800" spc="-1" strike="noStrike">
-                <a:solidFill>
-                  <a:srgbClr val="000000"/>
-                </a:solidFill>
-                <a:latin typeface="Cambria"/>
-                <a:ea typeface="ＭＳ Ｐゴシック"/>
-              </a:rPr>
-              <a:t>      </a:t>
-            </a:r>
-            <a:r>
-              <a:rPr b="1" lang="en-US" sz="800" spc="-1" strike="noStrike">
-                <a:solidFill>
-                  <a:srgbClr val="000000"/>
-                </a:solidFill>
-                <a:latin typeface="Cambria"/>
-                <a:ea typeface="ＭＳ Ｐゴシック"/>
-              </a:rPr>
-              <a:t>Wolkenhauer O</a:t>
-            </a:r>
-            <a:r>
-              <a:rPr b="0" lang="en-US" sz="800" spc="-1" strike="noStrike">
-                <a:solidFill>
-                  <a:srgbClr val="000000"/>
-                </a:solidFill>
-                <a:latin typeface="Cambria"/>
-                <a:ea typeface="ＭＳ Ｐゴシック"/>
-              </a:rPr>
-              <a:t>. TRAPLINE: A standardized and automated pipeline</a:t>
-            </a:r>
-            <a:endParaRPr b="0" lang="en-US" sz="800" spc="-1" strike="noStrike">
-              <a:latin typeface="Arial"/>
-            </a:endParaRPr>
-          </a:p>
-          <a:p>
-            <a:pPr>
-              <a:lnSpc>
-                <a:spcPct val="100000"/>
-              </a:lnSpc>
-            </a:pPr>
-            <a:r>
-              <a:rPr b="0" lang="en-US" sz="800" spc="-1" strike="noStrike">
-                <a:solidFill>
-                  <a:srgbClr val="000000"/>
-                </a:solidFill>
-                <a:latin typeface="Cambria"/>
-                <a:ea typeface="ＭＳ Ｐゴシック"/>
-              </a:rPr>
-              <a:t>      </a:t>
-            </a:r>
-            <a:r>
-              <a:rPr b="0" lang="en-US" sz="800" spc="-1" strike="noStrike">
-                <a:solidFill>
-                  <a:srgbClr val="000000"/>
-                </a:solidFill>
-                <a:latin typeface="Cambria"/>
-                <a:ea typeface="ＭＳ Ｐゴシック"/>
-              </a:rPr>
-              <a:t>For RNA sequencing data analysis, evaluation and annotation.</a:t>
-            </a:r>
-            <a:endParaRPr b="0" lang="en-US" sz="800" spc="-1" strike="noStrike">
-              <a:latin typeface="Arial"/>
-            </a:endParaRPr>
-          </a:p>
-          <a:p>
-            <a:pPr>
-              <a:lnSpc>
-                <a:spcPct val="100000"/>
-              </a:lnSpc>
-            </a:pPr>
-            <a:r>
-              <a:rPr b="0" lang="en-US" sz="800" spc="-1" strike="noStrike">
-                <a:solidFill>
-                  <a:srgbClr val="000000"/>
-                </a:solidFill>
-                <a:latin typeface="Cambria"/>
-                <a:ea typeface="ＭＳ Ｐゴシック"/>
-              </a:rPr>
-              <a:t>      </a:t>
-            </a:r>
-            <a:r>
-              <a:rPr b="0" lang="en-US" sz="800" spc="-1" strike="noStrike">
-                <a:solidFill>
-                  <a:srgbClr val="000000"/>
-                </a:solidFill>
-                <a:latin typeface="Cambria"/>
-                <a:ea typeface="ＭＳ Ｐゴシック"/>
-              </a:rPr>
-              <a:t>BMC Bioinformatics, 2016. </a:t>
-            </a:r>
-            <a:r>
-              <a:rPr b="0" i="1" lang="en-US" sz="800" spc="-1" strike="noStrike">
-                <a:solidFill>
-                  <a:srgbClr val="3465a4"/>
-                </a:solidFill>
-                <a:latin typeface="Cambria"/>
-                <a:ea typeface="ＭＳ Ｐゴシック"/>
-              </a:rPr>
-              <a:t>10.1186/s12859-015-0873-9</a:t>
-            </a:r>
-            <a:endParaRPr b="0" lang="en-US" sz="800" spc="-1" strike="noStrike">
-              <a:latin typeface="Arial"/>
-            </a:endParaRPr>
-          </a:p>
-          <a:p>
-            <a:pPr>
-              <a:lnSpc>
-                <a:spcPct val="100000"/>
-              </a:lnSpc>
-            </a:pPr>
-            <a:r>
-              <a:rPr b="0" lang="en-US" sz="800" spc="-1" strike="noStrike">
-                <a:solidFill>
-                  <a:srgbClr val="000000"/>
-                </a:solidFill>
-                <a:latin typeface="Cambria"/>
-                <a:ea typeface="ＭＳ Ｐゴシック"/>
-              </a:rPr>
-              <a:t>Lott SC, </a:t>
-            </a:r>
-            <a:r>
-              <a:rPr b="1" lang="en-US" sz="800" spc="-1" strike="noStrike">
-                <a:solidFill>
-                  <a:srgbClr val="000000"/>
-                </a:solidFill>
-                <a:latin typeface="Cambria"/>
-                <a:ea typeface="ＭＳ Ｐゴシック"/>
-              </a:rPr>
-              <a:t>Wolfien M</a:t>
-            </a:r>
-            <a:r>
-              <a:rPr b="0" lang="en-US" sz="800" spc="-1" strike="noStrike">
-                <a:solidFill>
-                  <a:srgbClr val="000000"/>
-                </a:solidFill>
-                <a:latin typeface="Cambria"/>
-                <a:ea typeface="ＭＳ Ｐゴシック"/>
-              </a:rPr>
-              <a:t>, Riege K, </a:t>
-            </a:r>
-            <a:r>
-              <a:rPr b="1" lang="en-US" sz="800" spc="-1" strike="noStrike">
-                <a:solidFill>
-                  <a:srgbClr val="000000"/>
-                </a:solidFill>
-                <a:latin typeface="Cambria"/>
-                <a:ea typeface="ＭＳ Ｐゴシック"/>
-              </a:rPr>
-              <a:t>Bagnacani A</a:t>
-            </a:r>
-            <a:r>
-              <a:rPr b="0" lang="en-US" sz="800" spc="-1" strike="noStrike">
-                <a:solidFill>
-                  <a:srgbClr val="000000"/>
-                </a:solidFill>
-                <a:latin typeface="Cambria"/>
-                <a:ea typeface="ＭＳ Ｐゴシック"/>
-              </a:rPr>
-              <a:t>, </a:t>
-            </a:r>
-            <a:r>
-              <a:rPr b="1" lang="en-US" sz="800" spc="-1" strike="noStrike">
-                <a:solidFill>
-                  <a:srgbClr val="000000"/>
-                </a:solidFill>
-                <a:latin typeface="Cambria"/>
-                <a:ea typeface="ＭＳ Ｐゴシック"/>
-              </a:rPr>
-              <a:t>Wolkenhauer O</a:t>
-            </a:r>
-            <a:r>
-              <a:rPr b="0" lang="en-US" sz="800" spc="-1" strike="noStrike">
-                <a:solidFill>
-                  <a:srgbClr val="000000"/>
-                </a:solidFill>
-                <a:latin typeface="Cambria"/>
-                <a:ea typeface="ＭＳ Ｐゴシック"/>
-              </a:rPr>
-              <a:t>, Hoffmann S,</a:t>
-            </a:r>
-            <a:endParaRPr b="0" lang="en-US" sz="800" spc="-1" strike="noStrike">
-              <a:latin typeface="Arial"/>
-            </a:endParaRPr>
-          </a:p>
-          <a:p>
-            <a:pPr>
-              <a:lnSpc>
-                <a:spcPct val="100000"/>
-              </a:lnSpc>
-            </a:pPr>
-            <a:r>
-              <a:rPr b="0" lang="en-US" sz="800" spc="-1" strike="noStrike">
-                <a:solidFill>
-                  <a:srgbClr val="000000"/>
-                </a:solidFill>
-                <a:latin typeface="Cambria"/>
-                <a:ea typeface="ＭＳ Ｐゴシック"/>
-              </a:rPr>
-              <a:t>      </a:t>
-            </a:r>
-            <a:r>
-              <a:rPr b="0" lang="en-US" sz="800" spc="-1" strike="noStrike">
-                <a:solidFill>
-                  <a:srgbClr val="000000"/>
-                </a:solidFill>
-                <a:latin typeface="Cambria"/>
-                <a:ea typeface="ＭＳ Ｐゴシック"/>
-              </a:rPr>
-              <a:t>Hess WR. Customized workflow development and data modularization</a:t>
-            </a:r>
-            <a:endParaRPr b="0" lang="en-US" sz="800" spc="-1" strike="noStrike">
-              <a:latin typeface="Arial"/>
-            </a:endParaRPr>
-          </a:p>
-          <a:p>
-            <a:pPr>
-              <a:lnSpc>
-                <a:spcPct val="100000"/>
-              </a:lnSpc>
-            </a:pPr>
-            <a:r>
-              <a:rPr b="0" lang="en-US" sz="800" spc="-1" strike="noStrike">
-                <a:solidFill>
-                  <a:srgbClr val="000000"/>
-                </a:solidFill>
-                <a:latin typeface="Cambria"/>
-                <a:ea typeface="ＭＳ Ｐゴシック"/>
-              </a:rPr>
-              <a:t>      </a:t>
-            </a:r>
-            <a:r>
-              <a:rPr b="0" lang="en-US" sz="800" spc="-1" strike="noStrike">
-                <a:solidFill>
-                  <a:srgbClr val="000000"/>
-                </a:solidFill>
-                <a:latin typeface="Cambria"/>
-                <a:ea typeface="ＭＳ Ｐゴシック"/>
-              </a:rPr>
-              <a:t>concepts for RNA-Sequencing and metatranscriptome experiments.</a:t>
-            </a:r>
-            <a:endParaRPr b="0" lang="en-US" sz="800" spc="-1" strike="noStrike">
-              <a:latin typeface="Arial"/>
-            </a:endParaRPr>
-          </a:p>
-          <a:p>
-            <a:pPr>
-              <a:lnSpc>
-                <a:spcPct val="100000"/>
-              </a:lnSpc>
-            </a:pPr>
-            <a:r>
-              <a:rPr b="0" lang="en-US" sz="800" spc="-1" strike="noStrike">
-                <a:solidFill>
-                  <a:srgbClr val="000000"/>
-                </a:solidFill>
-                <a:latin typeface="Cambria"/>
-                <a:ea typeface="ＭＳ Ｐゴシック"/>
-              </a:rPr>
-              <a:t>      </a:t>
-            </a:r>
-            <a:r>
-              <a:rPr b="0" lang="en-US" sz="800" spc="-1" strike="noStrike">
-                <a:solidFill>
-                  <a:srgbClr val="000000"/>
-                </a:solidFill>
-                <a:latin typeface="Cambria"/>
-                <a:ea typeface="ＭＳ Ｐゴシック"/>
-              </a:rPr>
-              <a:t>Journal of Biotechnology, 2017. </a:t>
-            </a:r>
-            <a:r>
-              <a:rPr b="0" i="1" lang="en-US" sz="800" spc="-1" strike="noStrike">
-                <a:solidFill>
-                  <a:srgbClr val="3465a4"/>
-                </a:solidFill>
-                <a:latin typeface="Cambria"/>
-                <a:ea typeface="ＭＳ Ｐゴシック"/>
-              </a:rPr>
-              <a:t>10.1016/j.jbiotec.2017.06.1203</a:t>
-            </a:r>
-            <a:endParaRPr b="0" lang="en-US" sz="800" spc="-1" strike="noStrike">
-              <a:latin typeface="Arial"/>
-            </a:endParaRPr>
-          </a:p>
-          <a:p>
-            <a:pPr>
-              <a:lnSpc>
-                <a:spcPct val="100000"/>
-              </a:lnSpc>
-            </a:pPr>
-            <a:r>
-              <a:rPr b="0" lang="en-US" sz="800" spc="-1" strike="noStrike">
-                <a:solidFill>
-                  <a:srgbClr val="000000"/>
-                </a:solidFill>
-                <a:latin typeface="Cambria"/>
-                <a:ea typeface="ＭＳ Ｐゴシック"/>
-              </a:rPr>
-              <a:t>Grüning BA, Fallmann J, Yusuf D, Will S, Erxleben A, Eggenhofer F,</a:t>
-            </a:r>
-            <a:endParaRPr b="0" lang="en-US" sz="800" spc="-1" strike="noStrike">
-              <a:latin typeface="Arial"/>
-            </a:endParaRPr>
-          </a:p>
-          <a:p>
-            <a:pPr>
-              <a:lnSpc>
-                <a:spcPct val="100000"/>
-              </a:lnSpc>
-            </a:pPr>
-            <a:r>
-              <a:rPr b="0" lang="en-US" sz="800" spc="-1" strike="noStrike">
-                <a:solidFill>
-                  <a:srgbClr val="000000"/>
-                </a:solidFill>
-                <a:latin typeface="Cambria"/>
-                <a:ea typeface="ＭＳ Ｐゴシック"/>
-              </a:rPr>
-              <a:t>      </a:t>
-            </a:r>
-            <a:r>
-              <a:rPr b="0" lang="en-US" sz="800" spc="-1" strike="noStrike">
-                <a:solidFill>
-                  <a:srgbClr val="000000"/>
-                </a:solidFill>
-                <a:latin typeface="Cambria"/>
-                <a:ea typeface="ＭＳ Ｐゴシック"/>
-              </a:rPr>
-              <a:t>Houwaart T, Batut B, Videm P, </a:t>
-            </a:r>
-            <a:r>
-              <a:rPr b="1" lang="en-US" sz="800" spc="-1" strike="noStrike">
-                <a:solidFill>
-                  <a:srgbClr val="000000"/>
-                </a:solidFill>
-                <a:latin typeface="Cambria"/>
-                <a:ea typeface="ＭＳ Ｐゴシック"/>
-              </a:rPr>
-              <a:t>Bagnacani A</a:t>
-            </a:r>
-            <a:r>
-              <a:rPr b="0" lang="en-US" sz="800" spc="-1" strike="noStrike">
-                <a:solidFill>
-                  <a:srgbClr val="000000"/>
-                </a:solidFill>
-                <a:latin typeface="Cambria"/>
-                <a:ea typeface="ＭＳ Ｐゴシック"/>
-              </a:rPr>
-              <a:t>, </a:t>
-            </a:r>
-            <a:r>
-              <a:rPr b="1" lang="en-US" sz="800" spc="-1" strike="noStrike">
-                <a:solidFill>
-                  <a:srgbClr val="000000"/>
-                </a:solidFill>
-                <a:latin typeface="Cambria"/>
-                <a:ea typeface="ＭＳ Ｐゴシック"/>
-              </a:rPr>
-              <a:t>Wolfien M</a:t>
-            </a:r>
-            <a:r>
-              <a:rPr b="0" lang="en-US" sz="800" spc="-1" strike="noStrike">
-                <a:solidFill>
-                  <a:srgbClr val="000000"/>
-                </a:solidFill>
-                <a:latin typeface="Cambria"/>
-                <a:ea typeface="ＭＳ Ｐゴシック"/>
-              </a:rPr>
-              <a:t>, Lott SC,</a:t>
-            </a:r>
-            <a:endParaRPr b="0" lang="en-US" sz="800" spc="-1" strike="noStrike">
-              <a:latin typeface="Arial"/>
-            </a:endParaRPr>
-          </a:p>
-          <a:p>
-            <a:pPr>
-              <a:lnSpc>
-                <a:spcPct val="100000"/>
-              </a:lnSpc>
-            </a:pPr>
-            <a:r>
-              <a:rPr b="0" lang="en-US" sz="800" spc="-1" strike="noStrike">
-                <a:solidFill>
-                  <a:srgbClr val="000000"/>
-                </a:solidFill>
-                <a:latin typeface="Cambria"/>
-                <a:ea typeface="ＭＳ Ｐゴシック"/>
-              </a:rPr>
-              <a:t>      </a:t>
-            </a:r>
-            <a:r>
-              <a:rPr b="0" lang="en-US" sz="800" spc="-1" strike="noStrike">
-                <a:solidFill>
-                  <a:srgbClr val="000000"/>
-                </a:solidFill>
-                <a:latin typeface="Cambria"/>
-                <a:ea typeface="ＭＳ Ｐゴシック"/>
-              </a:rPr>
-              <a:t>Hoogstrate Y, Hess WR, </a:t>
-            </a:r>
-            <a:r>
-              <a:rPr b="1" lang="en-US" sz="800" spc="-1" strike="noStrike">
-                <a:solidFill>
-                  <a:srgbClr val="000000"/>
-                </a:solidFill>
-                <a:latin typeface="Cambria"/>
-                <a:ea typeface="ＭＳ Ｐゴシック"/>
-              </a:rPr>
-              <a:t>Wolkenhauer O</a:t>
-            </a:r>
-            <a:r>
-              <a:rPr b="0" lang="en-US" sz="800" spc="-1" strike="noStrike">
-                <a:solidFill>
-                  <a:srgbClr val="000000"/>
-                </a:solidFill>
-                <a:latin typeface="Cambria"/>
-                <a:ea typeface="ＭＳ Ｐゴシック"/>
-              </a:rPr>
-              <a:t>, Hoffmann S, Akalin A, Ohler</a:t>
-            </a:r>
-            <a:endParaRPr b="0" lang="en-US" sz="800" spc="-1" strike="noStrike">
-              <a:latin typeface="Arial"/>
-            </a:endParaRPr>
-          </a:p>
-          <a:p>
-            <a:pPr>
-              <a:lnSpc>
-                <a:spcPct val="100000"/>
-              </a:lnSpc>
-            </a:pPr>
-            <a:r>
-              <a:rPr b="0" lang="en-US" sz="800" spc="-1" strike="noStrike">
-                <a:solidFill>
-                  <a:srgbClr val="000000"/>
-                </a:solidFill>
-                <a:latin typeface="Cambria"/>
-                <a:ea typeface="ＭＳ Ｐゴシック"/>
-              </a:rPr>
-              <a:t>      </a:t>
-            </a:r>
-            <a:r>
-              <a:rPr b="0" lang="en-US" sz="800" spc="-1" strike="noStrike">
-                <a:solidFill>
-                  <a:srgbClr val="000000"/>
-                </a:solidFill>
-                <a:latin typeface="Cambria"/>
-                <a:ea typeface="ＭＳ Ｐゴシック"/>
-              </a:rPr>
-              <a:t>U, Stadler PF, Backofen R. The RNA workbench: best practices for RNA</a:t>
-            </a:r>
-            <a:endParaRPr b="0" lang="en-US" sz="800" spc="-1" strike="noStrike">
-              <a:latin typeface="Arial"/>
-            </a:endParaRPr>
-          </a:p>
-          <a:p>
-            <a:pPr>
-              <a:lnSpc>
-                <a:spcPct val="100000"/>
-              </a:lnSpc>
-            </a:pPr>
-            <a:r>
-              <a:rPr b="0" lang="en-US" sz="800" spc="-1" strike="noStrike">
-                <a:solidFill>
-                  <a:srgbClr val="000000"/>
-                </a:solidFill>
-                <a:latin typeface="Cambria"/>
-                <a:ea typeface="ＭＳ Ｐゴシック"/>
-              </a:rPr>
-              <a:t>      </a:t>
-            </a:r>
-            <a:r>
-              <a:rPr b="0" lang="en-US" sz="800" spc="-1" strike="noStrike">
-                <a:solidFill>
-                  <a:srgbClr val="000000"/>
-                </a:solidFill>
-                <a:latin typeface="Cambria"/>
-                <a:ea typeface="ＭＳ Ｐゴシック"/>
-              </a:rPr>
-              <a:t>And high-throughput sequencing bioinformatics in Galaxy.</a:t>
-            </a:r>
-            <a:endParaRPr b="0" lang="en-US" sz="800" spc="-1" strike="noStrike">
-              <a:latin typeface="Arial"/>
-            </a:endParaRPr>
-          </a:p>
-          <a:p>
-            <a:pPr>
-              <a:lnSpc>
-                <a:spcPct val="100000"/>
-              </a:lnSpc>
-            </a:pPr>
-            <a:r>
-              <a:rPr b="0" lang="en-US" sz="800" spc="-1" strike="noStrike">
-                <a:solidFill>
-                  <a:srgbClr val="000000"/>
-                </a:solidFill>
-                <a:latin typeface="Cambria"/>
-                <a:ea typeface="ＭＳ Ｐゴシック"/>
-              </a:rPr>
-              <a:t>      </a:t>
-            </a:r>
-            <a:r>
-              <a:rPr b="0" lang="en-US" sz="800" spc="-1" strike="noStrike">
-                <a:solidFill>
-                  <a:srgbClr val="000000"/>
-                </a:solidFill>
-                <a:latin typeface="Cambria"/>
-                <a:ea typeface="ＭＳ Ｐゴシック"/>
-              </a:rPr>
-              <a:t>Nucleic Acids Research, 2017. </a:t>
-            </a:r>
-            <a:r>
-              <a:rPr b="0" i="1" lang="en-US" sz="800" spc="-1" strike="noStrike">
-                <a:solidFill>
-                  <a:srgbClr val="3465a4"/>
-                </a:solidFill>
-                <a:latin typeface="Cambria"/>
-                <a:ea typeface="ＭＳ Ｐゴシック"/>
-              </a:rPr>
-              <a:t>10.1093/nar/gkx409</a:t>
-            </a:r>
-            <a:endParaRPr b="0" lang="en-US" sz="800" spc="-1" strike="noStrike">
-              <a:latin typeface="Arial"/>
-            </a:endParaRPr>
-          </a:p>
-        </p:txBody>
-      </p:sp>
-      <p:sp>
-        <p:nvSpPr>
-          <p:cNvPr id="64" name="TextShape 11"/>
-          <p:cNvSpPr txBox="1"/>
-          <p:nvPr/>
-        </p:nvSpPr>
-        <p:spPr>
-          <a:xfrm>
-            <a:off x="4145760" y="4153680"/>
-            <a:ext cx="2620800" cy="2575080"/>
-          </a:xfrm>
-          <a:prstGeom prst="rect">
-            <a:avLst/>
-          </a:prstGeom>
-          <a:noFill/>
-          <a:ln>
-            <a:noFill/>
-          </a:ln>
-        </p:spPr>
-        <p:txBody>
-          <a:bodyPr lIns="90000" rIns="90000" tIns="45000" bIns="45000"/>
-          <a:p>
-            <a:pPr algn="just">
-              <a:lnSpc>
-                <a:spcPct val="100000"/>
-              </a:lnSpc>
-            </a:pPr>
-            <a:r>
-              <a:rPr b="1" lang="en-US" sz="1000" spc="-1" strike="noStrike">
-                <a:solidFill>
-                  <a:srgbClr val="000000"/>
-                </a:solidFill>
-                <a:latin typeface="Cambria"/>
-                <a:ea typeface="ＭＳ Ｐゴシック"/>
-              </a:rPr>
-              <a:t>The de.STAIR interactive recommendation system.</a:t>
-            </a:r>
-            <a:r>
-              <a:rPr b="0" lang="en-US" sz="1000" spc="-1" strike="noStrike">
-                <a:solidFill>
-                  <a:srgbClr val="000000"/>
-                </a:solidFill>
-                <a:latin typeface="Cambria"/>
-                <a:ea typeface="ＭＳ Ｐゴシック"/>
-              </a:rPr>
-              <a:t> The recommendation system traces a path from the beginning of a Life Science data analysis to its end. Here, researchers can decide which path to walk towards the completion of the desired analysis by providing an input dataset and an analysis goal. Tools are recommended step by step, based on both tool’s pertinence within the scope of the requested goal, and existing best practices within the current analysis step. A best practice approach is shared among the scientific community through the Galaxy platform as reusable workflows, while a tool pertinence is inferred from the provided EDAM ontology terms associated to its operations and input/output data formats.</a:t>
-            </a:r>
-            <a:endParaRPr b="0" lang="en-US" sz="1000" spc="-1" strike="noStrike">
-              <a:latin typeface="Arial"/>
-            </a:endParaRPr>
-          </a:p>
-        </p:txBody>
-      </p:sp>
-      <p:sp>
-        <p:nvSpPr>
-          <p:cNvPr id="65" name="CustomShape 12"/>
+          <p:cNvPr id="85" name="Line 33"/>
           <p:cNvSpPr/>
           <p:nvPr/>
         </p:nvSpPr>
         <p:spPr>
-          <a:xfrm>
-            <a:off x="174600" y="6846840"/>
-            <a:ext cx="6500520" cy="240840"/>
-          </a:xfrm>
-          <a:prstGeom prst="roundRect">
-            <a:avLst>
-              <a:gd name="adj" fmla="val 16667"/>
-            </a:avLst>
-          </a:prstGeom>
-          <a:solidFill>
-            <a:srgbClr val="3465a4"/>
-          </a:solidFill>
-          <a:ln w="9360">
+          <a:xfrm flipH="1">
+            <a:off x="4506120" y="4823640"/>
+            <a:ext cx="968040" cy="2216520"/>
+          </a:xfrm>
+          <a:prstGeom prst="line">
+            <a:avLst/>
+          </a:prstGeom>
+          <a:ln w="10080">
             <a:solidFill>
-              <a:srgbClr val="3465a4"/>
+              <a:srgbClr val="ff1493"/>
             </a:solidFill>
             <a:round/>
           </a:ln>
@@ -3761,259 +4492,24 @@
           <a:effectRef idx="0"/>
           <a:fontRef idx="minor"/>
         </p:style>
-        <p:txBody>
-          <a:bodyPr lIns="90000" rIns="90000" tIns="45000" bIns="45000" anchor="ctr"/>
-          <a:p>
-            <a:pPr algn="ctr">
-              <a:lnSpc>
-                <a:spcPct val="100000"/>
-              </a:lnSpc>
-            </a:pPr>
-            <a:r>
-              <a:rPr b="0" lang="en-US" sz="1000" spc="-1" strike="noStrike">
-                <a:solidFill>
-                  <a:srgbClr val="ffffff"/>
-                </a:solidFill>
-                <a:latin typeface="Cambria"/>
-                <a:ea typeface="ＭＳ Ｐゴシック"/>
-              </a:rPr>
-              <a:t>Towards the automation</a:t>
-            </a:r>
-            <a:endParaRPr b="0" lang="en-US" sz="1000" spc="-1" strike="noStrike">
-              <a:latin typeface="Arial"/>
-            </a:endParaRPr>
-          </a:p>
-        </p:txBody>
-      </p:sp>
-      <p:sp>
-        <p:nvSpPr>
-          <p:cNvPr id="66" name="TextShape 13"/>
-          <p:cNvSpPr txBox="1"/>
-          <p:nvPr/>
-        </p:nvSpPr>
-        <p:spPr>
-          <a:xfrm>
-            <a:off x="2215440" y="7234920"/>
-            <a:ext cx="2356560" cy="446040"/>
-          </a:xfrm>
-          <a:prstGeom prst="rect">
-            <a:avLst/>
-          </a:prstGeom>
-          <a:noFill/>
-          <a:ln>
-            <a:noFill/>
-          </a:ln>
-        </p:spPr>
-        <p:txBody>
-          <a:bodyPr lIns="90000" rIns="90000" tIns="45000" bIns="45000"/>
-          <a:p>
-            <a:pPr algn="ctr">
-              <a:lnSpc>
-                <a:spcPct val="100000"/>
-              </a:lnSpc>
-            </a:pPr>
-            <a:r>
-              <a:rPr b="0" lang="en-US" sz="1000" spc="-1" strike="noStrike">
-                <a:solidFill>
-                  <a:srgbClr val="000000"/>
-                </a:solidFill>
-                <a:latin typeface="Cambria"/>
-                <a:ea typeface="ＭＳ Ｐゴシック"/>
-              </a:rPr>
-              <a:t>Leverage on the Galaxy interactive tours</a:t>
-            </a:r>
-            <a:endParaRPr b="0" lang="en-US" sz="1000" spc="-1" strike="noStrike">
-              <a:latin typeface="Arial"/>
-            </a:endParaRPr>
-          </a:p>
-          <a:p>
-            <a:pPr algn="ctr">
-              <a:lnSpc>
-                <a:spcPct val="100000"/>
-              </a:lnSpc>
-            </a:pPr>
-            <a:r>
-              <a:rPr b="0" lang="en-US" sz="1000" spc="-1" strike="noStrike">
-                <a:solidFill>
-                  <a:srgbClr val="000000"/>
-                </a:solidFill>
-                <a:latin typeface="Cambria"/>
-                <a:ea typeface="ＭＳ Ｐゴシック"/>
-              </a:rPr>
-              <a:t>to provide users </a:t>
-            </a:r>
-            <a:r>
-              <a:rPr b="0" i="1" lang="en-US" sz="1000" spc="-1" strike="noStrike">
-                <a:solidFill>
-                  <a:srgbClr val="000000"/>
-                </a:solidFill>
-                <a:latin typeface="Cambria"/>
-                <a:ea typeface="ＭＳ Ｐゴシック"/>
-              </a:rPr>
-              <a:t>interchangeable tools</a:t>
-            </a:r>
-            <a:endParaRPr b="0" lang="en-US" sz="1000" spc="-1" strike="noStrike">
-              <a:latin typeface="Arial"/>
-            </a:endParaRPr>
-          </a:p>
-        </p:txBody>
-      </p:sp>
-      <p:sp>
-        <p:nvSpPr>
-          <p:cNvPr id="67" name="TextShape 14"/>
-          <p:cNvSpPr txBox="1"/>
-          <p:nvPr/>
-        </p:nvSpPr>
-        <p:spPr>
-          <a:xfrm>
-            <a:off x="1933200" y="7869600"/>
-            <a:ext cx="2895840" cy="398880"/>
-          </a:xfrm>
-          <a:prstGeom prst="rect">
-            <a:avLst/>
-          </a:prstGeom>
-          <a:noFill/>
-          <a:ln>
-            <a:noFill/>
-          </a:ln>
-        </p:spPr>
-        <p:txBody>
-          <a:bodyPr lIns="90000" rIns="90000" tIns="45000" bIns="45000"/>
-          <a:p>
-            <a:pPr algn="ctr">
-              <a:lnSpc>
-                <a:spcPct val="100000"/>
-              </a:lnSpc>
-            </a:pPr>
-            <a:r>
-              <a:rPr b="0" lang="en-US" sz="1000" spc="-1" strike="noStrike">
-                <a:solidFill>
-                  <a:srgbClr val="000000"/>
-                </a:solidFill>
-                <a:latin typeface="Cambria"/>
-                <a:ea typeface="ＭＳ Ｐゴシック"/>
-              </a:rPr>
-              <a:t>Gather EDAM ontology terms describing each tool in terms of </a:t>
-            </a:r>
-            <a:r>
-              <a:rPr b="0" i="1" lang="en-US" sz="1000" spc="-1" strike="noStrike">
-                <a:solidFill>
-                  <a:srgbClr val="000000"/>
-                </a:solidFill>
-                <a:latin typeface="Cambria"/>
-                <a:ea typeface="ＭＳ Ｐゴシック"/>
-              </a:rPr>
-              <a:t>operations</a:t>
-            </a:r>
-            <a:r>
-              <a:rPr b="0" lang="en-US" sz="1000" spc="-1" strike="noStrike">
-                <a:solidFill>
-                  <a:srgbClr val="000000"/>
-                </a:solidFill>
-                <a:latin typeface="Cambria"/>
-                <a:ea typeface="ＭＳ Ｐゴシック"/>
-              </a:rPr>
-              <a:t>, input, and output </a:t>
-            </a:r>
-            <a:r>
-              <a:rPr b="0" i="1" lang="en-US" sz="1000" spc="-1" strike="noStrike">
-                <a:solidFill>
-                  <a:srgbClr val="000000"/>
-                </a:solidFill>
-                <a:latin typeface="Cambria"/>
-                <a:ea typeface="ＭＳ Ｐゴシック"/>
-              </a:rPr>
-              <a:t>formats</a:t>
-            </a:r>
-            <a:endParaRPr b="0" lang="en-US" sz="1000" spc="-1" strike="noStrike">
-              <a:latin typeface="Arial"/>
-            </a:endParaRPr>
-          </a:p>
-        </p:txBody>
-      </p:sp>
-      <p:sp>
-        <p:nvSpPr>
-          <p:cNvPr id="68" name="TextShape 15"/>
-          <p:cNvSpPr txBox="1"/>
-          <p:nvPr/>
-        </p:nvSpPr>
-        <p:spPr>
-          <a:xfrm>
-            <a:off x="1969200" y="8481600"/>
-            <a:ext cx="2838240" cy="398880"/>
-          </a:xfrm>
-          <a:prstGeom prst="rect">
-            <a:avLst/>
-          </a:prstGeom>
-          <a:noFill/>
-          <a:ln>
-            <a:noFill/>
-          </a:ln>
-        </p:spPr>
-        <p:txBody>
-          <a:bodyPr lIns="90000" rIns="90000" tIns="45000" bIns="45000"/>
-          <a:p>
-            <a:pPr algn="ctr">
-              <a:lnSpc>
-                <a:spcPct val="100000"/>
-              </a:lnSpc>
-            </a:pPr>
-            <a:r>
-              <a:rPr b="0" lang="en-US" sz="1000" spc="-1" strike="noStrike">
-                <a:solidFill>
-                  <a:srgbClr val="000000"/>
-                </a:solidFill>
-                <a:latin typeface="Cambria"/>
-                <a:ea typeface="ＭＳ Ｐゴシック"/>
-              </a:rPr>
-              <a:t>Mine Galaxy instances for </a:t>
-            </a:r>
-            <a:r>
-              <a:rPr b="0" i="1" lang="en-US" sz="1000" spc="-1" strike="noStrike">
-                <a:solidFill>
-                  <a:srgbClr val="000000"/>
-                </a:solidFill>
-                <a:latin typeface="Cambria"/>
-                <a:ea typeface="ＭＳ Ｐゴシック"/>
-              </a:rPr>
-              <a:t>user-tracked data</a:t>
-            </a:r>
-            <a:r>
-              <a:rPr b="0" lang="en-US" sz="1000" spc="-1" strike="noStrike">
-                <a:solidFill>
-                  <a:srgbClr val="000000"/>
-                </a:solidFill>
-                <a:latin typeface="Cambria"/>
-                <a:ea typeface="ＭＳ Ｐゴシック"/>
-              </a:rPr>
-              <a:t>: tool sequences, parametrization, formats</a:t>
-            </a:r>
-            <a:endParaRPr b="0" lang="en-US" sz="1000" spc="-1" strike="noStrike">
-              <a:latin typeface="Arial"/>
-            </a:endParaRPr>
-          </a:p>
-        </p:txBody>
-      </p:sp>
-      <p:sp>
-        <p:nvSpPr>
-          <p:cNvPr id="69" name="CustomShape 16"/>
+      </p:sp>
+      <p:sp>
+        <p:nvSpPr>
+          <p:cNvPr id="86" name="Line 34"/>
           <p:cNvSpPr/>
           <p:nvPr/>
         </p:nvSpPr>
         <p:spPr>
           <a:xfrm>
-            <a:off x="2202480" y="7201800"/>
-            <a:ext cx="2396160" cy="479160"/>
-          </a:xfrm>
-          <a:prstGeom prst="roundRect">
-            <a:avLst>
-              <a:gd name="adj" fmla="val 5154"/>
-            </a:avLst>
-          </a:prstGeom>
-          <a:noFill/>
+            <a:off x="5479920" y="4807800"/>
+            <a:ext cx="78840" cy="1009080"/>
+          </a:xfrm>
+          <a:prstGeom prst="line">
+            <a:avLst/>
+          </a:prstGeom>
           <a:ln w="10080">
             <a:solidFill>
-              <a:srgbClr val="3465a4"/>
+              <a:srgbClr val="ff1493"/>
             </a:solidFill>
             <a:round/>
           </a:ln>
@@ -4027,84 +4523,41 @@
       </p:sp>
       <p:sp>
         <p:nvSpPr>
-          <p:cNvPr id="70" name="CustomShape 17"/>
-          <p:cNvSpPr/>
-          <p:nvPr/>
-        </p:nvSpPr>
-        <p:spPr>
-          <a:xfrm>
-            <a:off x="1950840" y="7813800"/>
-            <a:ext cx="2903400" cy="479160"/>
-          </a:xfrm>
-          <a:prstGeom prst="roundRect">
-            <a:avLst>
-              <a:gd name="adj" fmla="val 5154"/>
-            </a:avLst>
+          <p:cNvPr id="87" name="TextShape 35"/>
+          <p:cNvSpPr txBox="1"/>
+          <p:nvPr/>
+        </p:nvSpPr>
+        <p:spPr>
+          <a:xfrm>
+            <a:off x="3873600" y="4389120"/>
+            <a:ext cx="848520" cy="207720"/>
+          </a:xfrm>
+          <a:prstGeom prst="rect">
+            <a:avLst/>
           </a:prstGeom>
           <a:noFill/>
-          <a:ln w="10080">
-            <a:solidFill>
-              <a:srgbClr val="3465a4"/>
-            </a:solidFill>
-            <a:round/>
-          </a:ln>
-        </p:spPr>
-        <p:style>
-          <a:lnRef idx="0"/>
-          <a:fillRef idx="0"/>
-          <a:effectRef idx="0"/>
-          <a:fontRef idx="minor"/>
-        </p:style>
+          <a:ln>
+            <a:noFill/>
+          </a:ln>
+        </p:spPr>
+        <p:txBody>
+          <a:bodyPr lIns="90000" rIns="90000" tIns="45000" bIns="45000"/>
+          <a:p>
+            <a:r>
+              <a:rPr b="1" lang="en-US" sz="800" spc="-1" strike="noStrike">
+                <a:latin typeface="Cambria"/>
+              </a:rPr>
+              <a:t>destairdenbi</a:t>
+            </a:r>
+            <a:endParaRPr b="1" lang="en-US" sz="800" spc="-1" strike="noStrike">
+              <a:latin typeface="Cambria"/>
+            </a:endParaRPr>
+          </a:p>
+        </p:txBody>
       </p:sp>
       <p:pic>
         <p:nvPicPr>
-          <p:cNvPr id="71" name="" descr=""/>
-          <p:cNvPicPr/>
-          <p:nvPr/>
-        </p:nvPicPr>
-        <p:blipFill>
-          <a:blip r:embed="rId10"/>
-          <a:stretch/>
-        </p:blipFill>
-        <p:spPr>
-          <a:xfrm>
-            <a:off x="414000" y="7553520"/>
-            <a:ext cx="448200" cy="453600"/>
-          </a:xfrm>
-          <a:prstGeom prst="rect">
-            <a:avLst/>
-          </a:prstGeom>
-          <a:ln>
-            <a:noFill/>
-          </a:ln>
-        </p:spPr>
-      </p:pic>
-      <p:pic>
-        <p:nvPicPr>
-          <p:cNvPr id="72" name="" descr=""/>
-          <p:cNvPicPr/>
-          <p:nvPr/>
-        </p:nvPicPr>
-        <p:blipFill>
-          <a:blip r:embed="rId11"/>
-          <a:stretch/>
-        </p:blipFill>
-        <p:spPr>
-          <a:xfrm>
-            <a:off x="1031040" y="8146800"/>
-            <a:ext cx="487440" cy="487440"/>
-          </a:xfrm>
-          <a:prstGeom prst="rect">
-            <a:avLst/>
-          </a:prstGeom>
-          <a:ln>
-            <a:noFill/>
-          </a:ln>
-        </p:spPr>
-      </p:pic>
-      <p:pic>
-        <p:nvPicPr>
-          <p:cNvPr id="73" name="" descr=""/>
+          <p:cNvPr id="88" name="" descr=""/>
           <p:cNvPicPr/>
           <p:nvPr/>
         </p:nvPicPr>
@@ -4114,8 +4567,8 @@
         </p:blipFill>
         <p:spPr>
           <a:xfrm>
-            <a:off x="365760" y="8229600"/>
-            <a:ext cx="612720" cy="461520"/>
+            <a:off x="3644640" y="4349520"/>
+            <a:ext cx="275040" cy="275040"/>
           </a:xfrm>
           <a:prstGeom prst="rect">
             <a:avLst/>
@@ -4127,119 +4580,130 @@
       </p:pic>
       <p:sp>
         <p:nvSpPr>
-          <p:cNvPr id="74" name="CustomShape 18"/>
-          <p:cNvSpPr/>
-          <p:nvPr/>
-        </p:nvSpPr>
-        <p:spPr>
-          <a:xfrm>
-            <a:off x="1986840" y="8425800"/>
-            <a:ext cx="2820600" cy="479160"/>
-          </a:xfrm>
-          <a:prstGeom prst="roundRect">
-            <a:avLst>
-              <a:gd name="adj" fmla="val 5154"/>
-            </a:avLst>
+          <p:cNvPr id="89" name="TextShape 36"/>
+          <p:cNvSpPr txBox="1"/>
+          <p:nvPr/>
+        </p:nvSpPr>
+        <p:spPr>
+          <a:xfrm>
+            <a:off x="5832720" y="2563200"/>
+            <a:ext cx="822960" cy="182880"/>
+          </a:xfrm>
+          <a:prstGeom prst="rect">
+            <a:avLst/>
           </a:prstGeom>
           <a:noFill/>
-          <a:ln w="10080">
-            <a:solidFill>
-              <a:srgbClr val="3465a4"/>
-            </a:solidFill>
-            <a:round/>
-          </a:ln>
-        </p:spPr>
-        <p:style>
-          <a:lnRef idx="0"/>
-          <a:fillRef idx="0"/>
-          <a:effectRef idx="0"/>
-          <a:fontRef idx="minor"/>
-        </p:style>
-      </p:sp>
-      <p:sp>
-        <p:nvSpPr>
-          <p:cNvPr id="75" name="Line 19"/>
-          <p:cNvSpPr/>
-          <p:nvPr/>
-        </p:nvSpPr>
-        <p:spPr>
-          <a:xfrm>
-            <a:off x="3383280" y="7680960"/>
-            <a:ext cx="0" cy="0"/>
-          </a:xfrm>
-          <a:prstGeom prst="line">
-            <a:avLst/>
-          </a:prstGeom>
-          <a:ln w="6480">
-            <a:solidFill>
-              <a:srgbClr val="729fcf"/>
-            </a:solidFill>
-            <a:round/>
-            <a:tailEnd len="med" type="triangle" w="med"/>
-          </a:ln>
-        </p:spPr>
-        <p:style>
-          <a:lnRef idx="0"/>
-          <a:fillRef idx="0"/>
-          <a:effectRef idx="0"/>
-          <a:fontRef idx="minor"/>
-        </p:style>
-      </p:sp>
-      <p:cxnSp>
-        <p:nvCxnSpPr>
-          <p:cNvPr id="76" name="Line 20"/>
-          <p:cNvCxnSpPr>
-            <a:stCxn id="69" idx="0"/>
-            <a:endCxn id="70" idx="0"/>
-          </p:cNvCxnSpPr>
-          <p:nvPr/>
-        </p:nvCxnSpPr>
-        <p:spPr>
-          <a:xfrm flipH="1">
-            <a:off x="1950840" y="7441200"/>
-            <a:ext cx="252000" cy="612360"/>
-          </a:xfrm>
-          <a:prstGeom prst="curvedConnector3">
-            <a:avLst/>
-          </a:prstGeom>
-          <a:ln w="10080">
-            <a:solidFill>
-              <a:srgbClr val="3465a4"/>
-            </a:solidFill>
-            <a:round/>
-            <a:tailEnd len="med" type="triangle" w="med"/>
-          </a:ln>
-        </p:spPr>
-      </p:cxnSp>
-      <p:cxnSp>
-        <p:nvCxnSpPr>
-          <p:cNvPr id="77" name="Line 21"/>
-          <p:cNvCxnSpPr>
-            <a:stCxn id="70" idx="43"/>
-            <a:endCxn id="74" idx="43"/>
-          </p:cNvCxnSpPr>
-          <p:nvPr/>
-        </p:nvCxnSpPr>
-        <p:spPr>
-          <a:xfrm flipH="1">
-            <a:off x="4807440" y="8053200"/>
-            <a:ext cx="47160" cy="612360"/>
-          </a:xfrm>
-          <a:prstGeom prst="curvedConnector3">
-            <a:avLst/>
-          </a:prstGeom>
-          <a:ln w="10080">
-            <a:solidFill>
-              <a:srgbClr val="3465a4"/>
-            </a:solidFill>
-            <a:round/>
-            <a:tailEnd len="med" type="triangle" w="med"/>
-          </a:ln>
-        </p:spPr>
-      </p:cxnSp>
+          <a:ln>
+            <a:noFill/>
+          </a:ln>
+        </p:spPr>
+        <p:txBody>
+          <a:bodyPr lIns="90000" rIns="90000" tIns="45000" bIns="45000"/>
+          <a:p>
+            <a:pPr algn="ctr"/>
+            <a:r>
+              <a:rPr b="0" lang="en-US" sz="600" spc="-1" strike="noStrike">
+                <a:solidFill>
+                  <a:srgbClr val="00bfff"/>
+                </a:solidFill>
+                <a:latin typeface="Cambria"/>
+              </a:rPr>
+              <a:t>galaxyproject.org</a:t>
+            </a:r>
+            <a:endParaRPr b="0" lang="en-US" sz="600" spc="-1" strike="noStrike">
+              <a:solidFill>
+                <a:srgbClr val="00bfff"/>
+              </a:solidFill>
+              <a:latin typeface="Cambria"/>
+            </a:endParaRPr>
+          </a:p>
+        </p:txBody>
+      </p:sp>
+      <p:sp>
+        <p:nvSpPr>
+          <p:cNvPr id="90" name="TextShape 37"/>
+          <p:cNvSpPr txBox="1"/>
+          <p:nvPr/>
+        </p:nvSpPr>
+        <p:spPr>
+          <a:xfrm>
+            <a:off x="5832720" y="3355200"/>
+            <a:ext cx="822960" cy="182880"/>
+          </a:xfrm>
+          <a:prstGeom prst="rect">
+            <a:avLst/>
+          </a:prstGeom>
+          <a:noFill/>
+          <a:ln>
+            <a:noFill/>
+          </a:ln>
+        </p:spPr>
+        <p:txBody>
+          <a:bodyPr lIns="90000" rIns="90000" tIns="45000" bIns="45000"/>
+          <a:p>
+            <a:pPr algn="ctr"/>
+            <a:r>
+              <a:rPr b="0" lang="en-US" sz="600" spc="-1" strike="noStrike">
+                <a:solidFill>
+                  <a:srgbClr val="00bfff"/>
+                </a:solidFill>
+                <a:latin typeface="Cambria"/>
+              </a:rPr>
+              <a:t>edamontology.org</a:t>
+            </a:r>
+            <a:endParaRPr b="0" lang="en-US" sz="600" spc="-1" strike="noStrike">
+              <a:solidFill>
+                <a:srgbClr val="00bfff"/>
+              </a:solidFill>
+              <a:latin typeface="Cambria"/>
+            </a:endParaRPr>
+          </a:p>
+        </p:txBody>
+      </p:sp>
+      <p:sp>
+        <p:nvSpPr>
+          <p:cNvPr id="91" name="TextShape 38"/>
+          <p:cNvSpPr txBox="1"/>
+          <p:nvPr/>
+        </p:nvSpPr>
+        <p:spPr>
+          <a:xfrm>
+            <a:off x="5832720" y="4147200"/>
+            <a:ext cx="822960" cy="182880"/>
+          </a:xfrm>
+          <a:prstGeom prst="rect">
+            <a:avLst/>
+          </a:prstGeom>
+          <a:noFill/>
+          <a:ln>
+            <a:noFill/>
+          </a:ln>
+        </p:spPr>
+        <p:txBody>
+          <a:bodyPr lIns="90000" rIns="90000" tIns="45000" bIns="45000"/>
+          <a:p>
+            <a:pPr algn="ctr"/>
+            <a:r>
+              <a:rPr b="0" lang="en-US" sz="600" spc="-1" strike="noStrike">
+                <a:solidFill>
+                  <a:srgbClr val="00bfff"/>
+                </a:solidFill>
+                <a:latin typeface="Cambria"/>
+              </a:rPr>
+              <a:t>denbi.de/rbc</a:t>
+            </a:r>
+            <a:endParaRPr b="0" lang="en-US" sz="600" spc="-1" strike="noStrike">
+              <a:solidFill>
+                <a:srgbClr val="00bfff"/>
+              </a:solidFill>
+              <a:latin typeface="Cambria"/>
+            </a:endParaRPr>
+          </a:p>
+        </p:txBody>
+      </p:sp>
       <p:pic>
         <p:nvPicPr>
-          <p:cNvPr id="78" name="" descr=""/>
+          <p:cNvPr id="92" name="" descr=""/>
           <p:cNvPicPr/>
           <p:nvPr/>
         </p:nvPicPr>
@@ -4249,8 +4713,8 @@
         </p:blipFill>
         <p:spPr>
           <a:xfrm>
-            <a:off x="6084720" y="7492320"/>
-            <a:ext cx="548640" cy="548640"/>
+            <a:off x="5419440" y="9363600"/>
+            <a:ext cx="582480" cy="403920"/>
           </a:xfrm>
           <a:prstGeom prst="rect">
             <a:avLst/>
@@ -4262,7 +4726,7 @@
       </p:pic>
       <p:pic>
         <p:nvPicPr>
-          <p:cNvPr id="79" name="" descr=""/>
+          <p:cNvPr id="93" name="" descr=""/>
           <p:cNvPicPr/>
           <p:nvPr/>
         </p:nvPicPr>
@@ -4272,8 +4736,8 @@
         </p:blipFill>
         <p:spPr>
           <a:xfrm>
-            <a:off x="5189400" y="7541640"/>
-            <a:ext cx="848520" cy="488520"/>
+            <a:off x="6070680" y="9358200"/>
+            <a:ext cx="625320" cy="416880"/>
           </a:xfrm>
           <a:prstGeom prst="rect">
             <a:avLst/>
@@ -4285,7 +4749,7 @@
       </p:pic>
       <p:pic>
         <p:nvPicPr>
-          <p:cNvPr id="80" name="" descr=""/>
+          <p:cNvPr id="94" name="" descr=""/>
           <p:cNvPicPr/>
           <p:nvPr/>
         </p:nvPicPr>
@@ -4295,8 +4759,8 @@
         </p:blipFill>
         <p:spPr>
           <a:xfrm>
-            <a:off x="5195520" y="8088480"/>
-            <a:ext cx="490680" cy="437760"/>
+            <a:off x="5869080" y="7040880"/>
+            <a:ext cx="695160" cy="182880"/>
           </a:xfrm>
           <a:prstGeom prst="rect">
             <a:avLst/>
@@ -4306,52 +4770,133 @@
           </a:ln>
         </p:spPr>
       </p:pic>
-      <p:pic>
-        <p:nvPicPr>
-          <p:cNvPr id="81" name="quay.svg" descr=""/>
-          <p:cNvPicPr/>
-          <p:nvPr/>
-        </p:nvPicPr>
-        <p:blipFill>
-          <a:blip r:embed="rId16"/>
-          <a:stretch/>
-        </p:blipFill>
-        <p:spPr>
-          <a:xfrm>
-            <a:off x="5780160" y="8202600"/>
-            <a:ext cx="769320" cy="215640"/>
-          </a:xfrm>
-          <a:prstGeom prst="rect">
-            <a:avLst/>
-          </a:prstGeom>
+      <p:sp>
+        <p:nvSpPr>
+          <p:cNvPr id="95" name="TextShape 39"/>
+          <p:cNvSpPr txBox="1"/>
+          <p:nvPr/>
+        </p:nvSpPr>
+        <p:spPr>
+          <a:xfrm>
+            <a:off x="5832720" y="7207200"/>
+            <a:ext cx="822960" cy="182880"/>
+          </a:xfrm>
+          <a:prstGeom prst="rect">
+            <a:avLst/>
+          </a:prstGeom>
+          <a:noFill/>
           <a:ln>
             <a:noFill/>
           </a:ln>
         </p:spPr>
-      </p:pic>
-      <p:pic>
-        <p:nvPicPr>
-          <p:cNvPr id="82" name="" descr=""/>
-          <p:cNvPicPr/>
-          <p:nvPr/>
-        </p:nvPicPr>
-        <p:blipFill>
-          <a:blip r:embed="rId17"/>
-          <a:stretch/>
-        </p:blipFill>
-        <p:spPr>
-          <a:xfrm>
-            <a:off x="1017720" y="7550280"/>
-            <a:ext cx="500760" cy="496440"/>
-          </a:xfrm>
-          <a:prstGeom prst="rect">
-            <a:avLst/>
-          </a:prstGeom>
+        <p:txBody>
+          <a:bodyPr lIns="90000" rIns="90000" tIns="45000" bIns="45000"/>
+          <a:p>
+            <a:pPr algn="ctr"/>
+            <a:r>
+              <a:rPr b="0" lang="en-US" sz="600" spc="-1" strike="noStrike">
+                <a:solidFill>
+                  <a:srgbClr val="00bfff"/>
+                </a:solidFill>
+                <a:latin typeface="Cambria"/>
+              </a:rPr>
+              <a:t>denbi.de</a:t>
+            </a:r>
+            <a:endParaRPr b="0" lang="en-US" sz="600" spc="-1" strike="noStrike">
+              <a:solidFill>
+                <a:srgbClr val="00bfff"/>
+              </a:solidFill>
+              <a:latin typeface="Cambria"/>
+            </a:endParaRPr>
+          </a:p>
+        </p:txBody>
+      </p:sp>
+      <p:sp>
+        <p:nvSpPr>
+          <p:cNvPr id="96" name="TextShape 40"/>
+          <p:cNvSpPr txBox="1"/>
+          <p:nvPr/>
+        </p:nvSpPr>
+        <p:spPr>
+          <a:xfrm>
+            <a:off x="3600720" y="4615200"/>
+            <a:ext cx="1082160" cy="267480"/>
+          </a:xfrm>
+          <a:prstGeom prst="rect">
+            <a:avLst/>
+          </a:prstGeom>
+          <a:noFill/>
           <a:ln>
             <a:noFill/>
           </a:ln>
         </p:spPr>
-      </p:pic>
+        <p:txBody>
+          <a:bodyPr lIns="90000" rIns="90000" tIns="45000" bIns="45000"/>
+          <a:p>
+            <a:pPr algn="ctr"/>
+            <a:r>
+              <a:rPr b="0" lang="en-US" sz="600" spc="-1" strike="noStrike">
+                <a:solidFill>
+                  <a:srgbClr val="00bfff"/>
+                </a:solidFill>
+                <a:latin typeface="Cambria"/>
+              </a:rPr>
+              <a:t>desta</a:t>
+            </a:r>
+            <a:r>
+              <a:rPr b="0" lang="en-US" sz="600" spc="-1" strike="noStrike">
+                <a:solidFill>
+                  <a:srgbClr val="00bfff"/>
+                </a:solidFill>
+                <a:latin typeface="Cambria"/>
+              </a:rPr>
+              <a:t>ir.bioi</a:t>
+            </a:r>
+            <a:r>
+              <a:rPr b="0" lang="en-US" sz="600" spc="-1" strike="noStrike">
+                <a:solidFill>
+                  <a:srgbClr val="00bfff"/>
+                </a:solidFill>
+                <a:latin typeface="Cambria"/>
+              </a:rPr>
+              <a:t>nf.uni</a:t>
+            </a:r>
+            <a:r>
+              <a:rPr b="0" lang="en-US" sz="600" spc="-1" strike="noStrike">
+                <a:solidFill>
+                  <a:srgbClr val="00bfff"/>
+                </a:solidFill>
+                <a:latin typeface="Cambria"/>
+              </a:rPr>
+              <a:t>-</a:t>
+            </a:r>
+            <a:r>
+              <a:rPr b="0" lang="en-US" sz="600" spc="-1" strike="noStrike">
+                <a:solidFill>
+                  <a:srgbClr val="00bfff"/>
+                </a:solidFill>
+                <a:latin typeface="Cambria"/>
+              </a:rPr>
+              <a:t>leipzi</a:t>
+            </a:r>
+            <a:r>
+              <a:rPr b="0" lang="en-US" sz="600" spc="-1" strike="noStrike">
+                <a:solidFill>
+                  <a:srgbClr val="00bfff"/>
+                </a:solidFill>
+                <a:latin typeface="Cambria"/>
+              </a:rPr>
+              <a:t>g.de</a:t>
+            </a:r>
+            <a:endParaRPr b="0" lang="en-US" sz="600" spc="-1" strike="noStrike">
+              <a:solidFill>
+                <a:srgbClr val="00bfff"/>
+              </a:solidFill>
+              <a:latin typeface="Cambria"/>
+            </a:endParaRPr>
+          </a:p>
+        </p:txBody>
+      </p:sp>
     </p:spTree>
   </p:cSld>
   <p:timing>

--- a/2017-10-23__bielefeld__de.nbi_symposium/poster.pptx
+++ b/2017-10-23__bielefeld__de.nbi_symposium/poster.pptx
@@ -58,13 +58,7 @@
               <a:rPr b="0" lang="en-US" sz="2000" spc="-1" strike="noStrike">
                 <a:latin typeface="Arial"/>
               </a:rPr>
-              <a:t>Click to edit the </a:t>
-            </a:r>
-            <a:r>
-              <a:rPr b="0" lang="en-US" sz="2000" spc="-1" strike="noStrike">
-                <a:latin typeface="Arial"/>
-              </a:rPr>
-              <a:t>notes format</a:t>
+              <a:t>Click to edit the notes format</a:t>
             </a:r>
             <a:endParaRPr b="0" lang="en-US" sz="2000" spc="-1" strike="noStrike">
               <a:latin typeface="Arial"/>
@@ -198,7 +192,7 @@
           <a:bodyPr lIns="0" rIns="0" tIns="0" bIns="0" anchor="b"/>
           <a:p>
             <a:pPr algn="r"/>
-            <a:fld id="{151ACC65-4845-43AC-90A9-B1066BB9624E}" type="slidenum">
+            <a:fld id="{6CA38455-BE46-4038-B848-3CA845E5EE6C}" type="slidenum">
               <a:rPr b="0" lang="en-US" sz="1400" spc="-1" strike="noStrike">
                 <a:latin typeface="Times New Roman"/>
               </a:rPr>
@@ -246,7 +240,7 @@
         <p:spPr>
           <a:xfrm>
             <a:off x="679320" y="4704840"/>
-            <a:ext cx="5435640" cy="4456800"/>
+            <a:ext cx="5435280" cy="4456440"/>
           </a:xfrm>
           <a:prstGeom prst="rect">
             <a:avLst/>
@@ -272,7 +266,7 @@
         <p:spPr>
           <a:xfrm>
             <a:off x="3848400" y="9409680"/>
-            <a:ext cx="2943720" cy="493920"/>
+            <a:ext cx="2943360" cy="493560"/>
           </a:xfrm>
           <a:prstGeom prst="rect">
             <a:avLst/>
@@ -288,29 +282,6 @@
           <a:effectRef idx="0"/>
           <a:fontRef idx="minor"/>
         </p:style>
-        <p:txBody>
-          <a:bodyPr lIns="95400" rIns="95400" tIns="47880" bIns="47880" anchor="b"/>
-          <a:p>
-            <a:pPr algn="r">
-              <a:lnSpc>
-                <a:spcPct val="100000"/>
-              </a:lnSpc>
-            </a:pPr>
-            <a:fld id="{1AB49C03-820C-430D-920D-5622BFA73D95}" type="slidenum">
-              <a:rPr b="0" lang="en-US" sz="1300" spc="-1" strike="noStrike">
-                <a:solidFill>
-                  <a:srgbClr val="000000"/>
-                </a:solidFill>
-                <a:latin typeface="Arial"/>
-                <a:ea typeface="ＭＳ Ｐゴシック"/>
-              </a:rPr>
-              <a:t>&lt;number&gt;</a:t>
-            </a:fld>
-            <a:endParaRPr b="0" lang="en-US" sz="1300" spc="-1" strike="noStrike">
-              <a:latin typeface="Arial"/>
-            </a:endParaRPr>
-          </a:p>
-        </p:txBody>
       </p:sp>
     </p:spTree>
   </p:cSld>
@@ -369,7 +340,7 @@
         <p:spPr>
           <a:xfrm>
             <a:off x="342720" y="394920"/>
-            <a:ext cx="6171480" cy="1653480"/>
+            <a:ext cx="6171120" cy="1653120"/>
           </a:xfrm>
           <a:prstGeom prst="rect">
             <a:avLst/>
@@ -398,7 +369,7 @@
         <p:spPr>
           <a:xfrm>
             <a:off x="342720" y="2317680"/>
-            <a:ext cx="6171840" cy="2739960"/>
+            <a:ext cx="6171480" cy="2739960"/>
           </a:xfrm>
           <a:prstGeom prst="rect">
             <a:avLst/>
@@ -428,7 +399,7 @@
         <p:spPr>
           <a:xfrm>
             <a:off x="342720" y="5318280"/>
-            <a:ext cx="6171840" cy="2739960"/>
+            <a:ext cx="6171480" cy="2739960"/>
           </a:xfrm>
           <a:prstGeom prst="rect">
             <a:avLst/>
@@ -480,7 +451,7 @@
         <p:spPr>
           <a:xfrm>
             <a:off x="342720" y="394920"/>
-            <a:ext cx="6171480" cy="1653480"/>
+            <a:ext cx="6171120" cy="1653120"/>
           </a:xfrm>
           <a:prstGeom prst="rect">
             <a:avLst/>
@@ -509,7 +480,7 @@
         <p:spPr>
           <a:xfrm>
             <a:off x="342720" y="2317680"/>
-            <a:ext cx="3011760" cy="2739960"/>
+            <a:ext cx="3011400" cy="2739960"/>
           </a:xfrm>
           <a:prstGeom prst="rect">
             <a:avLst/>
@@ -538,8 +509,8 @@
         </p:nvSpPr>
         <p:spPr>
           <a:xfrm>
-            <a:off x="3505320" y="2317680"/>
-            <a:ext cx="3011760" cy="2739960"/>
+            <a:off x="3504960" y="2317680"/>
+            <a:ext cx="3011400" cy="2739960"/>
           </a:xfrm>
           <a:prstGeom prst="rect">
             <a:avLst/>
@@ -568,8 +539,8 @@
         </p:nvSpPr>
         <p:spPr>
           <a:xfrm>
-            <a:off x="3505320" y="5318280"/>
-            <a:ext cx="3011760" cy="2739960"/>
+            <a:off x="3504960" y="5318280"/>
+            <a:ext cx="3011400" cy="2739960"/>
           </a:xfrm>
           <a:prstGeom prst="rect">
             <a:avLst/>
@@ -599,7 +570,7 @@
         <p:spPr>
           <a:xfrm>
             <a:off x="342720" y="5318280"/>
-            <a:ext cx="3011760" cy="2739960"/>
+            <a:ext cx="3011400" cy="2739960"/>
           </a:xfrm>
           <a:prstGeom prst="rect">
             <a:avLst/>
@@ -651,7 +622,7 @@
         <p:spPr>
           <a:xfrm>
             <a:off x="342720" y="394920"/>
-            <a:ext cx="6171480" cy="1653480"/>
+            <a:ext cx="6171120" cy="1653120"/>
           </a:xfrm>
           <a:prstGeom prst="rect">
             <a:avLst/>
@@ -680,7 +651,7 @@
         <p:spPr>
           <a:xfrm>
             <a:off x="342720" y="2317680"/>
-            <a:ext cx="1987200" cy="2739960"/>
+            <a:ext cx="1986840" cy="2739960"/>
           </a:xfrm>
           <a:prstGeom prst="rect">
             <a:avLst/>
@@ -709,8 +680,8 @@
         </p:nvSpPr>
         <p:spPr>
           <a:xfrm>
-            <a:off x="2429640" y="2317680"/>
-            <a:ext cx="1987200" cy="2739960"/>
+            <a:off x="2429280" y="2317680"/>
+            <a:ext cx="1986840" cy="2739960"/>
           </a:xfrm>
           <a:prstGeom prst="rect">
             <a:avLst/>
@@ -739,8 +710,8 @@
         </p:nvSpPr>
         <p:spPr>
           <a:xfrm>
-            <a:off x="4516560" y="2317680"/>
-            <a:ext cx="1987200" cy="2739960"/>
+            <a:off x="4515840" y="2317680"/>
+            <a:ext cx="1986840" cy="2739960"/>
           </a:xfrm>
           <a:prstGeom prst="rect">
             <a:avLst/>
@@ -769,8 +740,8 @@
         </p:nvSpPr>
         <p:spPr>
           <a:xfrm>
-            <a:off x="4516560" y="5318280"/>
-            <a:ext cx="1987200" cy="2739960"/>
+            <a:off x="4515840" y="5318280"/>
+            <a:ext cx="1986840" cy="2739960"/>
           </a:xfrm>
           <a:prstGeom prst="rect">
             <a:avLst/>
@@ -799,8 +770,8 @@
         </p:nvSpPr>
         <p:spPr>
           <a:xfrm>
-            <a:off x="2429640" y="5318280"/>
-            <a:ext cx="1987200" cy="2739960"/>
+            <a:off x="2429280" y="5318280"/>
+            <a:ext cx="1986840" cy="2739960"/>
           </a:xfrm>
           <a:prstGeom prst="rect">
             <a:avLst/>
@@ -830,7 +801,7 @@
         <p:spPr>
           <a:xfrm>
             <a:off x="342720" y="5318280"/>
-            <a:ext cx="1987200" cy="2739960"/>
+            <a:ext cx="1986840" cy="2739960"/>
           </a:xfrm>
           <a:prstGeom prst="rect">
             <a:avLst/>
@@ -882,7 +853,7 @@
         <p:spPr>
           <a:xfrm>
             <a:off x="342720" y="394920"/>
-            <a:ext cx="6171480" cy="1653480"/>
+            <a:ext cx="6171120" cy="1653120"/>
           </a:xfrm>
           <a:prstGeom prst="rect">
             <a:avLst/>
@@ -911,7 +882,7 @@
         <p:spPr>
           <a:xfrm>
             <a:off x="342720" y="2317680"/>
-            <a:ext cx="6171840" cy="5744880"/>
+            <a:ext cx="6171480" cy="5744520"/>
           </a:xfrm>
           <a:prstGeom prst="rect">
             <a:avLst/>
@@ -962,7 +933,7 @@
         <p:spPr>
           <a:xfrm>
             <a:off x="342720" y="394920"/>
-            <a:ext cx="6171480" cy="1653480"/>
+            <a:ext cx="6171120" cy="1653120"/>
           </a:xfrm>
           <a:prstGeom prst="rect">
             <a:avLst/>
@@ -991,7 +962,7 @@
         <p:spPr>
           <a:xfrm>
             <a:off x="342720" y="2317680"/>
-            <a:ext cx="6171840" cy="5744880"/>
+            <a:ext cx="6171480" cy="5744520"/>
           </a:xfrm>
           <a:prstGeom prst="rect">
             <a:avLst/>
@@ -1043,7 +1014,7 @@
         <p:spPr>
           <a:xfrm>
             <a:off x="342720" y="394920"/>
-            <a:ext cx="6171480" cy="1653480"/>
+            <a:ext cx="6171120" cy="1653120"/>
           </a:xfrm>
           <a:prstGeom prst="rect">
             <a:avLst/>
@@ -1072,7 +1043,7 @@
         <p:spPr>
           <a:xfrm>
             <a:off x="342720" y="2317680"/>
-            <a:ext cx="3011760" cy="5744880"/>
+            <a:ext cx="3011400" cy="5744520"/>
           </a:xfrm>
           <a:prstGeom prst="rect">
             <a:avLst/>
@@ -1101,8 +1072,8 @@
         </p:nvSpPr>
         <p:spPr>
           <a:xfrm>
-            <a:off x="3505320" y="2317680"/>
-            <a:ext cx="3011760" cy="5744880"/>
+            <a:off x="3504960" y="2317680"/>
+            <a:ext cx="3011400" cy="5744520"/>
           </a:xfrm>
           <a:prstGeom prst="rect">
             <a:avLst/>
@@ -1154,7 +1125,7 @@
         <p:spPr>
           <a:xfrm>
             <a:off x="342720" y="394920"/>
-            <a:ext cx="6171480" cy="1653480"/>
+            <a:ext cx="6171120" cy="1653120"/>
           </a:xfrm>
           <a:prstGeom prst="rect">
             <a:avLst/>
@@ -1205,7 +1176,7 @@
         <p:spPr>
           <a:xfrm>
             <a:off x="342720" y="394920"/>
-            <a:ext cx="6171480" cy="7665840"/>
+            <a:ext cx="6171120" cy="7664040"/>
           </a:xfrm>
           <a:prstGeom prst="rect">
             <a:avLst/>
@@ -1256,7 +1227,7 @@
         <p:spPr>
           <a:xfrm>
             <a:off x="342720" y="394920"/>
-            <a:ext cx="6171480" cy="1653480"/>
+            <a:ext cx="6171120" cy="1653120"/>
           </a:xfrm>
           <a:prstGeom prst="rect">
             <a:avLst/>
@@ -1285,7 +1256,7 @@
         <p:spPr>
           <a:xfrm>
             <a:off x="342720" y="2317680"/>
-            <a:ext cx="3011760" cy="2739960"/>
+            <a:ext cx="3011400" cy="2739960"/>
           </a:xfrm>
           <a:prstGeom prst="rect">
             <a:avLst/>
@@ -1315,7 +1286,7 @@
         <p:spPr>
           <a:xfrm>
             <a:off x="342720" y="5318280"/>
-            <a:ext cx="3011760" cy="2739960"/>
+            <a:ext cx="3011400" cy="2739960"/>
           </a:xfrm>
           <a:prstGeom prst="rect">
             <a:avLst/>
@@ -1344,8 +1315,8 @@
         </p:nvSpPr>
         <p:spPr>
           <a:xfrm>
-            <a:off x="3505320" y="2317680"/>
-            <a:ext cx="3011760" cy="5744880"/>
+            <a:off x="3504960" y="2317680"/>
+            <a:ext cx="3011400" cy="5744520"/>
           </a:xfrm>
           <a:prstGeom prst="rect">
             <a:avLst/>
@@ -1397,7 +1368,7 @@
         <p:spPr>
           <a:xfrm>
             <a:off x="342720" y="394920"/>
-            <a:ext cx="6171480" cy="1653480"/>
+            <a:ext cx="6171120" cy="1653120"/>
           </a:xfrm>
           <a:prstGeom prst="rect">
             <a:avLst/>
@@ -1426,7 +1397,7 @@
         <p:spPr>
           <a:xfrm>
             <a:off x="342720" y="2317680"/>
-            <a:ext cx="3011760" cy="5744880"/>
+            <a:ext cx="3011400" cy="5744520"/>
           </a:xfrm>
           <a:prstGeom prst="rect">
             <a:avLst/>
@@ -1455,8 +1426,8 @@
         </p:nvSpPr>
         <p:spPr>
           <a:xfrm>
-            <a:off x="3505320" y="2317680"/>
-            <a:ext cx="3011760" cy="2739960"/>
+            <a:off x="3504960" y="2317680"/>
+            <a:ext cx="3011400" cy="2739960"/>
           </a:xfrm>
           <a:prstGeom prst="rect">
             <a:avLst/>
@@ -1485,8 +1456,8 @@
         </p:nvSpPr>
         <p:spPr>
           <a:xfrm>
-            <a:off x="3505320" y="5318280"/>
-            <a:ext cx="3011760" cy="2739960"/>
+            <a:off x="3504960" y="5318280"/>
+            <a:ext cx="3011400" cy="2739960"/>
           </a:xfrm>
           <a:prstGeom prst="rect">
             <a:avLst/>
@@ -1538,7 +1509,7 @@
         <p:spPr>
           <a:xfrm>
             <a:off x="342720" y="394920"/>
-            <a:ext cx="6171480" cy="1653480"/>
+            <a:ext cx="6171120" cy="1653120"/>
           </a:xfrm>
           <a:prstGeom prst="rect">
             <a:avLst/>
@@ -1567,7 +1538,7 @@
         <p:spPr>
           <a:xfrm>
             <a:off x="342720" y="2317680"/>
-            <a:ext cx="3011760" cy="2739960"/>
+            <a:ext cx="3011400" cy="2739960"/>
           </a:xfrm>
           <a:prstGeom prst="rect">
             <a:avLst/>
@@ -1596,8 +1567,8 @@
         </p:nvSpPr>
         <p:spPr>
           <a:xfrm>
-            <a:off x="3505320" y="2317680"/>
-            <a:ext cx="3011760" cy="2739960"/>
+            <a:off x="3504960" y="2317680"/>
+            <a:ext cx="3011400" cy="2739960"/>
           </a:xfrm>
           <a:prstGeom prst="rect">
             <a:avLst/>
@@ -1627,7 +1598,7 @@
         <p:spPr>
           <a:xfrm>
             <a:off x="342720" y="5318280"/>
-            <a:ext cx="6171840" cy="2739960"/>
+            <a:ext cx="6171480" cy="2739960"/>
           </a:xfrm>
           <a:prstGeom prst="rect">
             <a:avLst/>
@@ -1686,7 +1657,7 @@
         <p:spPr>
           <a:xfrm>
             <a:off x="342720" y="394920"/>
-            <a:ext cx="6171480" cy="1653480"/>
+            <a:ext cx="6171120" cy="1653120"/>
           </a:xfrm>
           <a:prstGeom prst="rect">
             <a:avLst/>
@@ -1699,13 +1670,7 @@
               <a:rPr b="0" lang="en-US" sz="1800" spc="-1" strike="noStrike">
                 <a:latin typeface="Arial"/>
               </a:rPr>
-              <a:t>Click to edit the title text </a:t>
-            </a:r>
-            <a:r>
-              <a:rPr b="0" lang="en-US" sz="1800" spc="-1" strike="noStrike">
-                <a:latin typeface="Arial"/>
-              </a:rPr>
-              <a:t>format</a:t>
+              <a:t>Click to edit the title text format</a:t>
             </a:r>
             <a:endParaRPr b="0" lang="en-US" sz="1800" spc="-1" strike="noStrike">
               <a:latin typeface="Arial"/>
@@ -1726,7 +1691,7 @@
         <p:spPr>
           <a:xfrm>
             <a:off x="342720" y="2317680"/>
-            <a:ext cx="6171840" cy="5744880"/>
+            <a:ext cx="6171480" cy="5744520"/>
           </a:xfrm>
           <a:prstGeom prst="rect">
             <a:avLst/>
@@ -1749,12 +1714,12 @@
               <a:buChar char=""/>
             </a:pPr>
             <a:r>
-              <a:rPr b="0" lang="en-US" sz="3200" spc="-1" strike="noStrike">
+              <a:rPr b="0" lang="en-US" sz="1800" spc="-1" strike="noStrike">
                 <a:latin typeface="Arial"/>
               </a:rPr>
               <a:t>Click to edit the outline text format</a:t>
             </a:r>
-            <a:endParaRPr b="0" lang="en-US" sz="3200" spc="-1" strike="noStrike">
+            <a:endParaRPr b="0" lang="en-US" sz="1800" spc="-1" strike="noStrike">
               <a:latin typeface="Arial"/>
             </a:endParaRPr>
           </a:p>
@@ -1771,12 +1736,12 @@
               <a:buChar char=""/>
             </a:pPr>
             <a:r>
-              <a:rPr b="0" lang="en-US" sz="2800" spc="-1" strike="noStrike">
+              <a:rPr b="0" lang="en-US" sz="1800" spc="-1" strike="noStrike">
                 <a:latin typeface="Arial"/>
               </a:rPr>
               <a:t>Second Outline Level</a:t>
             </a:r>
-            <a:endParaRPr b="0" lang="en-US" sz="2800" spc="-1" strike="noStrike">
+            <a:endParaRPr b="0" lang="en-US" sz="1800" spc="-1" strike="noStrike">
               <a:latin typeface="Arial"/>
             </a:endParaRPr>
           </a:p>
@@ -1793,12 +1758,12 @@
               <a:buChar char=""/>
             </a:pPr>
             <a:r>
-              <a:rPr b="0" lang="en-US" sz="2400" spc="-1" strike="noStrike">
+              <a:rPr b="0" lang="en-US" sz="1800" spc="-1" strike="noStrike">
                 <a:latin typeface="Arial"/>
               </a:rPr>
               <a:t>Third Outline Level</a:t>
             </a:r>
-            <a:endParaRPr b="0" lang="en-US" sz="2400" spc="-1" strike="noStrike">
+            <a:endParaRPr b="0" lang="en-US" sz="1800" spc="-1" strike="noStrike">
               <a:latin typeface="Arial"/>
             </a:endParaRPr>
           </a:p>
@@ -1815,12 +1780,12 @@
               <a:buChar char=""/>
             </a:pPr>
             <a:r>
-              <a:rPr b="0" lang="en-US" sz="2000" spc="-1" strike="noStrike">
+              <a:rPr b="0" lang="en-US" sz="1800" spc="-1" strike="noStrike">
                 <a:latin typeface="Arial"/>
               </a:rPr>
               <a:t>Fourth Outline Level</a:t>
             </a:r>
-            <a:endParaRPr b="0" lang="en-US" sz="2000" spc="-1" strike="noStrike">
+            <a:endParaRPr b="0" lang="en-US" sz="1800" spc="-1" strike="noStrike">
               <a:latin typeface="Arial"/>
             </a:endParaRPr>
           </a:p>
@@ -1837,12 +1802,12 @@
               <a:buChar char=""/>
             </a:pPr>
             <a:r>
-              <a:rPr b="0" lang="en-US" sz="2000" spc="-1" strike="noStrike">
+              <a:rPr b="0" lang="en-US" sz="1800" spc="-1" strike="noStrike">
                 <a:latin typeface="Arial"/>
               </a:rPr>
               <a:t>Fifth Outline Level</a:t>
             </a:r>
-            <a:endParaRPr b="0" lang="en-US" sz="2000" spc="-1" strike="noStrike">
+            <a:endParaRPr b="0" lang="en-US" sz="1800" spc="-1" strike="noStrike">
               <a:latin typeface="Arial"/>
             </a:endParaRPr>
           </a:p>
@@ -1859,12 +1824,12 @@
               <a:buChar char=""/>
             </a:pPr>
             <a:r>
-              <a:rPr b="0" lang="en-US" sz="2000" spc="-1" strike="noStrike">
+              <a:rPr b="0" lang="en-US" sz="1800" spc="-1" strike="noStrike">
                 <a:latin typeface="Arial"/>
               </a:rPr>
               <a:t>Sixth Outline Level</a:t>
             </a:r>
-            <a:endParaRPr b="0" lang="en-US" sz="2000" spc="-1" strike="noStrike">
+            <a:endParaRPr b="0" lang="en-US" sz="1800" spc="-1" strike="noStrike">
               <a:latin typeface="Arial"/>
             </a:endParaRPr>
           </a:p>
@@ -1881,12 +1846,12 @@
               <a:buChar char=""/>
             </a:pPr>
             <a:r>
-              <a:rPr b="0" lang="en-US" sz="2000" spc="-1" strike="noStrike">
+              <a:rPr b="0" lang="en-US" sz="1800" spc="-1" strike="noStrike">
                 <a:latin typeface="Arial"/>
               </a:rPr>
               <a:t>Seventh Outline Level</a:t>
             </a:r>
-            <a:endParaRPr b="0" lang="en-US" sz="2000" spc="-1" strike="noStrike">
+            <a:endParaRPr b="0" lang="en-US" sz="1800" spc="-1" strike="noStrike">
               <a:latin typeface="Arial"/>
             </a:endParaRPr>
           </a:p>
@@ -1938,7 +1903,7 @@
         <p:spPr>
           <a:xfrm>
             <a:off x="114480" y="9206640"/>
-            <a:ext cx="6600240" cy="943200"/>
+            <a:ext cx="6599880" cy="942840"/>
           </a:xfrm>
           <a:prstGeom prst="rect">
             <a:avLst/>
@@ -1968,7 +1933,7 @@
         <p:spPr>
           <a:xfrm>
             <a:off x="0" y="753840"/>
-            <a:ext cx="6857280" cy="1257840"/>
+            <a:ext cx="6856920" cy="1257480"/>
           </a:xfrm>
           <a:prstGeom prst="rect">
             <a:avLst/>
@@ -2003,9 +1968,6 @@
               <a:t>Towards automating and publishing workflow</a:t>
             </a:r>
             <a:endParaRPr b="0" lang="en-US" sz="2000" spc="-1" strike="noStrike">
-              <a:solidFill>
-                <a:srgbClr val="0070c0"/>
-              </a:solidFill>
               <a:latin typeface="Arial"/>
             </a:endParaRPr>
           </a:p>
@@ -2026,9 +1988,6 @@
               <a:t>analyses in Galaxy</a:t>
             </a:r>
             <a:endParaRPr b="0" lang="en-US" sz="2000" spc="-1" strike="noStrike">
-              <a:solidFill>
-                <a:srgbClr val="0070c0"/>
-              </a:solidFill>
               <a:latin typeface="Arial"/>
             </a:endParaRPr>
           </a:p>
@@ -2039,9 +1998,6 @@
               </a:lnSpc>
             </a:pPr>
             <a:endParaRPr b="0" lang="en-US" sz="2000" spc="-1" strike="noStrike">
-              <a:solidFill>
-                <a:srgbClr val="0070c0"/>
-              </a:solidFill>
               <a:latin typeface="Arial"/>
             </a:endParaRPr>
           </a:p>
@@ -2062,9 +2018,6 @@
               <a:t>Andrea Bagnacani, Markus Wolfien, Martin Scharm, Olaf Wolkenhauer</a:t>
             </a:r>
             <a:endParaRPr b="0" lang="en-US" sz="1200" spc="-1" strike="noStrike">
-              <a:solidFill>
-                <a:srgbClr val="0070c0"/>
-              </a:solidFill>
               <a:latin typeface="Arial"/>
             </a:endParaRPr>
           </a:p>
@@ -2079,7 +2032,7 @@
         <p:spPr>
           <a:xfrm>
             <a:off x="3291480" y="9201240"/>
-            <a:ext cx="1845360" cy="729360"/>
+            <a:ext cx="1845000" cy="729000"/>
           </a:xfrm>
           <a:prstGeom prst="rect">
             <a:avLst/>
@@ -2114,10 +2067,7 @@
               <a:t>Andrea Bagnacani</a:t>
             </a:r>
             <a:endParaRPr b="0" lang="en-US" sz="800" spc="-1" strike="noStrike">
-              <a:solidFill>
-                <a:srgbClr val="ffffff"/>
-              </a:solidFill>
-              <a:latin typeface="Cambria"/>
+              <a:latin typeface="Arial"/>
             </a:endParaRPr>
           </a:p>
           <a:p>
@@ -2129,7 +2079,7 @@
             <a:r>
               <a:rPr b="0" lang="en-US" sz="800" spc="-1" strike="noStrike" u="sng">
                 <a:solidFill>
-                  <a:srgbClr val="ffffff"/>
+                  <a:srgbClr val="0000ff"/>
                 </a:solidFill>
                 <a:uFillTx/>
                 <a:latin typeface="Cambria"/>
@@ -2139,10 +2089,7 @@
               <a:t>andrea.bagnacani@uni-rostock.de</a:t>
             </a:r>
             <a:endParaRPr b="0" lang="en-US" sz="800" spc="-1" strike="noStrike">
-              <a:solidFill>
-                <a:srgbClr val="ffffff"/>
-              </a:solidFill>
-              <a:latin typeface="Cambria"/>
+              <a:latin typeface="Arial"/>
             </a:endParaRPr>
           </a:p>
           <a:p>
@@ -2162,10 +2109,7 @@
               <a:t>Systems Biology and Bioinformatics</a:t>
             </a:r>
             <a:endParaRPr b="0" lang="en-US" sz="800" spc="-1" strike="noStrike">
-              <a:solidFill>
-                <a:srgbClr val="ffffff"/>
-              </a:solidFill>
-              <a:latin typeface="Cambria"/>
+              <a:latin typeface="Arial"/>
             </a:endParaRPr>
           </a:p>
           <a:p>
@@ -2185,10 +2129,7 @@
               <a:t>University of Rostock</a:t>
             </a:r>
             <a:endParaRPr b="0" lang="en-US" sz="800" spc="-1" strike="noStrike">
-              <a:solidFill>
-                <a:srgbClr val="ffffff"/>
-              </a:solidFill>
-              <a:latin typeface="Cambria"/>
+              <a:latin typeface="Arial"/>
             </a:endParaRPr>
           </a:p>
           <a:p>
@@ -2208,10 +2149,7 @@
               <a:t>www.sbi.uni-rostock.de</a:t>
             </a:r>
             <a:endParaRPr b="0" lang="en-US" sz="800" spc="-1" strike="noStrike">
-              <a:solidFill>
-                <a:srgbClr val="ffffff"/>
-              </a:solidFill>
-              <a:latin typeface="Cambria"/>
+              <a:latin typeface="Arial"/>
             </a:endParaRPr>
           </a:p>
         </p:txBody>
@@ -2225,7 +2163,7 @@
         <p:spPr>
           <a:xfrm>
             <a:off x="174600" y="1881360"/>
-            <a:ext cx="3117240" cy="240480"/>
+            <a:ext cx="3116880" cy="240120"/>
           </a:xfrm>
           <a:prstGeom prst="roundRect">
             <a:avLst>
@@ -2285,7 +2223,7 @@
         <p:spPr>
           <a:xfrm>
             <a:off x="5136480" y="56880"/>
-            <a:ext cx="1466280" cy="491400"/>
+            <a:ext cx="1465920" cy="491040"/>
           </a:xfrm>
           <a:prstGeom prst="rect">
             <a:avLst/>
@@ -2304,7 +2242,7 @@
         <p:spPr>
           <a:xfrm>
             <a:off x="114480" y="640080"/>
-            <a:ext cx="6600240" cy="9966960"/>
+            <a:ext cx="6599880" cy="9966600"/>
           </a:xfrm>
           <a:prstGeom prst="roundRect">
             <a:avLst>
@@ -2339,7 +2277,7 @@
         <p:spPr>
           <a:xfrm>
             <a:off x="991800" y="91440"/>
-            <a:ext cx="1226880" cy="411840"/>
+            <a:ext cx="1226520" cy="411480"/>
           </a:xfrm>
           <a:prstGeom prst="rect">
             <a:avLst/>
@@ -2362,7 +2300,7 @@
         <p:spPr>
           <a:xfrm>
             <a:off x="2416320" y="64080"/>
-            <a:ext cx="2534040" cy="520200"/>
+            <a:ext cx="2533680" cy="519840"/>
           </a:xfrm>
           <a:prstGeom prst="rect">
             <a:avLst/>
@@ -2385,7 +2323,7 @@
         <p:spPr>
           <a:xfrm>
             <a:off x="218880" y="36000"/>
-            <a:ext cx="581760" cy="822600"/>
+            <a:ext cx="581400" cy="822240"/>
           </a:xfrm>
           <a:prstGeom prst="rect">
             <a:avLst/>
@@ -2408,7 +2346,7 @@
         <p:spPr>
           <a:xfrm>
             <a:off x="146880" y="9252000"/>
-            <a:ext cx="3053520" cy="631800"/>
+            <a:ext cx="3053160" cy="631440"/>
           </a:xfrm>
           <a:prstGeom prst="rect">
             <a:avLst/>
@@ -2431,7 +2369,7 @@
         <p:spPr>
           <a:xfrm>
             <a:off x="150480" y="5172840"/>
-            <a:ext cx="3141360" cy="1938960"/>
+            <a:ext cx="3141000" cy="1938600"/>
           </a:xfrm>
           <a:prstGeom prst="rect">
             <a:avLst/>
@@ -2450,7 +2388,7 @@
         <p:spPr>
           <a:xfrm>
             <a:off x="3474720" y="7528320"/>
-            <a:ext cx="3184200" cy="240480"/>
+            <a:ext cx="3183840" cy="240120"/>
           </a:xfrm>
           <a:prstGeom prst="roundRect">
             <a:avLst>
@@ -2506,7 +2444,7 @@
         <p:spPr>
           <a:xfrm>
             <a:off x="91440" y="2139120"/>
-            <a:ext cx="3291840" cy="1733040"/>
+            <a:ext cx="3291480" cy="1732680"/>
           </a:xfrm>
           <a:prstGeom prst="rect">
             <a:avLst/>
@@ -2555,7 +2493,7 @@
         <p:spPr>
           <a:xfrm>
             <a:off x="3438720" y="7756200"/>
-            <a:ext cx="3291840" cy="1279080"/>
+            <a:ext cx="3291480" cy="1278720"/>
           </a:xfrm>
           <a:prstGeom prst="rect">
             <a:avLst/>
@@ -2934,7 +2872,7 @@
         <p:spPr>
           <a:xfrm>
             <a:off x="3619440" y="2194920"/>
-            <a:ext cx="2121840" cy="329400"/>
+            <a:ext cx="2121480" cy="329040"/>
           </a:xfrm>
           <a:prstGeom prst="rect">
             <a:avLst/>
@@ -2969,7 +2907,7 @@
               <a:t>Leverage on the Galaxy interactive tours</a:t>
             </a:r>
             <a:endParaRPr b="0" lang="en-US" sz="800" spc="-1" strike="noStrike">
-              <a:latin typeface="Cambria"/>
+              <a:latin typeface="Arial"/>
             </a:endParaRPr>
           </a:p>
           <a:p>
@@ -2989,7 +2927,7 @@
               <a:t>to provide users interchangeable tools</a:t>
             </a:r>
             <a:endParaRPr b="0" lang="en-US" sz="800" spc="-1" strike="noStrike">
-              <a:latin typeface="Cambria"/>
+              <a:latin typeface="Arial"/>
             </a:endParaRPr>
           </a:p>
         </p:txBody>
@@ -3003,7 +2941,7 @@
         <p:spPr>
           <a:xfrm>
             <a:off x="3481200" y="2901600"/>
-            <a:ext cx="2351520" cy="501120"/>
+            <a:ext cx="2351160" cy="500760"/>
           </a:xfrm>
           <a:prstGeom prst="rect">
             <a:avLst/>
@@ -3038,7 +2976,7 @@
               <a:t>Gather EDAM ontology terms describing</a:t>
             </a:r>
             <a:endParaRPr b="0" lang="en-US" sz="800" spc="-1" strike="noStrike">
-              <a:latin typeface="Cambria"/>
+              <a:latin typeface="Arial"/>
             </a:endParaRPr>
           </a:p>
           <a:p>
@@ -3058,7 +2996,7 @@
               <a:t>each tool in terms of operations, input,</a:t>
             </a:r>
             <a:endParaRPr b="0" lang="en-US" sz="800" spc="-1" strike="noStrike">
-              <a:latin typeface="Cambria"/>
+              <a:latin typeface="Arial"/>
             </a:endParaRPr>
           </a:p>
           <a:p>
@@ -3078,7 +3016,7 @@
               <a:t>and output formats</a:t>
             </a:r>
             <a:endParaRPr b="0" lang="en-US" sz="800" spc="-1" strike="noStrike">
-              <a:latin typeface="Cambria"/>
+              <a:latin typeface="Arial"/>
             </a:endParaRPr>
           </a:p>
         </p:txBody>
@@ -3092,7 +3030,7 @@
         <p:spPr>
           <a:xfrm>
             <a:off x="3517200" y="3765600"/>
-            <a:ext cx="2315520" cy="398520"/>
+            <a:ext cx="2315160" cy="398160"/>
           </a:xfrm>
           <a:prstGeom prst="rect">
             <a:avLst/>
@@ -3127,7 +3065,7 @@
               <a:t>Mine Galaxy instances for user-tracked</a:t>
             </a:r>
             <a:endParaRPr b="0" lang="en-US" sz="800" spc="-1" strike="noStrike">
-              <a:latin typeface="Cambria"/>
+              <a:latin typeface="Arial"/>
             </a:endParaRPr>
           </a:p>
           <a:p>
@@ -3147,7 +3085,7 @@
               <a:t>data: tool chaining, parametrization, formats</a:t>
             </a:r>
             <a:endParaRPr b="0" lang="en-US" sz="800" spc="-1" strike="noStrike">
-              <a:latin typeface="Cambria"/>
+              <a:latin typeface="Arial"/>
             </a:endParaRPr>
           </a:p>
         </p:txBody>
@@ -3161,7 +3099,7 @@
         <p:spPr>
           <a:xfrm>
             <a:off x="3606480" y="2197800"/>
-            <a:ext cx="2134800" cy="362520"/>
+            <a:ext cx="2134440" cy="362160"/>
           </a:xfrm>
           <a:prstGeom prst="roundRect">
             <a:avLst>
@@ -3192,7 +3130,7 @@
         <p:spPr>
           <a:xfrm>
             <a:off x="3606840" y="2881800"/>
-            <a:ext cx="2134440" cy="520920"/>
+            <a:ext cx="2134080" cy="520560"/>
           </a:xfrm>
           <a:prstGeom prst="roundRect">
             <a:avLst>
@@ -3227,7 +3165,7 @@
         <p:spPr>
           <a:xfrm>
             <a:off x="6054480" y="2198520"/>
-            <a:ext cx="401760" cy="406440"/>
+            <a:ext cx="401400" cy="406080"/>
           </a:xfrm>
           <a:prstGeom prst="rect">
             <a:avLst/>
@@ -3246,7 +3184,7 @@
         <p:spPr>
           <a:xfrm>
             <a:off x="3606840" y="3745800"/>
-            <a:ext cx="2134440" cy="418320"/>
+            <a:ext cx="2134080" cy="417960"/>
           </a:xfrm>
           <a:prstGeom prst="roundRect">
             <a:avLst>
@@ -3281,7 +3219,7 @@
         <p:spPr>
           <a:xfrm>
             <a:off x="6057720" y="2978280"/>
-            <a:ext cx="389160" cy="385560"/>
+            <a:ext cx="388800" cy="385200"/>
           </a:xfrm>
           <a:prstGeom prst="rect">
             <a:avLst/>
@@ -3300,7 +3238,7 @@
         <p:spPr>
           <a:xfrm>
             <a:off x="174960" y="4113720"/>
-            <a:ext cx="3116880" cy="240480"/>
+            <a:ext cx="3116520" cy="240120"/>
           </a:xfrm>
           <a:prstGeom prst="roundRect">
             <a:avLst>
@@ -3356,7 +3294,7 @@
         <p:spPr>
           <a:xfrm>
             <a:off x="91440" y="6432120"/>
-            <a:ext cx="3382920" cy="1733040"/>
+            <a:ext cx="3382560" cy="1732680"/>
           </a:xfrm>
           <a:prstGeom prst="rect">
             <a:avLst/>
@@ -3382,7 +3320,7 @@
         <p:spPr>
           <a:xfrm>
             <a:off x="3403440" y="5928120"/>
-            <a:ext cx="3291840" cy="1409400"/>
+            <a:ext cx="3291480" cy="1409040"/>
           </a:xfrm>
           <a:prstGeom prst="rect">
             <a:avLst/>
@@ -3406,7 +3344,7 @@
                 <a:spcPct val="100000"/>
               </a:lnSpc>
             </a:pPr>
-            <a:endParaRPr b="0" lang="en-US" sz="800" spc="-1" strike="noStrike">
+            <a:endParaRPr b="0" lang="en-US" sz="1800" spc="-1" strike="noStrike">
               <a:latin typeface="Arial"/>
             </a:endParaRPr>
           </a:p>
@@ -3431,7 +3369,7 @@
         <p:spPr>
           <a:xfrm>
             <a:off x="91440" y="7140600"/>
-            <a:ext cx="3291840" cy="1515240"/>
+            <a:ext cx="3291480" cy="1514880"/>
           </a:xfrm>
           <a:prstGeom prst="rect">
             <a:avLst/>
@@ -3473,14 +3411,7 @@
                 <a:latin typeface="Cambria"/>
                 <a:ea typeface="ＭＳ Ｐゴシック"/>
               </a:rPr>
-              <a:t> The recommendation system traces a path from the beginning of a Life Science data analysis to its end. Here, researchers can decide which path to walk towards the completion of the desired analysis by providing an </a:t>
-            </a:r>
-            <a:r>
-              <a:rPr b="0" lang="en-US" sz="800" spc="-1" strike="noStrike">
-                <a:latin typeface="Cambria"/>
-                <a:ea typeface="ＭＳ Ｐゴシック"/>
-              </a:rPr>
-              <a:t>input dataset and an analysis goal.</a:t>
+              <a:t> The recommendation system traces a path from the beginning of a Life Science data analysis to its end. Here, researchers can decide which path to walk towards the completion of the desired analysis by providing an input dataset and an analysis goal.</a:t>
             </a:r>
             <a:endParaRPr b="0" lang="en-US" sz="800" spc="-1" strike="noStrike">
               <a:latin typeface="Arial"/>
@@ -3527,7 +3458,7 @@
             </a:endParaRPr>
           </a:p>
           <a:p>
-            <a:pPr marL="216000" indent="-216000" algn="just">
+            <a:pPr marL="216000" indent="-215640" algn="just">
               <a:lnSpc>
                 <a:spcPct val="100000"/>
               </a:lnSpc>
@@ -3545,6 +3476,9 @@
             </a:pPr>
             <a:r>
               <a:rPr b="0" lang="en-US" sz="800" spc="-1" strike="noStrike">
+                <a:solidFill>
+                  <a:srgbClr val="000000"/>
+                </a:solidFill>
                 <a:latin typeface="Cambria"/>
                 <a:ea typeface="ＭＳ Ｐゴシック"/>
               </a:rPr>
@@ -3552,11 +3486,10 @@
             </a:r>
             <a:endParaRPr b="0" lang="en-US" sz="800" spc="-1" strike="noStrike">
               <a:latin typeface="Arial"/>
-              <a:ea typeface="Noto Sans CJK SC Regular"/>
-            </a:endParaRPr>
-          </a:p>
-          <a:p>
-            <a:pPr marL="216000" indent="-216000" algn="just">
+            </a:endParaRPr>
+          </a:p>
+          <a:p>
+            <a:pPr marL="216000" indent="-215640" algn="just">
               <a:lnSpc>
                 <a:spcPct val="100000"/>
               </a:lnSpc>
@@ -3574,6 +3507,9 @@
             </a:pPr>
             <a:r>
               <a:rPr b="0" lang="en-US" sz="800" spc="-1" strike="noStrike">
+                <a:solidFill>
+                  <a:srgbClr val="000000"/>
+                </a:solidFill>
                 <a:latin typeface="Cambria"/>
                 <a:ea typeface="ＭＳ Ｐゴシック"/>
               </a:rPr>
@@ -3581,7 +3517,6 @@
             </a:r>
             <a:endParaRPr b="0" lang="en-US" sz="800" spc="-1" strike="noStrike">
               <a:latin typeface="Arial"/>
-              <a:ea typeface="Noto Sans CJK SC Regular"/>
             </a:endParaRPr>
           </a:p>
         </p:txBody>
@@ -3595,7 +3530,7 @@
         <p:spPr>
           <a:xfrm>
             <a:off x="91440" y="4368600"/>
-            <a:ext cx="3291840" cy="752040"/>
+            <a:ext cx="3291480" cy="751680"/>
           </a:xfrm>
           <a:prstGeom prst="rect">
             <a:avLst/>
@@ -3614,7 +3549,7 @@
         <p:txBody>
           <a:bodyPr lIns="90000" rIns="90000" tIns="45000" bIns="45000"/>
           <a:p>
-            <a:pPr marL="216000" indent="-216000" algn="just">
+            <a:pPr marL="216000" indent="-215640" algn="just">
               <a:lnSpc>
                 <a:spcPct val="100000"/>
               </a:lnSpc>
@@ -3642,11 +3577,10 @@
             </a:r>
             <a:endParaRPr b="0" lang="en-US" sz="800" spc="-1" strike="noStrike">
               <a:latin typeface="Arial"/>
-              <a:ea typeface="Noto Sans CJK SC Regular"/>
-            </a:endParaRPr>
-          </a:p>
-          <a:p>
-            <a:pPr marL="216000" indent="-216000" algn="just">
+            </a:endParaRPr>
+          </a:p>
+          <a:p>
+            <a:pPr marL="216000" indent="-215640" algn="just">
               <a:lnSpc>
                 <a:spcPct val="100000"/>
               </a:lnSpc>
@@ -3674,11 +3608,10 @@
             </a:r>
             <a:endParaRPr b="0" lang="en-US" sz="800" spc="-1" strike="noStrike">
               <a:latin typeface="Arial"/>
-              <a:ea typeface="Noto Sans CJK SC Regular"/>
-            </a:endParaRPr>
-          </a:p>
-          <a:p>
-            <a:pPr marL="216000" indent="-216000" algn="just">
+            </a:endParaRPr>
+          </a:p>
+          <a:p>
+            <a:pPr marL="216000" indent="-215640" algn="just">
               <a:lnSpc>
                 <a:spcPct val="100000"/>
               </a:lnSpc>
@@ -3706,11 +3639,10 @@
             </a:r>
             <a:endParaRPr b="0" lang="en-US" sz="800" spc="-1" strike="noStrike">
               <a:latin typeface="Arial"/>
-              <a:ea typeface="Noto Sans CJK SC Regular"/>
-            </a:endParaRPr>
-          </a:p>
-          <a:p>
-            <a:pPr marL="216000" indent="-216000" algn="just">
+            </a:endParaRPr>
+          </a:p>
+          <a:p>
+            <a:pPr marL="216000" indent="-215640" algn="just">
               <a:lnSpc>
                 <a:spcPct val="100000"/>
               </a:lnSpc>
@@ -3738,7 +3670,6 @@
             </a:r>
             <a:endParaRPr b="0" lang="en-US" sz="800" spc="-1" strike="noStrike">
               <a:latin typeface="Arial"/>
-              <a:ea typeface="Noto Sans CJK SC Regular"/>
             </a:endParaRPr>
           </a:p>
         </p:txBody>
@@ -3752,7 +3683,7 @@
         <p:spPr>
           <a:xfrm>
             <a:off x="3522600" y="1881720"/>
-            <a:ext cx="3117240" cy="240480"/>
+            <a:ext cx="3116880" cy="240120"/>
           </a:xfrm>
           <a:prstGeom prst="roundRect">
             <a:avLst>
@@ -3791,17 +3722,7 @@
                 <a:latin typeface="Cambria"/>
                 <a:ea typeface="ＭＳ Ｐゴシック"/>
               </a:rPr>
-              <a:t>Towards the automation of workflow </a:t>
-            </a:r>
-            <a:r>
-              <a:rPr b="0" lang="en-US" sz="1000" spc="-1" strike="noStrike">
-                <a:solidFill>
-                  <a:srgbClr val="ffffff"/>
-                </a:solidFill>
-                <a:latin typeface="Cambria"/>
-                <a:ea typeface="ＭＳ Ｐゴシック"/>
-              </a:rPr>
-              <a:t>construction</a:t>
+              <a:t>Towards the automation of workflow construction</a:t>
             </a:r>
             <a:endParaRPr b="0" lang="en-US" sz="1000" spc="-1" strike="noStrike">
               <a:latin typeface="Arial"/>
@@ -3822,7 +3743,7 @@
         <p:spPr>
           <a:xfrm>
             <a:off x="6015240" y="3736440"/>
-            <a:ext cx="487080" cy="688680"/>
+            <a:ext cx="486720" cy="688320"/>
           </a:xfrm>
           <a:prstGeom prst="rect">
             <a:avLst/>
@@ -3832,23 +3753,34 @@
           </a:ln>
         </p:spPr>
       </p:pic>
-      <p:cxnSp>
-        <p:nvCxnSpPr>
-          <p:cNvPr id="72" name="Line 21"/>
-          <p:cNvCxnSpPr>
-            <a:stCxn id="60" idx="79"/>
-            <a:endCxn id="61" idx="21"/>
-          </p:cNvCxnSpPr>
-          <p:nvPr/>
-        </p:nvCxnSpPr>
+      <p:sp>
+        <p:nvSpPr>
+          <p:cNvPr id="72" name="CustomShape 21"/>
+          <p:cNvSpPr/>
+          <p:nvPr/>
+        </p:nvSpPr>
         <p:spPr>
           <a:xfrm>
             <a:off x="4673880" y="2560320"/>
-            <a:ext cx="360" cy="321840"/>
-          </a:xfrm>
-          <a:prstGeom prst="straightConnector1">
-            <a:avLst/>
-          </a:prstGeom>
+            <a:ext cx="360" cy="321480"/>
+          </a:xfrm>
+          <a:custGeom>
+            <a:avLst/>
+            <a:gdLst/>
+            <a:ahLst/>
+            <a:rect l="l" t="t" r="r" b="b"/>
+            <a:pathLst>
+              <a:path w="21600" h="21600">
+                <a:moveTo>
+                  <a:pt x="0" y="0"/>
+                </a:moveTo>
+                <a:lnTo>
+                  <a:pt x="21600" y="21600"/>
+                </a:lnTo>
+              </a:path>
+            </a:pathLst>
+          </a:custGeom>
+          <a:noFill/>
           <a:ln w="10080">
             <a:solidFill>
               <a:srgbClr val="00bfff"/>
@@ -3857,24 +3789,41 @@
             <a:tailEnd len="med" type="triangle" w="med"/>
           </a:ln>
         </p:spPr>
-      </p:cxnSp>
-      <p:cxnSp>
-        <p:nvCxnSpPr>
-          <p:cNvPr id="73" name="Line 22"/>
-          <p:cNvCxnSpPr>
-            <a:stCxn id="61" idx="68"/>
-            <a:endCxn id="63" idx="19"/>
-          </p:cNvCxnSpPr>
-          <p:nvPr/>
-        </p:nvCxnSpPr>
+        <p:style>
+          <a:lnRef idx="0"/>
+          <a:fillRef idx="0"/>
+          <a:effectRef idx="0"/>
+          <a:fontRef idx="minor"/>
+        </p:style>
+      </p:sp>
+      <p:sp>
+        <p:nvSpPr>
+          <p:cNvPr id="73" name="CustomShape 22"/>
+          <p:cNvSpPr/>
+          <p:nvPr/>
+        </p:nvSpPr>
         <p:spPr>
           <a:xfrm>
             <a:off x="4673880" y="3402720"/>
-            <a:ext cx="360" cy="343440"/>
-          </a:xfrm>
-          <a:prstGeom prst="straightConnector1">
-            <a:avLst/>
-          </a:prstGeom>
+            <a:ext cx="360" cy="343080"/>
+          </a:xfrm>
+          <a:custGeom>
+            <a:avLst/>
+            <a:gdLst/>
+            <a:ahLst/>
+            <a:rect l="l" t="t" r="r" b="b"/>
+            <a:pathLst>
+              <a:path w="21600" h="21600">
+                <a:moveTo>
+                  <a:pt x="0" y="0"/>
+                </a:moveTo>
+                <a:lnTo>
+                  <a:pt x="21600" y="21600"/>
+                </a:lnTo>
+              </a:path>
+            </a:pathLst>
+          </a:custGeom>
+          <a:noFill/>
           <a:ln w="6480">
             <a:solidFill>
               <a:srgbClr val="00bfff"/>
@@ -3883,581 +3832,6 @@
             <a:tailEnd len="med" type="triangle" w="med"/>
           </a:ln>
         </p:spPr>
-      </p:cxnSp>
-      <p:pic>
-        <p:nvPicPr>
-          <p:cNvPr id="74" name="" descr=""/>
-          <p:cNvPicPr/>
-          <p:nvPr/>
-        </p:nvPicPr>
-        <p:blipFill>
-          <a:blip r:embed="rId11"/>
-          <a:stretch/>
-        </p:blipFill>
-        <p:spPr>
-          <a:xfrm>
-            <a:off x="4093200" y="4461120"/>
-            <a:ext cx="2068200" cy="2834640"/>
-          </a:xfrm>
-          <a:prstGeom prst="rect">
-            <a:avLst/>
-          </a:prstGeom>
-          <a:ln>
-            <a:noFill/>
-          </a:ln>
-        </p:spPr>
-      </p:pic>
-      <p:sp>
-        <p:nvSpPr>
-          <p:cNvPr id="75" name="TextShape 23"/>
-          <p:cNvSpPr txBox="1"/>
-          <p:nvPr/>
-        </p:nvSpPr>
-        <p:spPr>
-          <a:xfrm>
-            <a:off x="5518080" y="5724000"/>
-            <a:ext cx="914400" cy="207720"/>
-          </a:xfrm>
-          <a:prstGeom prst="rect">
-            <a:avLst/>
-          </a:prstGeom>
-          <a:noFill/>
-          <a:ln>
-            <a:noFill/>
-          </a:ln>
-        </p:spPr>
-        <p:txBody>
-          <a:bodyPr lIns="90000" rIns="90000" tIns="45000" bIns="45000"/>
-          <a:p>
-            <a:r>
-              <a:rPr b="1" lang="en-US" sz="800" spc="-1" strike="noStrike">
-                <a:solidFill>
-                  <a:srgbClr val="2f5597"/>
-                </a:solidFill>
-                <a:latin typeface="Cambria"/>
-              </a:rPr>
-              <a:t>Training </a:t>
-            </a:r>
-            <a:r>
-              <a:rPr b="1" lang="en-US" sz="800" spc="-1" strike="noStrike">
-                <a:solidFill>
-                  <a:srgbClr val="2f5597"/>
-                </a:solidFill>
-                <a:latin typeface="Cambria"/>
-              </a:rPr>
-              <a:t>events</a:t>
-            </a:r>
-            <a:endParaRPr b="1" lang="en-US" sz="800" spc="-1" strike="noStrike">
-              <a:solidFill>
-                <a:srgbClr val="2f5597"/>
-              </a:solidFill>
-              <a:latin typeface="Cambria"/>
-            </a:endParaRPr>
-          </a:p>
-        </p:txBody>
-      </p:sp>
-      <p:sp>
-        <p:nvSpPr>
-          <p:cNvPr id="76" name="TextShape 24"/>
-          <p:cNvSpPr txBox="1"/>
-          <p:nvPr/>
-        </p:nvSpPr>
-        <p:spPr>
-          <a:xfrm>
-            <a:off x="3605040" y="5652720"/>
-            <a:ext cx="1427040" cy="559800"/>
-          </a:xfrm>
-          <a:prstGeom prst="rect">
-            <a:avLst/>
-          </a:prstGeom>
-          <a:noFill/>
-          <a:ln>
-            <a:noFill/>
-          </a:ln>
-        </p:spPr>
-        <p:txBody>
-          <a:bodyPr lIns="90000" rIns="90000" tIns="45000" bIns="45000"/>
-          <a:p>
-            <a:r>
-              <a:rPr b="1" lang="en-US" sz="800" spc="-1" strike="noStrike">
-                <a:solidFill>
-                  <a:srgbClr val="ff1493"/>
-                </a:solidFill>
-                <a:latin typeface="Cambria"/>
-              </a:rPr>
-              <a:t>Galaxy </a:t>
-            </a:r>
-            <a:r>
-              <a:rPr b="1" lang="en-US" sz="800" spc="-1" strike="noStrike">
-                <a:solidFill>
-                  <a:srgbClr val="ff1493"/>
-                </a:solidFill>
-                <a:latin typeface="Cambria"/>
-              </a:rPr>
-              <a:t>Interacti</a:t>
-            </a:r>
-            <a:r>
-              <a:rPr b="1" lang="en-US" sz="800" spc="-1" strike="noStrike">
-                <a:solidFill>
-                  <a:srgbClr val="ff1493"/>
-                </a:solidFill>
-                <a:latin typeface="Cambria"/>
-              </a:rPr>
-              <a:t>ve</a:t>
-            </a:r>
-            <a:endParaRPr b="1" lang="en-US" sz="800" spc="-1" strike="noStrike">
-              <a:solidFill>
-                <a:srgbClr val="ff1493"/>
-              </a:solidFill>
-              <a:latin typeface="Cambria"/>
-            </a:endParaRPr>
-          </a:p>
-          <a:p>
-            <a:r>
-              <a:rPr b="1" lang="en-US" sz="800" spc="-1" strike="noStrike">
-                <a:solidFill>
-                  <a:srgbClr val="ff1493"/>
-                </a:solidFill>
-                <a:latin typeface="Cambria"/>
-              </a:rPr>
-              <a:t>Recomm</a:t>
-            </a:r>
-            <a:r>
-              <a:rPr b="1" lang="en-US" sz="800" spc="-1" strike="noStrike">
-                <a:solidFill>
-                  <a:srgbClr val="ff1493"/>
-                </a:solidFill>
-                <a:latin typeface="Cambria"/>
-              </a:rPr>
-              <a:t>endation </a:t>
-            </a:r>
-            <a:r>
-              <a:rPr b="1" lang="en-US" sz="800" spc="-1" strike="noStrike">
-                <a:solidFill>
-                  <a:srgbClr val="ff1493"/>
-                </a:solidFill>
-                <a:latin typeface="Cambria"/>
-              </a:rPr>
-              <a:t>system</a:t>
-            </a:r>
-            <a:endParaRPr b="1" lang="en-US" sz="800" spc="-1" strike="noStrike">
-              <a:solidFill>
-                <a:srgbClr val="ff1493"/>
-              </a:solidFill>
-              <a:latin typeface="Cambria"/>
-            </a:endParaRPr>
-          </a:p>
-        </p:txBody>
-      </p:sp>
-      <p:sp>
-        <p:nvSpPr>
-          <p:cNvPr id="77" name="TextShape 25"/>
-          <p:cNvSpPr txBox="1"/>
-          <p:nvPr/>
-        </p:nvSpPr>
-        <p:spPr>
-          <a:xfrm>
-            <a:off x="4829040" y="4572720"/>
-            <a:ext cx="914400" cy="207720"/>
-          </a:xfrm>
-          <a:prstGeom prst="rect">
-            <a:avLst/>
-          </a:prstGeom>
-          <a:noFill/>
-          <a:ln>
-            <a:noFill/>
-          </a:ln>
-        </p:spPr>
-        <p:txBody>
-          <a:bodyPr lIns="90000" rIns="90000" tIns="45000" bIns="45000"/>
-          <a:p>
-            <a:r>
-              <a:rPr b="1" lang="en-US" sz="800" spc="-1" strike="noStrike">
-                <a:solidFill>
-                  <a:srgbClr val="ff1493"/>
-                </a:solidFill>
-                <a:latin typeface="Cambria"/>
-              </a:rPr>
-              <a:t>Galaxy </a:t>
-            </a:r>
-            <a:r>
-              <a:rPr b="1" lang="en-US" sz="800" spc="-1" strike="noStrike">
-                <a:solidFill>
-                  <a:srgbClr val="ff1493"/>
-                </a:solidFill>
-                <a:latin typeface="Cambria"/>
-              </a:rPr>
-              <a:t>Tours</a:t>
-            </a:r>
-            <a:endParaRPr b="1" lang="en-US" sz="800" spc="-1" strike="noStrike">
-              <a:solidFill>
-                <a:srgbClr val="ff1493"/>
-              </a:solidFill>
-              <a:latin typeface="Cambria"/>
-            </a:endParaRPr>
-          </a:p>
-        </p:txBody>
-      </p:sp>
-      <p:sp>
-        <p:nvSpPr>
-          <p:cNvPr id="78" name="TextShape 26"/>
-          <p:cNvSpPr txBox="1"/>
-          <p:nvPr/>
-        </p:nvSpPr>
-        <p:spPr>
-          <a:xfrm>
-            <a:off x="3713040" y="5904360"/>
-            <a:ext cx="914400" cy="207720"/>
-          </a:xfrm>
-          <a:prstGeom prst="rect">
-            <a:avLst/>
-          </a:prstGeom>
-          <a:noFill/>
-          <a:ln>
-            <a:noFill/>
-          </a:ln>
-        </p:spPr>
-        <p:txBody>
-          <a:bodyPr lIns="90000" rIns="90000" tIns="45000" bIns="45000"/>
-          <a:p>
-            <a:r>
-              <a:rPr b="1" lang="en-US" sz="800" spc="-1" strike="noStrike">
-                <a:solidFill>
-                  <a:srgbClr val="000000"/>
-                </a:solidFill>
-                <a:latin typeface="Cambria"/>
-              </a:rPr>
-              <a:t>Hackathon</a:t>
-            </a:r>
-            <a:endParaRPr b="1" lang="en-US" sz="800" spc="-1" strike="noStrike">
-              <a:solidFill>
-                <a:srgbClr val="000000"/>
-              </a:solidFill>
-              <a:latin typeface="Cambria"/>
-            </a:endParaRPr>
-          </a:p>
-        </p:txBody>
-      </p:sp>
-      <p:sp>
-        <p:nvSpPr>
-          <p:cNvPr id="79" name="TextShape 27"/>
-          <p:cNvSpPr txBox="1"/>
-          <p:nvPr/>
-        </p:nvSpPr>
-        <p:spPr>
-          <a:xfrm>
-            <a:off x="4937040" y="4464360"/>
-            <a:ext cx="914400" cy="207720"/>
-          </a:xfrm>
-          <a:prstGeom prst="rect">
-            <a:avLst/>
-          </a:prstGeom>
-          <a:noFill/>
-          <a:ln>
-            <a:noFill/>
-          </a:ln>
-        </p:spPr>
-        <p:txBody>
-          <a:bodyPr lIns="90000" rIns="90000" tIns="45000" bIns="45000"/>
-          <a:p>
-            <a:r>
-              <a:rPr b="1" lang="en-US" sz="800" spc="-1" strike="noStrike">
-                <a:solidFill>
-                  <a:srgbClr val="2f5597"/>
-                </a:solidFill>
-                <a:latin typeface="Cambria"/>
-              </a:rPr>
-              <a:t>Training </a:t>
-            </a:r>
-            <a:r>
-              <a:rPr b="1" lang="en-US" sz="800" spc="-1" strike="noStrike">
-                <a:solidFill>
-                  <a:srgbClr val="2f5597"/>
-                </a:solidFill>
-                <a:latin typeface="Cambria"/>
-              </a:rPr>
-              <a:t>events</a:t>
-            </a:r>
-            <a:endParaRPr b="1" lang="en-US" sz="800" spc="-1" strike="noStrike">
-              <a:solidFill>
-                <a:srgbClr val="2f5597"/>
-              </a:solidFill>
-              <a:latin typeface="Cambria"/>
-            </a:endParaRPr>
-          </a:p>
-        </p:txBody>
-      </p:sp>
-      <p:sp>
-        <p:nvSpPr>
-          <p:cNvPr id="80" name="TextShape 28"/>
-          <p:cNvSpPr txBox="1"/>
-          <p:nvPr/>
-        </p:nvSpPr>
-        <p:spPr>
-          <a:xfrm>
-            <a:off x="5621040" y="5869080"/>
-            <a:ext cx="914400" cy="207720"/>
-          </a:xfrm>
-          <a:prstGeom prst="rect">
-            <a:avLst/>
-          </a:prstGeom>
-          <a:noFill/>
-          <a:ln>
-            <a:noFill/>
-          </a:ln>
-        </p:spPr>
-        <p:txBody>
-          <a:bodyPr lIns="90000" rIns="90000" tIns="45000" bIns="45000"/>
-          <a:p>
-            <a:r>
-              <a:rPr b="1" lang="en-US" sz="800" spc="-1" strike="noStrike">
-                <a:solidFill>
-                  <a:srgbClr val="ff1493"/>
-                </a:solidFill>
-                <a:latin typeface="Cambria"/>
-              </a:rPr>
-              <a:t>Galaxy </a:t>
-            </a:r>
-            <a:r>
-              <a:rPr b="1" lang="en-US" sz="800" spc="-1" strike="noStrike">
-                <a:solidFill>
-                  <a:srgbClr val="ff1493"/>
-                </a:solidFill>
-                <a:latin typeface="Cambria"/>
-              </a:rPr>
-              <a:t>Flavor</a:t>
-            </a:r>
-            <a:endParaRPr b="1" lang="en-US" sz="800" spc="-1" strike="noStrike">
-              <a:solidFill>
-                <a:srgbClr val="ff1493"/>
-              </a:solidFill>
-              <a:latin typeface="Cambria"/>
-            </a:endParaRPr>
-          </a:p>
-        </p:txBody>
-      </p:sp>
-      <p:sp>
-        <p:nvSpPr>
-          <p:cNvPr id="81" name="TextShape 29"/>
-          <p:cNvSpPr txBox="1"/>
-          <p:nvPr/>
-        </p:nvSpPr>
-        <p:spPr>
-          <a:xfrm>
-            <a:off x="3713040" y="7021080"/>
-            <a:ext cx="914400" cy="207720"/>
-          </a:xfrm>
-          <a:prstGeom prst="rect">
-            <a:avLst/>
-          </a:prstGeom>
-          <a:noFill/>
-          <a:ln>
-            <a:noFill/>
-          </a:ln>
-        </p:spPr>
-        <p:txBody>
-          <a:bodyPr lIns="90000" rIns="90000" tIns="45000" bIns="45000"/>
-          <a:p>
-            <a:r>
-              <a:rPr b="1" lang="en-US" sz="800" spc="-1" strike="noStrike">
-                <a:solidFill>
-                  <a:srgbClr val="ff1493"/>
-                </a:solidFill>
-                <a:latin typeface="Cambria"/>
-              </a:rPr>
-              <a:t>G</a:t>
-            </a:r>
-            <a:r>
-              <a:rPr b="1" lang="en-US" sz="800" spc="-1" strike="noStrike">
-                <a:solidFill>
-                  <a:srgbClr val="ff1493"/>
-                </a:solidFill>
-                <a:latin typeface="Cambria"/>
-              </a:rPr>
-              <a:t>al</a:t>
-            </a:r>
-            <a:r>
-              <a:rPr b="1" lang="en-US" sz="800" spc="-1" strike="noStrike">
-                <a:solidFill>
-                  <a:srgbClr val="ff1493"/>
-                </a:solidFill>
-                <a:latin typeface="Cambria"/>
-              </a:rPr>
-              <a:t>a</a:t>
-            </a:r>
-            <a:r>
-              <a:rPr b="1" lang="en-US" sz="800" spc="-1" strike="noStrike">
-                <a:solidFill>
-                  <a:srgbClr val="ff1493"/>
-                </a:solidFill>
-                <a:latin typeface="Cambria"/>
-              </a:rPr>
-              <a:t>x</a:t>
-            </a:r>
-            <a:r>
-              <a:rPr b="1" lang="en-US" sz="800" spc="-1" strike="noStrike">
-                <a:solidFill>
-                  <a:srgbClr val="ff1493"/>
-                </a:solidFill>
-                <a:latin typeface="Cambria"/>
-              </a:rPr>
-              <a:t>y </a:t>
-            </a:r>
-            <a:r>
-              <a:rPr b="1" lang="en-US" sz="800" spc="-1" strike="noStrike">
-                <a:solidFill>
-                  <a:srgbClr val="ff1493"/>
-                </a:solidFill>
-                <a:latin typeface="Cambria"/>
-              </a:rPr>
-              <a:t>T</a:t>
-            </a:r>
-            <a:r>
-              <a:rPr b="1" lang="en-US" sz="800" spc="-1" strike="noStrike">
-                <a:solidFill>
-                  <a:srgbClr val="ff1493"/>
-                </a:solidFill>
-                <a:latin typeface="Cambria"/>
-              </a:rPr>
-              <a:t>o</a:t>
-            </a:r>
-            <a:r>
-              <a:rPr b="1" lang="en-US" sz="800" spc="-1" strike="noStrike">
-                <a:solidFill>
-                  <a:srgbClr val="ff1493"/>
-                </a:solidFill>
-                <a:latin typeface="Cambria"/>
-              </a:rPr>
-              <a:t>u</a:t>
-            </a:r>
-            <a:r>
-              <a:rPr b="1" lang="en-US" sz="800" spc="-1" strike="noStrike">
-                <a:solidFill>
-                  <a:srgbClr val="ff1493"/>
-                </a:solidFill>
-                <a:latin typeface="Cambria"/>
-              </a:rPr>
-              <a:t>r</a:t>
-            </a:r>
-            <a:r>
-              <a:rPr b="1" lang="en-US" sz="800" spc="-1" strike="noStrike">
-                <a:solidFill>
-                  <a:srgbClr val="ff1493"/>
-                </a:solidFill>
-                <a:latin typeface="Cambria"/>
-              </a:rPr>
-              <a:t>s</a:t>
-            </a:r>
-            <a:endParaRPr b="1" lang="en-US" sz="800" spc="-1" strike="noStrike">
-              <a:solidFill>
-                <a:srgbClr val="ff1493"/>
-              </a:solidFill>
-              <a:latin typeface="Cambria"/>
-            </a:endParaRPr>
-          </a:p>
-        </p:txBody>
-      </p:sp>
-      <p:sp>
-        <p:nvSpPr>
-          <p:cNvPr id="82" name="TextShape 30"/>
-          <p:cNvSpPr txBox="1"/>
-          <p:nvPr/>
-        </p:nvSpPr>
-        <p:spPr>
-          <a:xfrm>
-            <a:off x="3641040" y="6876720"/>
-            <a:ext cx="914400" cy="207720"/>
-          </a:xfrm>
-          <a:prstGeom prst="rect">
-            <a:avLst/>
-          </a:prstGeom>
-          <a:noFill/>
-          <a:ln>
-            <a:noFill/>
-          </a:ln>
-        </p:spPr>
-        <p:txBody>
-          <a:bodyPr lIns="90000" rIns="90000" tIns="45000" bIns="45000"/>
-          <a:p>
-            <a:r>
-              <a:rPr b="1" lang="en-US" sz="800" spc="-1" strike="noStrike">
-                <a:solidFill>
-                  <a:srgbClr val="000000"/>
-                </a:solidFill>
-                <a:latin typeface="Cambria"/>
-              </a:rPr>
-              <a:t>Hackathon</a:t>
-            </a:r>
-            <a:endParaRPr b="1" lang="en-US" sz="800" spc="-1" strike="noStrike">
-              <a:solidFill>
-                <a:srgbClr val="000000"/>
-              </a:solidFill>
-              <a:latin typeface="Cambria"/>
-            </a:endParaRPr>
-          </a:p>
-        </p:txBody>
-      </p:sp>
-      <p:sp>
-        <p:nvSpPr>
-          <p:cNvPr id="83" name="TextShape 31"/>
-          <p:cNvSpPr txBox="1"/>
-          <p:nvPr/>
-        </p:nvSpPr>
-        <p:spPr>
-          <a:xfrm>
-            <a:off x="3821040" y="7164360"/>
-            <a:ext cx="914400" cy="207720"/>
-          </a:xfrm>
-          <a:prstGeom prst="rect">
-            <a:avLst/>
-          </a:prstGeom>
-          <a:noFill/>
-          <a:ln>
-            <a:noFill/>
-          </a:ln>
-        </p:spPr>
-        <p:txBody>
-          <a:bodyPr lIns="90000" rIns="90000" tIns="45000" bIns="45000"/>
-          <a:p>
-            <a:r>
-              <a:rPr b="1" lang="en-US" sz="800" spc="-1" strike="noStrike">
-                <a:solidFill>
-                  <a:srgbClr val="2f5597"/>
-                </a:solidFill>
-                <a:latin typeface="Cambria"/>
-              </a:rPr>
-              <a:t>Training events</a:t>
-            </a:r>
-            <a:endParaRPr b="1" lang="en-US" sz="800" spc="-1" strike="noStrike">
-              <a:solidFill>
-                <a:srgbClr val="2f5597"/>
-              </a:solidFill>
-              <a:latin typeface="Cambria"/>
-            </a:endParaRPr>
-          </a:p>
-        </p:txBody>
-      </p:sp>
-      <p:sp>
-        <p:nvSpPr>
-          <p:cNvPr id="84" name="Line 32"/>
-          <p:cNvSpPr/>
-          <p:nvPr/>
-        </p:nvSpPr>
-        <p:spPr>
-          <a:xfrm flipH="1">
-            <a:off x="4897800" y="4804920"/>
-            <a:ext cx="577440" cy="1022400"/>
-          </a:xfrm>
-          <a:prstGeom prst="line">
-            <a:avLst/>
-          </a:prstGeom>
-          <a:ln w="10080">
-            <a:solidFill>
-              <a:srgbClr val="ff1493"/>
-            </a:solidFill>
-            <a:round/>
-          </a:ln>
-        </p:spPr>
         <p:style>
           <a:lnRef idx="0"/>
           <a:fillRef idx="0"/>
@@ -4465,25 +3839,46 @@
           <a:fontRef idx="minor"/>
         </p:style>
       </p:sp>
-      <p:sp>
-        <p:nvSpPr>
-          <p:cNvPr id="85" name="Line 33"/>
+      <p:pic>
+        <p:nvPicPr>
+          <p:cNvPr id="74" name="" descr=""/>
+          <p:cNvPicPr/>
+          <p:nvPr/>
+        </p:nvPicPr>
+        <p:blipFill>
+          <a:blip r:embed="rId11"/>
+          <a:stretch/>
+        </p:blipFill>
+        <p:spPr>
+          <a:xfrm>
+            <a:off x="4093200" y="4461120"/>
+            <a:ext cx="2067840" cy="2834280"/>
+          </a:xfrm>
+          <a:prstGeom prst="rect">
+            <a:avLst/>
+          </a:prstGeom>
+          <a:ln>
+            <a:noFill/>
+          </a:ln>
+        </p:spPr>
+      </p:pic>
+      <p:sp>
+        <p:nvSpPr>
+          <p:cNvPr id="75" name="CustomShape 23"/>
           <p:cNvSpPr/>
           <p:nvPr/>
         </p:nvSpPr>
         <p:spPr>
-          <a:xfrm flipH="1">
-            <a:off x="4506120" y="4823640"/>
-            <a:ext cx="968040" cy="2216520"/>
-          </a:xfrm>
-          <a:prstGeom prst="line">
-            <a:avLst/>
-          </a:prstGeom>
-          <a:ln w="10080">
-            <a:solidFill>
-              <a:srgbClr val="ff1493"/>
-            </a:solidFill>
-            <a:round/>
+          <a:xfrm>
+            <a:off x="5518080" y="5724000"/>
+            <a:ext cx="914040" cy="207360"/>
+          </a:xfrm>
+          <a:prstGeom prst="rect">
+            <a:avLst/>
+          </a:prstGeom>
+          <a:noFill/>
+          <a:ln>
+            <a:noFill/>
           </a:ln>
         </p:spPr>
         <p:style>
@@ -4492,26 +3887,41 @@
           <a:effectRef idx="0"/>
           <a:fontRef idx="minor"/>
         </p:style>
-      </p:sp>
-      <p:sp>
-        <p:nvSpPr>
-          <p:cNvPr id="86" name="Line 34"/>
+        <p:txBody>
+          <a:bodyPr lIns="90000" rIns="90000" tIns="45000" bIns="45000"/>
+          <a:p>
+            <a:r>
+              <a:rPr b="1" lang="en-US" sz="800" spc="-1" strike="noStrike">
+                <a:solidFill>
+                  <a:srgbClr val="2f5597"/>
+                </a:solidFill>
+                <a:latin typeface="Cambria"/>
+              </a:rPr>
+              <a:t>Training events</a:t>
+            </a:r>
+            <a:endParaRPr b="0" lang="en-US" sz="800" spc="-1" strike="noStrike">
+              <a:latin typeface="Arial"/>
+            </a:endParaRPr>
+          </a:p>
+        </p:txBody>
+      </p:sp>
+      <p:sp>
+        <p:nvSpPr>
+          <p:cNvPr id="76" name="CustomShape 24"/>
           <p:cNvSpPr/>
           <p:nvPr/>
         </p:nvSpPr>
         <p:spPr>
           <a:xfrm>
-            <a:off x="5479920" y="4807800"/>
-            <a:ext cx="78840" cy="1009080"/>
-          </a:xfrm>
-          <a:prstGeom prst="line">
-            <a:avLst/>
-          </a:prstGeom>
-          <a:ln w="10080">
-            <a:solidFill>
-              <a:srgbClr val="ff1493"/>
-            </a:solidFill>
-            <a:round/>
+            <a:off x="3605040" y="5652720"/>
+            <a:ext cx="1426680" cy="559440"/>
+          </a:xfrm>
+          <a:prstGeom prst="rect">
+            <a:avLst/>
+          </a:prstGeom>
+          <a:noFill/>
+          <a:ln>
+            <a:noFill/>
           </a:ln>
         </p:spPr>
         <p:style>
@@ -4520,17 +3930,48 @@
           <a:effectRef idx="0"/>
           <a:fontRef idx="minor"/>
         </p:style>
-      </p:sp>
-      <p:sp>
-        <p:nvSpPr>
-          <p:cNvPr id="87" name="TextShape 35"/>
-          <p:cNvSpPr txBox="1"/>
-          <p:nvPr/>
-        </p:nvSpPr>
-        <p:spPr>
-          <a:xfrm>
-            <a:off x="3873600" y="4389120"/>
-            <a:ext cx="848520" cy="207720"/>
+        <p:txBody>
+          <a:bodyPr lIns="90000" rIns="90000" tIns="45000" bIns="45000"/>
+          <a:p>
+            <a:r>
+              <a:rPr b="1" lang="en-US" sz="800" spc="-1" strike="noStrike">
+                <a:solidFill>
+                  <a:srgbClr val="ff1493"/>
+                </a:solidFill>
+                <a:latin typeface="Cambria"/>
+              </a:rPr>
+              <a:t>Galaxy Interactive</a:t>
+            </a:r>
+            <a:endParaRPr b="0" lang="en-US" sz="800" spc="-1" strike="noStrike">
+              <a:latin typeface="Arial"/>
+            </a:endParaRPr>
+          </a:p>
+          <a:p>
+            <a:r>
+              <a:rPr b="1" lang="en-US" sz="800" spc="-1" strike="noStrike">
+                <a:solidFill>
+                  <a:srgbClr val="ff1493"/>
+                </a:solidFill>
+                <a:latin typeface="Cambria"/>
+              </a:rPr>
+              <a:t>Recommendation system</a:t>
+            </a:r>
+            <a:endParaRPr b="0" lang="en-US" sz="800" spc="-1" strike="noStrike">
+              <a:latin typeface="Arial"/>
+            </a:endParaRPr>
+          </a:p>
+        </p:txBody>
+      </p:sp>
+      <p:sp>
+        <p:nvSpPr>
+          <p:cNvPr id="77" name="CustomShape 25"/>
+          <p:cNvSpPr/>
+          <p:nvPr/>
+        </p:nvSpPr>
+        <p:spPr>
+          <a:xfrm>
+            <a:off x="4829040" y="4572720"/>
+            <a:ext cx="914040" cy="207360"/>
           </a:xfrm>
           <a:prstGeom prst="rect">
             <a:avLst/>
@@ -4540,17 +3981,408 @@
             <a:noFill/>
           </a:ln>
         </p:spPr>
+        <p:style>
+          <a:lnRef idx="0"/>
+          <a:fillRef idx="0"/>
+          <a:effectRef idx="0"/>
+          <a:fontRef idx="minor"/>
+        </p:style>
         <p:txBody>
           <a:bodyPr lIns="90000" rIns="90000" tIns="45000" bIns="45000"/>
           <a:p>
             <a:r>
               <a:rPr b="1" lang="en-US" sz="800" spc="-1" strike="noStrike">
+                <a:solidFill>
+                  <a:srgbClr val="ff1493"/>
+                </a:solidFill>
+                <a:latin typeface="Cambria"/>
+              </a:rPr>
+              <a:t>Galaxy Tours</a:t>
+            </a:r>
+            <a:endParaRPr b="0" lang="en-US" sz="800" spc="-1" strike="noStrike">
+              <a:latin typeface="Arial"/>
+            </a:endParaRPr>
+          </a:p>
+        </p:txBody>
+      </p:sp>
+      <p:sp>
+        <p:nvSpPr>
+          <p:cNvPr id="78" name="CustomShape 26"/>
+          <p:cNvSpPr/>
+          <p:nvPr/>
+        </p:nvSpPr>
+        <p:spPr>
+          <a:xfrm>
+            <a:off x="3713040" y="5904360"/>
+            <a:ext cx="914040" cy="207360"/>
+          </a:xfrm>
+          <a:prstGeom prst="rect">
+            <a:avLst/>
+          </a:prstGeom>
+          <a:noFill/>
+          <a:ln>
+            <a:noFill/>
+          </a:ln>
+        </p:spPr>
+        <p:style>
+          <a:lnRef idx="0"/>
+          <a:fillRef idx="0"/>
+          <a:effectRef idx="0"/>
+          <a:fontRef idx="minor"/>
+        </p:style>
+        <p:txBody>
+          <a:bodyPr lIns="90000" rIns="90000" tIns="45000" bIns="45000"/>
+          <a:p>
+            <a:r>
+              <a:rPr b="1" lang="en-US" sz="800" spc="-1" strike="noStrike">
+                <a:solidFill>
+                  <a:srgbClr val="000000"/>
+                </a:solidFill>
+                <a:latin typeface="Cambria"/>
+              </a:rPr>
+              <a:t>Hackathon</a:t>
+            </a:r>
+            <a:endParaRPr b="0" lang="en-US" sz="800" spc="-1" strike="noStrike">
+              <a:latin typeface="Arial"/>
+            </a:endParaRPr>
+          </a:p>
+        </p:txBody>
+      </p:sp>
+      <p:sp>
+        <p:nvSpPr>
+          <p:cNvPr id="79" name="CustomShape 27"/>
+          <p:cNvSpPr/>
+          <p:nvPr/>
+        </p:nvSpPr>
+        <p:spPr>
+          <a:xfrm>
+            <a:off x="4937040" y="4464360"/>
+            <a:ext cx="914040" cy="207360"/>
+          </a:xfrm>
+          <a:prstGeom prst="rect">
+            <a:avLst/>
+          </a:prstGeom>
+          <a:noFill/>
+          <a:ln>
+            <a:noFill/>
+          </a:ln>
+        </p:spPr>
+        <p:style>
+          <a:lnRef idx="0"/>
+          <a:fillRef idx="0"/>
+          <a:effectRef idx="0"/>
+          <a:fontRef idx="minor"/>
+        </p:style>
+        <p:txBody>
+          <a:bodyPr lIns="90000" rIns="90000" tIns="45000" bIns="45000"/>
+          <a:p>
+            <a:r>
+              <a:rPr b="1" lang="en-US" sz="800" spc="-1" strike="noStrike">
+                <a:solidFill>
+                  <a:srgbClr val="2f5597"/>
+                </a:solidFill>
+                <a:latin typeface="Cambria"/>
+              </a:rPr>
+              <a:t>Training events</a:t>
+            </a:r>
+            <a:endParaRPr b="0" lang="en-US" sz="800" spc="-1" strike="noStrike">
+              <a:latin typeface="Arial"/>
+            </a:endParaRPr>
+          </a:p>
+        </p:txBody>
+      </p:sp>
+      <p:sp>
+        <p:nvSpPr>
+          <p:cNvPr id="80" name="CustomShape 28"/>
+          <p:cNvSpPr/>
+          <p:nvPr/>
+        </p:nvSpPr>
+        <p:spPr>
+          <a:xfrm>
+            <a:off x="5621040" y="5869080"/>
+            <a:ext cx="914040" cy="207360"/>
+          </a:xfrm>
+          <a:prstGeom prst="rect">
+            <a:avLst/>
+          </a:prstGeom>
+          <a:noFill/>
+          <a:ln>
+            <a:noFill/>
+          </a:ln>
+        </p:spPr>
+        <p:style>
+          <a:lnRef idx="0"/>
+          <a:fillRef idx="0"/>
+          <a:effectRef idx="0"/>
+          <a:fontRef idx="minor"/>
+        </p:style>
+        <p:txBody>
+          <a:bodyPr lIns="90000" rIns="90000" tIns="45000" bIns="45000"/>
+          <a:p>
+            <a:r>
+              <a:rPr b="1" lang="en-US" sz="800" spc="-1" strike="noStrike">
+                <a:solidFill>
+                  <a:srgbClr val="ff1493"/>
+                </a:solidFill>
+                <a:latin typeface="Cambria"/>
+              </a:rPr>
+              <a:t>Galaxy Flavor</a:t>
+            </a:r>
+            <a:endParaRPr b="0" lang="en-US" sz="800" spc="-1" strike="noStrike">
+              <a:latin typeface="Arial"/>
+            </a:endParaRPr>
+          </a:p>
+        </p:txBody>
+      </p:sp>
+      <p:sp>
+        <p:nvSpPr>
+          <p:cNvPr id="81" name="CustomShape 29"/>
+          <p:cNvSpPr/>
+          <p:nvPr/>
+        </p:nvSpPr>
+        <p:spPr>
+          <a:xfrm>
+            <a:off x="3713040" y="7021080"/>
+            <a:ext cx="914040" cy="207360"/>
+          </a:xfrm>
+          <a:prstGeom prst="rect">
+            <a:avLst/>
+          </a:prstGeom>
+          <a:noFill/>
+          <a:ln>
+            <a:noFill/>
+          </a:ln>
+        </p:spPr>
+        <p:style>
+          <a:lnRef idx="0"/>
+          <a:fillRef idx="0"/>
+          <a:effectRef idx="0"/>
+          <a:fontRef idx="minor"/>
+        </p:style>
+        <p:txBody>
+          <a:bodyPr lIns="90000" rIns="90000" tIns="45000" bIns="45000"/>
+          <a:p>
+            <a:r>
+              <a:rPr b="1" lang="en-US" sz="800" spc="-1" strike="noStrike">
+                <a:solidFill>
+                  <a:srgbClr val="ff1493"/>
+                </a:solidFill>
+                <a:latin typeface="Cambria"/>
+              </a:rPr>
+              <a:t>Galaxy Tours</a:t>
+            </a:r>
+            <a:endParaRPr b="0" lang="en-US" sz="800" spc="-1" strike="noStrike">
+              <a:latin typeface="Arial"/>
+            </a:endParaRPr>
+          </a:p>
+        </p:txBody>
+      </p:sp>
+      <p:sp>
+        <p:nvSpPr>
+          <p:cNvPr id="82" name="CustomShape 30"/>
+          <p:cNvSpPr/>
+          <p:nvPr/>
+        </p:nvSpPr>
+        <p:spPr>
+          <a:xfrm>
+            <a:off x="3641040" y="6876720"/>
+            <a:ext cx="914040" cy="207360"/>
+          </a:xfrm>
+          <a:prstGeom prst="rect">
+            <a:avLst/>
+          </a:prstGeom>
+          <a:noFill/>
+          <a:ln>
+            <a:noFill/>
+          </a:ln>
+        </p:spPr>
+        <p:style>
+          <a:lnRef idx="0"/>
+          <a:fillRef idx="0"/>
+          <a:effectRef idx="0"/>
+          <a:fontRef idx="minor"/>
+        </p:style>
+        <p:txBody>
+          <a:bodyPr lIns="90000" rIns="90000" tIns="45000" bIns="45000"/>
+          <a:p>
+            <a:r>
+              <a:rPr b="1" lang="en-US" sz="800" spc="-1" strike="noStrike">
+                <a:solidFill>
+                  <a:srgbClr val="000000"/>
+                </a:solidFill>
+                <a:latin typeface="Cambria"/>
+              </a:rPr>
+              <a:t>Hackathon</a:t>
+            </a:r>
+            <a:endParaRPr b="0" lang="en-US" sz="800" spc="-1" strike="noStrike">
+              <a:latin typeface="Arial"/>
+            </a:endParaRPr>
+          </a:p>
+        </p:txBody>
+      </p:sp>
+      <p:sp>
+        <p:nvSpPr>
+          <p:cNvPr id="83" name="CustomShape 31"/>
+          <p:cNvSpPr/>
+          <p:nvPr/>
+        </p:nvSpPr>
+        <p:spPr>
+          <a:xfrm>
+            <a:off x="3821040" y="7164360"/>
+            <a:ext cx="914040" cy="207360"/>
+          </a:xfrm>
+          <a:prstGeom prst="rect">
+            <a:avLst/>
+          </a:prstGeom>
+          <a:noFill/>
+          <a:ln>
+            <a:noFill/>
+          </a:ln>
+        </p:spPr>
+        <p:style>
+          <a:lnRef idx="0"/>
+          <a:fillRef idx="0"/>
+          <a:effectRef idx="0"/>
+          <a:fontRef idx="minor"/>
+        </p:style>
+        <p:txBody>
+          <a:bodyPr lIns="90000" rIns="90000" tIns="45000" bIns="45000"/>
+          <a:p>
+            <a:r>
+              <a:rPr b="1" lang="en-US" sz="800" spc="-1" strike="noStrike">
+                <a:solidFill>
+                  <a:srgbClr val="2f5597"/>
+                </a:solidFill>
+                <a:latin typeface="Cambria"/>
+              </a:rPr>
+              <a:t>Training events</a:t>
+            </a:r>
+            <a:endParaRPr b="0" lang="en-US" sz="800" spc="-1" strike="noStrike">
+              <a:latin typeface="Arial"/>
+            </a:endParaRPr>
+          </a:p>
+        </p:txBody>
+      </p:sp>
+      <p:sp>
+        <p:nvSpPr>
+          <p:cNvPr id="84" name="Line 32"/>
+          <p:cNvSpPr/>
+          <p:nvPr/>
+        </p:nvSpPr>
+        <p:spPr>
+          <a:xfrm flipH="1">
+            <a:off x="4897800" y="4804920"/>
+            <a:ext cx="577440" cy="1022400"/>
+          </a:xfrm>
+          <a:prstGeom prst="line">
+            <a:avLst/>
+          </a:prstGeom>
+          <a:ln w="10080">
+            <a:solidFill>
+              <a:srgbClr val="ff1493"/>
+            </a:solidFill>
+            <a:round/>
+          </a:ln>
+        </p:spPr>
+        <p:style>
+          <a:lnRef idx="0"/>
+          <a:fillRef idx="0"/>
+          <a:effectRef idx="0"/>
+          <a:fontRef idx="minor"/>
+        </p:style>
+      </p:sp>
+      <p:sp>
+        <p:nvSpPr>
+          <p:cNvPr id="85" name="Line 33"/>
+          <p:cNvSpPr/>
+          <p:nvPr/>
+        </p:nvSpPr>
+        <p:spPr>
+          <a:xfrm flipH="1">
+            <a:off x="4506120" y="4823640"/>
+            <a:ext cx="968040" cy="2216520"/>
+          </a:xfrm>
+          <a:prstGeom prst="line">
+            <a:avLst/>
+          </a:prstGeom>
+          <a:ln w="10080">
+            <a:solidFill>
+              <a:srgbClr val="ff1493"/>
+            </a:solidFill>
+            <a:round/>
+          </a:ln>
+        </p:spPr>
+        <p:style>
+          <a:lnRef idx="0"/>
+          <a:fillRef idx="0"/>
+          <a:effectRef idx="0"/>
+          <a:fontRef idx="minor"/>
+        </p:style>
+      </p:sp>
+      <p:sp>
+        <p:nvSpPr>
+          <p:cNvPr id="86" name="Line 34"/>
+          <p:cNvSpPr/>
+          <p:nvPr/>
+        </p:nvSpPr>
+        <p:spPr>
+          <a:xfrm>
+            <a:off x="5479920" y="4807800"/>
+            <a:ext cx="78840" cy="1009080"/>
+          </a:xfrm>
+          <a:prstGeom prst="line">
+            <a:avLst/>
+          </a:prstGeom>
+          <a:ln w="10080">
+            <a:solidFill>
+              <a:srgbClr val="ff1493"/>
+            </a:solidFill>
+            <a:round/>
+          </a:ln>
+        </p:spPr>
+        <p:style>
+          <a:lnRef idx="0"/>
+          <a:fillRef idx="0"/>
+          <a:effectRef idx="0"/>
+          <a:fontRef idx="minor"/>
+        </p:style>
+      </p:sp>
+      <p:sp>
+        <p:nvSpPr>
+          <p:cNvPr id="87" name="CustomShape 35"/>
+          <p:cNvSpPr/>
+          <p:nvPr/>
+        </p:nvSpPr>
+        <p:spPr>
+          <a:xfrm>
+            <a:off x="3873600" y="4389120"/>
+            <a:ext cx="848160" cy="207360"/>
+          </a:xfrm>
+          <a:prstGeom prst="rect">
+            <a:avLst/>
+          </a:prstGeom>
+          <a:noFill/>
+          <a:ln>
+            <a:noFill/>
+          </a:ln>
+        </p:spPr>
+        <p:style>
+          <a:lnRef idx="0"/>
+          <a:fillRef idx="0"/>
+          <a:effectRef idx="0"/>
+          <a:fontRef idx="minor"/>
+        </p:style>
+        <p:txBody>
+          <a:bodyPr lIns="90000" rIns="90000" tIns="45000" bIns="45000"/>
+          <a:p>
+            <a:r>
+              <a:rPr b="1" lang="en-US" sz="800" spc="-1" strike="noStrike">
                 <a:latin typeface="Cambria"/>
               </a:rPr>
               <a:t>destairdenbi</a:t>
             </a:r>
-            <a:endParaRPr b="1" lang="en-US" sz="800" spc="-1" strike="noStrike">
-              <a:latin typeface="Cambria"/>
+            <a:endParaRPr b="0" lang="en-US" sz="800" spc="-1" strike="noStrike">
+              <a:latin typeface="Arial"/>
             </a:endParaRPr>
           </a:p>
         </p:txBody>
@@ -4568,7 +4400,7 @@
         <p:spPr>
           <a:xfrm>
             <a:off x="3644640" y="4349520"/>
-            <a:ext cx="275040" cy="275040"/>
+            <a:ext cx="274680" cy="274680"/>
           </a:xfrm>
           <a:prstGeom prst="rect">
             <a:avLst/>
@@ -4580,14 +4412,14 @@
       </p:pic>
       <p:sp>
         <p:nvSpPr>
-          <p:cNvPr id="89" name="TextShape 36"/>
-          <p:cNvSpPr txBox="1"/>
+          <p:cNvPr id="89" name="CustomShape 36"/>
+          <p:cNvSpPr/>
           <p:nvPr/>
         </p:nvSpPr>
         <p:spPr>
           <a:xfrm>
             <a:off x="5832720" y="2563200"/>
-            <a:ext cx="822960" cy="182880"/>
+            <a:ext cx="822600" cy="182520"/>
           </a:xfrm>
           <a:prstGeom prst="rect">
             <a:avLst/>
@@ -4597,10 +4429,20 @@
             <a:noFill/>
           </a:ln>
         </p:spPr>
+        <p:style>
+          <a:lnRef idx="0"/>
+          <a:fillRef idx="0"/>
+          <a:effectRef idx="0"/>
+          <a:fontRef idx="minor"/>
+        </p:style>
         <p:txBody>
           <a:bodyPr lIns="90000" rIns="90000" tIns="45000" bIns="45000"/>
           <a:p>
-            <a:pPr algn="ctr"/>
+            <a:pPr algn="ctr">
+              <a:lnSpc>
+                <a:spcPct val="100000"/>
+              </a:lnSpc>
+            </a:pPr>
             <a:r>
               <a:rPr b="0" lang="en-US" sz="600" spc="-1" strike="noStrike">
                 <a:solidFill>
@@ -4611,24 +4453,21 @@
               <a:t>galaxyproject.org</a:t>
             </a:r>
             <a:endParaRPr b="0" lang="en-US" sz="600" spc="-1" strike="noStrike">
-              <a:solidFill>
-                <a:srgbClr val="00bfff"/>
-              </a:solidFill>
-              <a:latin typeface="Cambria"/>
-            </a:endParaRPr>
-          </a:p>
-        </p:txBody>
-      </p:sp>
-      <p:sp>
-        <p:nvSpPr>
-          <p:cNvPr id="90" name="TextShape 37"/>
-          <p:cNvSpPr txBox="1"/>
+              <a:latin typeface="Arial"/>
+            </a:endParaRPr>
+          </a:p>
+        </p:txBody>
+      </p:sp>
+      <p:sp>
+        <p:nvSpPr>
+          <p:cNvPr id="90" name="CustomShape 37"/>
+          <p:cNvSpPr/>
           <p:nvPr/>
         </p:nvSpPr>
         <p:spPr>
           <a:xfrm>
             <a:off x="5832720" y="3355200"/>
-            <a:ext cx="822960" cy="182880"/>
+            <a:ext cx="822600" cy="182520"/>
           </a:xfrm>
           <a:prstGeom prst="rect">
             <a:avLst/>
@@ -4638,10 +4477,20 @@
             <a:noFill/>
           </a:ln>
         </p:spPr>
+        <p:style>
+          <a:lnRef idx="0"/>
+          <a:fillRef idx="0"/>
+          <a:effectRef idx="0"/>
+          <a:fontRef idx="minor"/>
+        </p:style>
         <p:txBody>
           <a:bodyPr lIns="90000" rIns="90000" tIns="45000" bIns="45000"/>
           <a:p>
-            <a:pPr algn="ctr"/>
+            <a:pPr algn="ctr">
+              <a:lnSpc>
+                <a:spcPct val="100000"/>
+              </a:lnSpc>
+            </a:pPr>
             <a:r>
               <a:rPr b="0" lang="en-US" sz="600" spc="-1" strike="noStrike">
                 <a:solidFill>
@@ -4652,24 +4501,21 @@
               <a:t>edamontology.org</a:t>
             </a:r>
             <a:endParaRPr b="0" lang="en-US" sz="600" spc="-1" strike="noStrike">
-              <a:solidFill>
-                <a:srgbClr val="00bfff"/>
-              </a:solidFill>
-              <a:latin typeface="Cambria"/>
-            </a:endParaRPr>
-          </a:p>
-        </p:txBody>
-      </p:sp>
-      <p:sp>
-        <p:nvSpPr>
-          <p:cNvPr id="91" name="TextShape 38"/>
-          <p:cNvSpPr txBox="1"/>
+              <a:latin typeface="Arial"/>
+            </a:endParaRPr>
+          </a:p>
+        </p:txBody>
+      </p:sp>
+      <p:sp>
+        <p:nvSpPr>
+          <p:cNvPr id="91" name="CustomShape 38"/>
+          <p:cNvSpPr/>
           <p:nvPr/>
         </p:nvSpPr>
         <p:spPr>
           <a:xfrm>
             <a:off x="5832720" y="4147200"/>
-            <a:ext cx="822960" cy="182880"/>
+            <a:ext cx="822600" cy="182520"/>
           </a:xfrm>
           <a:prstGeom prst="rect">
             <a:avLst/>
@@ -4679,10 +4525,20 @@
             <a:noFill/>
           </a:ln>
         </p:spPr>
+        <p:style>
+          <a:lnRef idx="0"/>
+          <a:fillRef idx="0"/>
+          <a:effectRef idx="0"/>
+          <a:fontRef idx="minor"/>
+        </p:style>
         <p:txBody>
           <a:bodyPr lIns="90000" rIns="90000" tIns="45000" bIns="45000"/>
           <a:p>
-            <a:pPr algn="ctr"/>
+            <a:pPr algn="ctr">
+              <a:lnSpc>
+                <a:spcPct val="100000"/>
+              </a:lnSpc>
+            </a:pPr>
             <a:r>
               <a:rPr b="0" lang="en-US" sz="600" spc="-1" strike="noStrike">
                 <a:solidFill>
@@ -4693,10 +4549,7 @@
               <a:t>denbi.de/rbc</a:t>
             </a:r>
             <a:endParaRPr b="0" lang="en-US" sz="600" spc="-1" strike="noStrike">
-              <a:solidFill>
-                <a:srgbClr val="00bfff"/>
-              </a:solidFill>
-              <a:latin typeface="Cambria"/>
+              <a:latin typeface="Arial"/>
             </a:endParaRPr>
           </a:p>
         </p:txBody>
@@ -4714,7 +4567,7 @@
         <p:spPr>
           <a:xfrm>
             <a:off x="5419440" y="9363600"/>
-            <a:ext cx="582480" cy="403920"/>
+            <a:ext cx="582120" cy="403560"/>
           </a:xfrm>
           <a:prstGeom prst="rect">
             <a:avLst/>
@@ -4737,7 +4590,7 @@
         <p:spPr>
           <a:xfrm>
             <a:off x="6070680" y="9358200"/>
-            <a:ext cx="625320" cy="416880"/>
+            <a:ext cx="624960" cy="416520"/>
           </a:xfrm>
           <a:prstGeom prst="rect">
             <a:avLst/>
@@ -4760,7 +4613,7 @@
         <p:spPr>
           <a:xfrm>
             <a:off x="5869080" y="7040880"/>
-            <a:ext cx="695160" cy="182880"/>
+            <a:ext cx="694800" cy="182520"/>
           </a:xfrm>
           <a:prstGeom prst="rect">
             <a:avLst/>
@@ -4772,14 +4625,14 @@
       </p:pic>
       <p:sp>
         <p:nvSpPr>
-          <p:cNvPr id="95" name="TextShape 39"/>
-          <p:cNvSpPr txBox="1"/>
+          <p:cNvPr id="95" name="CustomShape 39"/>
+          <p:cNvSpPr/>
           <p:nvPr/>
         </p:nvSpPr>
         <p:spPr>
           <a:xfrm>
             <a:off x="5832720" y="7207200"/>
-            <a:ext cx="822960" cy="182880"/>
+            <a:ext cx="822600" cy="182520"/>
           </a:xfrm>
           <a:prstGeom prst="rect">
             <a:avLst/>
@@ -4789,10 +4642,20 @@
             <a:noFill/>
           </a:ln>
         </p:spPr>
+        <p:style>
+          <a:lnRef idx="0"/>
+          <a:fillRef idx="0"/>
+          <a:effectRef idx="0"/>
+          <a:fontRef idx="minor"/>
+        </p:style>
         <p:txBody>
           <a:bodyPr lIns="90000" rIns="90000" tIns="45000" bIns="45000"/>
           <a:p>
-            <a:pPr algn="ctr"/>
+            <a:pPr algn="ctr">
+              <a:lnSpc>
+                <a:spcPct val="100000"/>
+              </a:lnSpc>
+            </a:pPr>
             <a:r>
               <a:rPr b="0" lang="en-US" sz="600" spc="-1" strike="noStrike">
                 <a:solidFill>
@@ -4803,24 +4666,21 @@
               <a:t>denbi.de</a:t>
             </a:r>
             <a:endParaRPr b="0" lang="en-US" sz="600" spc="-1" strike="noStrike">
-              <a:solidFill>
-                <a:srgbClr val="00bfff"/>
-              </a:solidFill>
-              <a:latin typeface="Cambria"/>
-            </a:endParaRPr>
-          </a:p>
-        </p:txBody>
-      </p:sp>
-      <p:sp>
-        <p:nvSpPr>
-          <p:cNvPr id="96" name="TextShape 40"/>
-          <p:cNvSpPr txBox="1"/>
+              <a:latin typeface="Arial"/>
+            </a:endParaRPr>
+          </a:p>
+        </p:txBody>
+      </p:sp>
+      <p:sp>
+        <p:nvSpPr>
+          <p:cNvPr id="96" name="CustomShape 40"/>
+          <p:cNvSpPr/>
           <p:nvPr/>
         </p:nvSpPr>
         <p:spPr>
           <a:xfrm>
             <a:off x="3600720" y="4615200"/>
-            <a:ext cx="1082160" cy="267480"/>
+            <a:ext cx="1081800" cy="267120"/>
           </a:xfrm>
           <a:prstGeom prst="rect">
             <a:avLst/>
@@ -4830,10 +4690,20 @@
             <a:noFill/>
           </a:ln>
         </p:spPr>
+        <p:style>
+          <a:lnRef idx="0"/>
+          <a:fillRef idx="0"/>
+          <a:effectRef idx="0"/>
+          <a:fontRef idx="minor"/>
+        </p:style>
         <p:txBody>
           <a:bodyPr lIns="90000" rIns="90000" tIns="45000" bIns="45000"/>
           <a:p>
-            <a:pPr algn="ctr"/>
+            <a:pPr algn="ctr">
+              <a:lnSpc>
+                <a:spcPct val="100000"/>
+              </a:lnSpc>
+            </a:pPr>
             <a:r>
               <a:rPr b="0" lang="en-US" sz="600" spc="-1" strike="noStrike">
                 <a:solidFill>
@@ -4841,58 +4711,10 @@
                 </a:solidFill>
                 <a:latin typeface="Cambria"/>
               </a:rPr>
-              <a:t>desta</a:t>
-            </a:r>
-            <a:r>
-              <a:rPr b="0" lang="en-US" sz="600" spc="-1" strike="noStrike">
-                <a:solidFill>
-                  <a:srgbClr val="00bfff"/>
-                </a:solidFill>
-                <a:latin typeface="Cambria"/>
-              </a:rPr>
-              <a:t>ir.bioi</a:t>
-            </a:r>
-            <a:r>
-              <a:rPr b="0" lang="en-US" sz="600" spc="-1" strike="noStrike">
-                <a:solidFill>
-                  <a:srgbClr val="00bfff"/>
-                </a:solidFill>
-                <a:latin typeface="Cambria"/>
-              </a:rPr>
-              <a:t>nf.uni</a:t>
-            </a:r>
-            <a:r>
-              <a:rPr b="0" lang="en-US" sz="600" spc="-1" strike="noStrike">
-                <a:solidFill>
-                  <a:srgbClr val="00bfff"/>
-                </a:solidFill>
-                <a:latin typeface="Cambria"/>
-              </a:rPr>
-              <a:t>-</a:t>
-            </a:r>
-            <a:r>
-              <a:rPr b="0" lang="en-US" sz="600" spc="-1" strike="noStrike">
-                <a:solidFill>
-                  <a:srgbClr val="00bfff"/>
-                </a:solidFill>
-                <a:latin typeface="Cambria"/>
-              </a:rPr>
-              <a:t>leipzi</a:t>
-            </a:r>
-            <a:r>
-              <a:rPr b="0" lang="en-US" sz="600" spc="-1" strike="noStrike">
-                <a:solidFill>
-                  <a:srgbClr val="00bfff"/>
-                </a:solidFill>
-                <a:latin typeface="Cambria"/>
-              </a:rPr>
-              <a:t>g.de</a:t>
+              <a:t>destair.bioinf.uni-leipzig.de</a:t>
             </a:r>
             <a:endParaRPr b="0" lang="en-US" sz="600" spc="-1" strike="noStrike">
-              <a:solidFill>
-                <a:srgbClr val="00bfff"/>
-              </a:solidFill>
-              <a:latin typeface="Cambria"/>
+              <a:latin typeface="Arial"/>
             </a:endParaRPr>
           </a:p>
         </p:txBody>

--- a/2017-10-23__bielefeld__de.nbi_symposium/poster.pptx
+++ b/2017-10-23__bielefeld__de.nbi_symposium/poster.pptx
@@ -192,7 +192,7 @@
           <a:bodyPr lIns="0" rIns="0" tIns="0" bIns="0" anchor="b"/>
           <a:p>
             <a:pPr algn="r"/>
-            <a:fld id="{6CA38455-BE46-4038-B848-3CA845E5EE6C}" type="slidenum">
+            <a:fld id="{0BE34F92-2CBA-463E-B777-807F2276C33D}" type="slidenum">
               <a:rPr b="0" lang="en-US" sz="1400" spc="-1" strike="noStrike">
                 <a:latin typeface="Times New Roman"/>
               </a:rPr>
@@ -240,7 +240,7 @@
         <p:spPr>
           <a:xfrm>
             <a:off x="679320" y="4704840"/>
-            <a:ext cx="5435280" cy="4456440"/>
+            <a:ext cx="5434920" cy="4456080"/>
           </a:xfrm>
           <a:prstGeom prst="rect">
             <a:avLst/>
@@ -266,7 +266,7 @@
         <p:spPr>
           <a:xfrm>
             <a:off x="3848400" y="9409680"/>
-            <a:ext cx="2943360" cy="493560"/>
+            <a:ext cx="2943000" cy="493200"/>
           </a:xfrm>
           <a:prstGeom prst="rect">
             <a:avLst/>
@@ -340,7 +340,7 @@
         <p:spPr>
           <a:xfrm>
             <a:off x="342720" y="394920"/>
-            <a:ext cx="6171120" cy="1653120"/>
+            <a:ext cx="6171840" cy="1653840"/>
           </a:xfrm>
           <a:prstGeom prst="rect">
             <a:avLst/>
@@ -369,7 +369,7 @@
         <p:spPr>
           <a:xfrm>
             <a:off x="342720" y="2317680"/>
-            <a:ext cx="6171480" cy="2739960"/>
+            <a:ext cx="6171840" cy="2739960"/>
           </a:xfrm>
           <a:prstGeom prst="rect">
             <a:avLst/>
@@ -399,7 +399,7 @@
         <p:spPr>
           <a:xfrm>
             <a:off x="342720" y="5318280"/>
-            <a:ext cx="6171480" cy="2739960"/>
+            <a:ext cx="6171840" cy="2739960"/>
           </a:xfrm>
           <a:prstGeom prst="rect">
             <a:avLst/>
@@ -451,7 +451,7 @@
         <p:spPr>
           <a:xfrm>
             <a:off x="342720" y="394920"/>
-            <a:ext cx="6171120" cy="1653120"/>
+            <a:ext cx="6171840" cy="1653840"/>
           </a:xfrm>
           <a:prstGeom prst="rect">
             <a:avLst/>
@@ -480,7 +480,7 @@
         <p:spPr>
           <a:xfrm>
             <a:off x="342720" y="2317680"/>
-            <a:ext cx="3011400" cy="2739960"/>
+            <a:ext cx="3011760" cy="2739960"/>
           </a:xfrm>
           <a:prstGeom prst="rect">
             <a:avLst/>
@@ -509,8 +509,8 @@
         </p:nvSpPr>
         <p:spPr>
           <a:xfrm>
-            <a:off x="3504960" y="2317680"/>
-            <a:ext cx="3011400" cy="2739960"/>
+            <a:off x="3505320" y="2317680"/>
+            <a:ext cx="3011760" cy="2739960"/>
           </a:xfrm>
           <a:prstGeom prst="rect">
             <a:avLst/>
@@ -539,8 +539,8 @@
         </p:nvSpPr>
         <p:spPr>
           <a:xfrm>
-            <a:off x="3504960" y="5318280"/>
-            <a:ext cx="3011400" cy="2739960"/>
+            <a:off x="3505320" y="5318280"/>
+            <a:ext cx="3011760" cy="2739960"/>
           </a:xfrm>
           <a:prstGeom prst="rect">
             <a:avLst/>
@@ -570,7 +570,7 @@
         <p:spPr>
           <a:xfrm>
             <a:off x="342720" y="5318280"/>
-            <a:ext cx="3011400" cy="2739960"/>
+            <a:ext cx="3011760" cy="2739960"/>
           </a:xfrm>
           <a:prstGeom prst="rect">
             <a:avLst/>
@@ -622,7 +622,7 @@
         <p:spPr>
           <a:xfrm>
             <a:off x="342720" y="394920"/>
-            <a:ext cx="6171120" cy="1653120"/>
+            <a:ext cx="6171840" cy="1653840"/>
           </a:xfrm>
           <a:prstGeom prst="rect">
             <a:avLst/>
@@ -651,7 +651,7 @@
         <p:spPr>
           <a:xfrm>
             <a:off x="342720" y="2317680"/>
-            <a:ext cx="1986840" cy="2739960"/>
+            <a:ext cx="1987200" cy="2739960"/>
           </a:xfrm>
           <a:prstGeom prst="rect">
             <a:avLst/>
@@ -680,8 +680,8 @@
         </p:nvSpPr>
         <p:spPr>
           <a:xfrm>
-            <a:off x="2429280" y="2317680"/>
-            <a:ext cx="1986840" cy="2739960"/>
+            <a:off x="2429640" y="2317680"/>
+            <a:ext cx="1987200" cy="2739960"/>
           </a:xfrm>
           <a:prstGeom prst="rect">
             <a:avLst/>
@@ -710,8 +710,8 @@
         </p:nvSpPr>
         <p:spPr>
           <a:xfrm>
-            <a:off x="4515840" y="2317680"/>
-            <a:ext cx="1986840" cy="2739960"/>
+            <a:off x="4516560" y="2317680"/>
+            <a:ext cx="1987200" cy="2739960"/>
           </a:xfrm>
           <a:prstGeom prst="rect">
             <a:avLst/>
@@ -740,8 +740,8 @@
         </p:nvSpPr>
         <p:spPr>
           <a:xfrm>
-            <a:off x="4515840" y="5318280"/>
-            <a:ext cx="1986840" cy="2739960"/>
+            <a:off x="4516560" y="5318280"/>
+            <a:ext cx="1987200" cy="2739960"/>
           </a:xfrm>
           <a:prstGeom prst="rect">
             <a:avLst/>
@@ -770,8 +770,8 @@
         </p:nvSpPr>
         <p:spPr>
           <a:xfrm>
-            <a:off x="2429280" y="5318280"/>
-            <a:ext cx="1986840" cy="2739960"/>
+            <a:off x="2429640" y="5318280"/>
+            <a:ext cx="1987200" cy="2739960"/>
           </a:xfrm>
           <a:prstGeom prst="rect">
             <a:avLst/>
@@ -801,7 +801,7 @@
         <p:spPr>
           <a:xfrm>
             <a:off x="342720" y="5318280"/>
-            <a:ext cx="1986840" cy="2739960"/>
+            <a:ext cx="1987200" cy="2739960"/>
           </a:xfrm>
           <a:prstGeom prst="rect">
             <a:avLst/>
@@ -853,7 +853,7 @@
         <p:spPr>
           <a:xfrm>
             <a:off x="342720" y="394920"/>
-            <a:ext cx="6171120" cy="1653120"/>
+            <a:ext cx="6171840" cy="1653840"/>
           </a:xfrm>
           <a:prstGeom prst="rect">
             <a:avLst/>
@@ -882,7 +882,7 @@
         <p:spPr>
           <a:xfrm>
             <a:off x="342720" y="2317680"/>
-            <a:ext cx="6171480" cy="5744520"/>
+            <a:ext cx="6171840" cy="5744880"/>
           </a:xfrm>
           <a:prstGeom prst="rect">
             <a:avLst/>
@@ -933,7 +933,7 @@
         <p:spPr>
           <a:xfrm>
             <a:off x="342720" y="394920"/>
-            <a:ext cx="6171120" cy="1653120"/>
+            <a:ext cx="6171840" cy="1653840"/>
           </a:xfrm>
           <a:prstGeom prst="rect">
             <a:avLst/>
@@ -962,7 +962,7 @@
         <p:spPr>
           <a:xfrm>
             <a:off x="342720" y="2317680"/>
-            <a:ext cx="6171480" cy="5744520"/>
+            <a:ext cx="6171840" cy="5744880"/>
           </a:xfrm>
           <a:prstGeom prst="rect">
             <a:avLst/>
@@ -1014,7 +1014,7 @@
         <p:spPr>
           <a:xfrm>
             <a:off x="342720" y="394920"/>
-            <a:ext cx="6171120" cy="1653120"/>
+            <a:ext cx="6171840" cy="1653840"/>
           </a:xfrm>
           <a:prstGeom prst="rect">
             <a:avLst/>
@@ -1043,7 +1043,7 @@
         <p:spPr>
           <a:xfrm>
             <a:off x="342720" y="2317680"/>
-            <a:ext cx="3011400" cy="5744520"/>
+            <a:ext cx="3011760" cy="5744880"/>
           </a:xfrm>
           <a:prstGeom prst="rect">
             <a:avLst/>
@@ -1072,8 +1072,8 @@
         </p:nvSpPr>
         <p:spPr>
           <a:xfrm>
-            <a:off x="3504960" y="2317680"/>
-            <a:ext cx="3011400" cy="5744520"/>
+            <a:off x="3505320" y="2317680"/>
+            <a:ext cx="3011760" cy="5744880"/>
           </a:xfrm>
           <a:prstGeom prst="rect">
             <a:avLst/>
@@ -1125,7 +1125,7 @@
         <p:spPr>
           <a:xfrm>
             <a:off x="342720" y="394920"/>
-            <a:ext cx="6171120" cy="1653120"/>
+            <a:ext cx="6171840" cy="1653840"/>
           </a:xfrm>
           <a:prstGeom prst="rect">
             <a:avLst/>
@@ -1176,7 +1176,7 @@
         <p:spPr>
           <a:xfrm>
             <a:off x="342720" y="394920"/>
-            <a:ext cx="6171120" cy="7664040"/>
+            <a:ext cx="6171840" cy="7667640"/>
           </a:xfrm>
           <a:prstGeom prst="rect">
             <a:avLst/>
@@ -1227,7 +1227,7 @@
         <p:spPr>
           <a:xfrm>
             <a:off x="342720" y="394920"/>
-            <a:ext cx="6171120" cy="1653120"/>
+            <a:ext cx="6171840" cy="1653840"/>
           </a:xfrm>
           <a:prstGeom prst="rect">
             <a:avLst/>
@@ -1256,7 +1256,7 @@
         <p:spPr>
           <a:xfrm>
             <a:off x="342720" y="2317680"/>
-            <a:ext cx="3011400" cy="2739960"/>
+            <a:ext cx="3011760" cy="2739960"/>
           </a:xfrm>
           <a:prstGeom prst="rect">
             <a:avLst/>
@@ -1286,7 +1286,7 @@
         <p:spPr>
           <a:xfrm>
             <a:off x="342720" y="5318280"/>
-            <a:ext cx="3011400" cy="2739960"/>
+            <a:ext cx="3011760" cy="2739960"/>
           </a:xfrm>
           <a:prstGeom prst="rect">
             <a:avLst/>
@@ -1315,8 +1315,8 @@
         </p:nvSpPr>
         <p:spPr>
           <a:xfrm>
-            <a:off x="3504960" y="2317680"/>
-            <a:ext cx="3011400" cy="5744520"/>
+            <a:off x="3505320" y="2317680"/>
+            <a:ext cx="3011760" cy="5744880"/>
           </a:xfrm>
           <a:prstGeom prst="rect">
             <a:avLst/>
@@ -1368,7 +1368,7 @@
         <p:spPr>
           <a:xfrm>
             <a:off x="342720" y="394920"/>
-            <a:ext cx="6171120" cy="1653120"/>
+            <a:ext cx="6171840" cy="1653840"/>
           </a:xfrm>
           <a:prstGeom prst="rect">
             <a:avLst/>
@@ -1397,7 +1397,7 @@
         <p:spPr>
           <a:xfrm>
             <a:off x="342720" y="2317680"/>
-            <a:ext cx="3011400" cy="5744520"/>
+            <a:ext cx="3011760" cy="5744880"/>
           </a:xfrm>
           <a:prstGeom prst="rect">
             <a:avLst/>
@@ -1426,8 +1426,8 @@
         </p:nvSpPr>
         <p:spPr>
           <a:xfrm>
-            <a:off x="3504960" y="2317680"/>
-            <a:ext cx="3011400" cy="2739960"/>
+            <a:off x="3505320" y="2317680"/>
+            <a:ext cx="3011760" cy="2739960"/>
           </a:xfrm>
           <a:prstGeom prst="rect">
             <a:avLst/>
@@ -1456,8 +1456,8 @@
         </p:nvSpPr>
         <p:spPr>
           <a:xfrm>
-            <a:off x="3504960" y="5318280"/>
-            <a:ext cx="3011400" cy="2739960"/>
+            <a:off x="3505320" y="5318280"/>
+            <a:ext cx="3011760" cy="2739960"/>
           </a:xfrm>
           <a:prstGeom prst="rect">
             <a:avLst/>
@@ -1509,7 +1509,7 @@
         <p:spPr>
           <a:xfrm>
             <a:off x="342720" y="394920"/>
-            <a:ext cx="6171120" cy="1653120"/>
+            <a:ext cx="6171840" cy="1653840"/>
           </a:xfrm>
           <a:prstGeom prst="rect">
             <a:avLst/>
@@ -1538,7 +1538,7 @@
         <p:spPr>
           <a:xfrm>
             <a:off x="342720" y="2317680"/>
-            <a:ext cx="3011400" cy="2739960"/>
+            <a:ext cx="3011760" cy="2739960"/>
           </a:xfrm>
           <a:prstGeom prst="rect">
             <a:avLst/>
@@ -1567,8 +1567,8 @@
         </p:nvSpPr>
         <p:spPr>
           <a:xfrm>
-            <a:off x="3504960" y="2317680"/>
-            <a:ext cx="3011400" cy="2739960"/>
+            <a:off x="3505320" y="2317680"/>
+            <a:ext cx="3011760" cy="2739960"/>
           </a:xfrm>
           <a:prstGeom prst="rect">
             <a:avLst/>
@@ -1598,7 +1598,7 @@
         <p:spPr>
           <a:xfrm>
             <a:off x="342720" y="5318280"/>
-            <a:ext cx="6171480" cy="2739960"/>
+            <a:ext cx="6171840" cy="2739960"/>
           </a:xfrm>
           <a:prstGeom prst="rect">
             <a:avLst/>
@@ -1657,7 +1657,7 @@
         <p:spPr>
           <a:xfrm>
             <a:off x="342720" y="394920"/>
-            <a:ext cx="6171120" cy="1653120"/>
+            <a:ext cx="6171840" cy="1653840"/>
           </a:xfrm>
           <a:prstGeom prst="rect">
             <a:avLst/>
@@ -1666,13 +1666,92 @@
         <p:txBody>
           <a:bodyPr lIns="0" rIns="0" tIns="0" bIns="0" anchor="ctr"/>
           <a:p>
-            <a:r>
-              <a:rPr b="0" lang="en-US" sz="1800" spc="-1" strike="noStrike">
+            <a:pPr algn="ctr"/>
+            <a:r>
+              <a:rPr b="0" lang="en-US" sz="4400" spc="-1" strike="noStrike">
                 <a:latin typeface="Arial"/>
               </a:rPr>
-              <a:t>Click to edit the title text format</a:t>
-            </a:r>
-            <a:endParaRPr b="0" lang="en-US" sz="1800" spc="-1" strike="noStrike">
+              <a:t>Cli</a:t>
+            </a:r>
+            <a:r>
+              <a:rPr b="0" lang="en-US" sz="4400" spc="-1" strike="noStrike">
+                <a:latin typeface="Arial"/>
+              </a:rPr>
+              <a:t>ck </a:t>
+            </a:r>
+            <a:r>
+              <a:rPr b="0" lang="en-US" sz="4400" spc="-1" strike="noStrike">
+                <a:latin typeface="Arial"/>
+              </a:rPr>
+              <a:t>to </a:t>
+            </a:r>
+            <a:r>
+              <a:rPr b="0" lang="en-US" sz="4400" spc="-1" strike="noStrike">
+                <a:latin typeface="Arial"/>
+              </a:rPr>
+              <a:t>ed</a:t>
+            </a:r>
+            <a:r>
+              <a:rPr b="0" lang="en-US" sz="4400" spc="-1" strike="noStrike">
+                <a:latin typeface="Arial"/>
+              </a:rPr>
+              <a:t>it </a:t>
+            </a:r>
+            <a:r>
+              <a:rPr b="0" lang="en-US" sz="4400" spc="-1" strike="noStrike">
+                <a:latin typeface="Arial"/>
+              </a:rPr>
+              <a:t>th</a:t>
+            </a:r>
+            <a:r>
+              <a:rPr b="0" lang="en-US" sz="4400" spc="-1" strike="noStrike">
+                <a:latin typeface="Arial"/>
+              </a:rPr>
+              <a:t>e </a:t>
+            </a:r>
+            <a:r>
+              <a:rPr b="0" lang="en-US" sz="4400" spc="-1" strike="noStrike">
+                <a:latin typeface="Arial"/>
+              </a:rPr>
+              <a:t>titl</a:t>
+            </a:r>
+            <a:r>
+              <a:rPr b="0" lang="en-US" sz="4400" spc="-1" strike="noStrike">
+                <a:latin typeface="Arial"/>
+              </a:rPr>
+              <a:t>e </a:t>
+            </a:r>
+            <a:r>
+              <a:rPr b="0" lang="en-US" sz="4400" spc="-1" strike="noStrike">
+                <a:latin typeface="Arial"/>
+              </a:rPr>
+              <a:t>te</a:t>
+            </a:r>
+            <a:r>
+              <a:rPr b="0" lang="en-US" sz="4400" spc="-1" strike="noStrike">
+                <a:latin typeface="Arial"/>
+              </a:rPr>
+              <a:t>xt </a:t>
+            </a:r>
+            <a:r>
+              <a:rPr b="0" lang="en-US" sz="4400" spc="-1" strike="noStrike">
+                <a:latin typeface="Arial"/>
+              </a:rPr>
+              <a:t>for</a:t>
+            </a:r>
+            <a:r>
+              <a:rPr b="0" lang="en-US" sz="4400" spc="-1" strike="noStrike">
+                <a:latin typeface="Arial"/>
+              </a:rPr>
+              <a:t>m</a:t>
+            </a:r>
+            <a:r>
+              <a:rPr b="0" lang="en-US" sz="4400" spc="-1" strike="noStrike">
+                <a:latin typeface="Arial"/>
+              </a:rPr>
+              <a:t>at</a:t>
+            </a:r>
+            <a:endParaRPr b="0" lang="en-US" sz="4400" spc="-1" strike="noStrike">
               <a:latin typeface="Arial"/>
             </a:endParaRPr>
           </a:p>
@@ -1691,7 +1770,7 @@
         <p:spPr>
           <a:xfrm>
             <a:off x="342720" y="2317680"/>
-            <a:ext cx="6171480" cy="5744520"/>
+            <a:ext cx="6171840" cy="5744880"/>
           </a:xfrm>
           <a:prstGeom prst="rect">
             <a:avLst/>
@@ -1714,12 +1793,12 @@
               <a:buChar char=""/>
             </a:pPr>
             <a:r>
-              <a:rPr b="0" lang="en-US" sz="1800" spc="-1" strike="noStrike">
+              <a:rPr b="0" lang="en-US" sz="3200" spc="-1" strike="noStrike">
                 <a:latin typeface="Arial"/>
               </a:rPr>
               <a:t>Click to edit the outline text format</a:t>
             </a:r>
-            <a:endParaRPr b="0" lang="en-US" sz="1800" spc="-1" strike="noStrike">
+            <a:endParaRPr b="0" lang="en-US" sz="3200" spc="-1" strike="noStrike">
               <a:latin typeface="Arial"/>
             </a:endParaRPr>
           </a:p>
@@ -1736,12 +1815,12 @@
               <a:buChar char=""/>
             </a:pPr>
             <a:r>
-              <a:rPr b="0" lang="en-US" sz="1800" spc="-1" strike="noStrike">
+              <a:rPr b="0" lang="en-US" sz="2800" spc="-1" strike="noStrike">
                 <a:latin typeface="Arial"/>
               </a:rPr>
               <a:t>Second Outline Level</a:t>
             </a:r>
-            <a:endParaRPr b="0" lang="en-US" sz="1800" spc="-1" strike="noStrike">
+            <a:endParaRPr b="0" lang="en-US" sz="2800" spc="-1" strike="noStrike">
               <a:latin typeface="Arial"/>
             </a:endParaRPr>
           </a:p>
@@ -1758,12 +1837,12 @@
               <a:buChar char=""/>
             </a:pPr>
             <a:r>
-              <a:rPr b="0" lang="en-US" sz="1800" spc="-1" strike="noStrike">
+              <a:rPr b="0" lang="en-US" sz="2400" spc="-1" strike="noStrike">
                 <a:latin typeface="Arial"/>
               </a:rPr>
               <a:t>Third Outline Level</a:t>
             </a:r>
-            <a:endParaRPr b="0" lang="en-US" sz="1800" spc="-1" strike="noStrike">
+            <a:endParaRPr b="0" lang="en-US" sz="2400" spc="-1" strike="noStrike">
               <a:latin typeface="Arial"/>
             </a:endParaRPr>
           </a:p>
@@ -1780,12 +1859,12 @@
               <a:buChar char=""/>
             </a:pPr>
             <a:r>
-              <a:rPr b="0" lang="en-US" sz="1800" spc="-1" strike="noStrike">
+              <a:rPr b="0" lang="en-US" sz="2000" spc="-1" strike="noStrike">
                 <a:latin typeface="Arial"/>
               </a:rPr>
               <a:t>Fourth Outline Level</a:t>
             </a:r>
-            <a:endParaRPr b="0" lang="en-US" sz="1800" spc="-1" strike="noStrike">
+            <a:endParaRPr b="0" lang="en-US" sz="2000" spc="-1" strike="noStrike">
               <a:latin typeface="Arial"/>
             </a:endParaRPr>
           </a:p>
@@ -1802,12 +1881,12 @@
               <a:buChar char=""/>
             </a:pPr>
             <a:r>
-              <a:rPr b="0" lang="en-US" sz="1800" spc="-1" strike="noStrike">
+              <a:rPr b="0" lang="en-US" sz="2000" spc="-1" strike="noStrike">
                 <a:latin typeface="Arial"/>
               </a:rPr>
               <a:t>Fifth Outline Level</a:t>
             </a:r>
-            <a:endParaRPr b="0" lang="en-US" sz="1800" spc="-1" strike="noStrike">
+            <a:endParaRPr b="0" lang="en-US" sz="2000" spc="-1" strike="noStrike">
               <a:latin typeface="Arial"/>
             </a:endParaRPr>
           </a:p>
@@ -1824,12 +1903,12 @@
               <a:buChar char=""/>
             </a:pPr>
             <a:r>
-              <a:rPr b="0" lang="en-US" sz="1800" spc="-1" strike="noStrike">
+              <a:rPr b="0" lang="en-US" sz="2000" spc="-1" strike="noStrike">
                 <a:latin typeface="Arial"/>
               </a:rPr>
               <a:t>Sixth Outline Level</a:t>
             </a:r>
-            <a:endParaRPr b="0" lang="en-US" sz="1800" spc="-1" strike="noStrike">
+            <a:endParaRPr b="0" lang="en-US" sz="2000" spc="-1" strike="noStrike">
               <a:latin typeface="Arial"/>
             </a:endParaRPr>
           </a:p>
@@ -1846,12 +1925,12 @@
               <a:buChar char=""/>
             </a:pPr>
             <a:r>
-              <a:rPr b="0" lang="en-US" sz="1800" spc="-1" strike="noStrike">
+              <a:rPr b="0" lang="en-US" sz="2000" spc="-1" strike="noStrike">
                 <a:latin typeface="Arial"/>
               </a:rPr>
               <a:t>Seventh Outline Level</a:t>
             </a:r>
-            <a:endParaRPr b="0" lang="en-US" sz="1800" spc="-1" strike="noStrike">
+            <a:endParaRPr b="0" lang="en-US" sz="2000" spc="-1" strike="noStrike">
               <a:latin typeface="Arial"/>
             </a:endParaRPr>
           </a:p>
@@ -1903,7 +1982,7 @@
         <p:spPr>
           <a:xfrm>
             <a:off x="114480" y="9206640"/>
-            <a:ext cx="6599880" cy="942840"/>
+            <a:ext cx="6599520" cy="942480"/>
           </a:xfrm>
           <a:prstGeom prst="rect">
             <a:avLst/>
@@ -1933,7 +2012,7 @@
         <p:spPr>
           <a:xfrm>
             <a:off x="0" y="753840"/>
-            <a:ext cx="6856920" cy="1257480"/>
+            <a:ext cx="6856560" cy="1257120"/>
           </a:xfrm>
           <a:prstGeom prst="rect">
             <a:avLst/>
@@ -2032,7 +2111,7 @@
         <p:spPr>
           <a:xfrm>
             <a:off x="3291480" y="9201240"/>
-            <a:ext cx="1845000" cy="729000"/>
+            <a:ext cx="1844640" cy="728640"/>
           </a:xfrm>
           <a:prstGeom prst="rect">
             <a:avLst/>
@@ -2079,7 +2158,7 @@
             <a:r>
               <a:rPr b="0" lang="en-US" sz="800" spc="-1" strike="noStrike" u="sng">
                 <a:solidFill>
-                  <a:srgbClr val="0000ff"/>
+                  <a:srgbClr val="ffffff"/>
                 </a:solidFill>
                 <a:uFillTx/>
                 <a:latin typeface="Cambria"/>
@@ -2163,7 +2242,7 @@
         <p:spPr>
           <a:xfrm>
             <a:off x="174600" y="1881360"/>
-            <a:ext cx="3116880" cy="240120"/>
+            <a:ext cx="3116520" cy="239760"/>
           </a:xfrm>
           <a:prstGeom prst="roundRect">
             <a:avLst>
@@ -2223,7 +2302,7 @@
         <p:spPr>
           <a:xfrm>
             <a:off x="5136480" y="56880"/>
-            <a:ext cx="1465920" cy="491040"/>
+            <a:ext cx="1465560" cy="490680"/>
           </a:xfrm>
           <a:prstGeom prst="rect">
             <a:avLst/>
@@ -2242,7 +2321,7 @@
         <p:spPr>
           <a:xfrm>
             <a:off x="114480" y="640080"/>
-            <a:ext cx="6599880" cy="9966600"/>
+            <a:ext cx="6599520" cy="9966240"/>
           </a:xfrm>
           <a:prstGeom prst="roundRect">
             <a:avLst>
@@ -2277,7 +2356,7 @@
         <p:spPr>
           <a:xfrm>
             <a:off x="991800" y="91440"/>
-            <a:ext cx="1226520" cy="411480"/>
+            <a:ext cx="1226160" cy="411120"/>
           </a:xfrm>
           <a:prstGeom prst="rect">
             <a:avLst/>
@@ -2300,7 +2379,7 @@
         <p:spPr>
           <a:xfrm>
             <a:off x="2416320" y="64080"/>
-            <a:ext cx="2533680" cy="519840"/>
+            <a:ext cx="2533320" cy="519480"/>
           </a:xfrm>
           <a:prstGeom prst="rect">
             <a:avLst/>
@@ -2323,7 +2402,7 @@
         <p:spPr>
           <a:xfrm>
             <a:off x="218880" y="36000"/>
-            <a:ext cx="581400" cy="822240"/>
+            <a:ext cx="581040" cy="821880"/>
           </a:xfrm>
           <a:prstGeom prst="rect">
             <a:avLst/>
@@ -2346,7 +2425,7 @@
         <p:spPr>
           <a:xfrm>
             <a:off x="146880" y="9252000"/>
-            <a:ext cx="3053160" cy="631440"/>
+            <a:ext cx="3052800" cy="631080"/>
           </a:xfrm>
           <a:prstGeom prst="rect">
             <a:avLst/>
@@ -2369,7 +2448,7 @@
         <p:spPr>
           <a:xfrm>
             <a:off x="150480" y="5172840"/>
-            <a:ext cx="3141000" cy="1938600"/>
+            <a:ext cx="3140640" cy="1938240"/>
           </a:xfrm>
           <a:prstGeom prst="rect">
             <a:avLst/>
@@ -2388,7 +2467,7 @@
         <p:spPr>
           <a:xfrm>
             <a:off x="3474720" y="7528320"/>
-            <a:ext cx="3183840" cy="240120"/>
+            <a:ext cx="3183480" cy="239760"/>
           </a:xfrm>
           <a:prstGeom prst="roundRect">
             <a:avLst>
@@ -2444,7 +2523,7 @@
         <p:spPr>
           <a:xfrm>
             <a:off x="91440" y="2139120"/>
-            <a:ext cx="3291480" cy="1732680"/>
+            <a:ext cx="3291120" cy="1732320"/>
           </a:xfrm>
           <a:prstGeom prst="rect">
             <a:avLst/>
@@ -2493,7 +2572,7 @@
         <p:spPr>
           <a:xfrm>
             <a:off x="3438720" y="7756200"/>
-            <a:ext cx="3291480" cy="1278720"/>
+            <a:ext cx="3291120" cy="1278360"/>
           </a:xfrm>
           <a:prstGeom prst="rect">
             <a:avLst/>
@@ -2872,7 +2951,7 @@
         <p:spPr>
           <a:xfrm>
             <a:off x="3619440" y="2194920"/>
-            <a:ext cx="2121480" cy="329040"/>
+            <a:ext cx="2121120" cy="328680"/>
           </a:xfrm>
           <a:prstGeom prst="rect">
             <a:avLst/>
@@ -2941,7 +3020,7 @@
         <p:spPr>
           <a:xfrm>
             <a:off x="3481200" y="2901600"/>
-            <a:ext cx="2351160" cy="500760"/>
+            <a:ext cx="2350800" cy="500400"/>
           </a:xfrm>
           <a:prstGeom prst="rect">
             <a:avLst/>
@@ -3030,7 +3109,7 @@
         <p:spPr>
           <a:xfrm>
             <a:off x="3517200" y="3765600"/>
-            <a:ext cx="2315160" cy="398160"/>
+            <a:ext cx="2314800" cy="397800"/>
           </a:xfrm>
           <a:prstGeom prst="rect">
             <a:avLst/>
@@ -3099,7 +3178,7 @@
         <p:spPr>
           <a:xfrm>
             <a:off x="3606480" y="2197800"/>
-            <a:ext cx="2134440" cy="362160"/>
+            <a:ext cx="2134080" cy="361800"/>
           </a:xfrm>
           <a:prstGeom prst="roundRect">
             <a:avLst>
@@ -3130,7 +3209,7 @@
         <p:spPr>
           <a:xfrm>
             <a:off x="3606840" y="2881800"/>
-            <a:ext cx="2134080" cy="520560"/>
+            <a:ext cx="2133720" cy="520200"/>
           </a:xfrm>
           <a:prstGeom prst="roundRect">
             <a:avLst>
@@ -3165,7 +3244,7 @@
         <p:spPr>
           <a:xfrm>
             <a:off x="6054480" y="2198520"/>
-            <a:ext cx="401400" cy="406080"/>
+            <a:ext cx="401040" cy="405720"/>
           </a:xfrm>
           <a:prstGeom prst="rect">
             <a:avLst/>
@@ -3184,7 +3263,7 @@
         <p:spPr>
           <a:xfrm>
             <a:off x="3606840" y="3745800"/>
-            <a:ext cx="2134080" cy="417960"/>
+            <a:ext cx="2133720" cy="417600"/>
           </a:xfrm>
           <a:prstGeom prst="roundRect">
             <a:avLst>
@@ -3219,7 +3298,7 @@
         <p:spPr>
           <a:xfrm>
             <a:off x="6057720" y="2978280"/>
-            <a:ext cx="388800" cy="385200"/>
+            <a:ext cx="388440" cy="384840"/>
           </a:xfrm>
           <a:prstGeom prst="rect">
             <a:avLst/>
@@ -3238,7 +3317,7 @@
         <p:spPr>
           <a:xfrm>
             <a:off x="174960" y="4113720"/>
-            <a:ext cx="3116520" cy="240120"/>
+            <a:ext cx="3116160" cy="239760"/>
           </a:xfrm>
           <a:prstGeom prst="roundRect">
             <a:avLst>
@@ -3294,7 +3373,7 @@
         <p:spPr>
           <a:xfrm>
             <a:off x="91440" y="6432120"/>
-            <a:ext cx="3382560" cy="1732680"/>
+            <a:ext cx="3382200" cy="1732320"/>
           </a:xfrm>
           <a:prstGeom prst="rect">
             <a:avLst/>
@@ -3320,7 +3399,7 @@
         <p:spPr>
           <a:xfrm>
             <a:off x="3403440" y="5928120"/>
-            <a:ext cx="3291480" cy="1409040"/>
+            <a:ext cx="3291120" cy="1408680"/>
           </a:xfrm>
           <a:prstGeom prst="rect">
             <a:avLst/>
@@ -3369,7 +3448,7 @@
         <p:spPr>
           <a:xfrm>
             <a:off x="91440" y="7140600"/>
-            <a:ext cx="3291480" cy="1514880"/>
+            <a:ext cx="3291120" cy="1514520"/>
           </a:xfrm>
           <a:prstGeom prst="rect">
             <a:avLst/>
@@ -3388,7 +3467,7 @@
         <p:txBody>
           <a:bodyPr lIns="90000" rIns="90000" tIns="45000" bIns="45000"/>
           <a:p>
-            <a:pPr algn="just">
+            <a:pPr>
               <a:lnSpc>
                 <a:spcPct val="100000"/>
               </a:lnSpc>
@@ -3418,7 +3497,7 @@
             </a:endParaRPr>
           </a:p>
           <a:p>
-            <a:pPr algn="just">
+            <a:pPr>
               <a:lnSpc>
                 <a:spcPct val="100000"/>
               </a:lnSpc>
@@ -3428,7 +3507,7 @@
             </a:endParaRPr>
           </a:p>
           <a:p>
-            <a:pPr algn="just">
+            <a:pPr>
               <a:lnSpc>
                 <a:spcPct val="100000"/>
               </a:lnSpc>
@@ -3448,7 +3527,7 @@
             </a:endParaRPr>
           </a:p>
           <a:p>
-            <a:pPr algn="just">
+            <a:pPr>
               <a:lnSpc>
                 <a:spcPct val="100000"/>
               </a:lnSpc>
@@ -3458,7 +3537,7 @@
             </a:endParaRPr>
           </a:p>
           <a:p>
-            <a:pPr marL="216000" indent="-215640" algn="just">
+            <a:pPr marL="216000" indent="-215280">
               <a:lnSpc>
                 <a:spcPct val="100000"/>
               </a:lnSpc>
@@ -3482,14 +3561,14 @@
                 <a:latin typeface="Cambria"/>
                 <a:ea typeface="ＭＳ Ｐゴシック"/>
               </a:rPr>
-              <a:t>Best practice approaches are shared among the scientific community through the Galaxy platform as reusable workflows.</a:t>
+              <a:t>Best practice approaches are shared among the scientific community through the Galaxy platform as reusable workflows</a:t>
             </a:r>
             <a:endParaRPr b="0" lang="en-US" sz="800" spc="-1" strike="noStrike">
               <a:latin typeface="Arial"/>
             </a:endParaRPr>
           </a:p>
           <a:p>
-            <a:pPr marL="216000" indent="-215640" algn="just">
+            <a:pPr marL="216000" indent="-215280">
               <a:lnSpc>
                 <a:spcPct val="100000"/>
               </a:lnSpc>
@@ -3513,7 +3592,7 @@
                 <a:latin typeface="Cambria"/>
                 <a:ea typeface="ＭＳ Ｐゴシック"/>
               </a:rPr>
-              <a:t>Tool pertinence is inferred from the provided EDAM ontology terms, associated to its operations and input/output data formats.</a:t>
+              <a:t>Tool pertinence is inferred from the provided EDAM ontology terms, associated to its operations and input/output data formats</a:t>
             </a:r>
             <a:endParaRPr b="0" lang="en-US" sz="800" spc="-1" strike="noStrike">
               <a:latin typeface="Arial"/>
@@ -3530,7 +3609,7 @@
         <p:spPr>
           <a:xfrm>
             <a:off x="91440" y="4368600"/>
-            <a:ext cx="3291480" cy="751680"/>
+            <a:ext cx="3291120" cy="751320"/>
           </a:xfrm>
           <a:prstGeom prst="rect">
             <a:avLst/>
@@ -3549,7 +3628,7 @@
         <p:txBody>
           <a:bodyPr lIns="90000" rIns="90000" tIns="45000" bIns="45000"/>
           <a:p>
-            <a:pPr marL="216000" indent="-215640" algn="just">
+            <a:pPr marL="216000" indent="-215280" algn="just">
               <a:lnSpc>
                 <a:spcPct val="100000"/>
               </a:lnSpc>
@@ -3580,7 +3659,7 @@
             </a:endParaRPr>
           </a:p>
           <a:p>
-            <a:pPr marL="216000" indent="-215640" algn="just">
+            <a:pPr marL="216000" indent="-215280" algn="just">
               <a:lnSpc>
                 <a:spcPct val="100000"/>
               </a:lnSpc>
@@ -3611,7 +3690,7 @@
             </a:endParaRPr>
           </a:p>
           <a:p>
-            <a:pPr marL="216000" indent="-215640" algn="just">
+            <a:pPr marL="216000" indent="-215280" algn="just">
               <a:lnSpc>
                 <a:spcPct val="100000"/>
               </a:lnSpc>
@@ -3642,7 +3721,7 @@
             </a:endParaRPr>
           </a:p>
           <a:p>
-            <a:pPr marL="216000" indent="-215640" algn="just">
+            <a:pPr marL="216000" indent="-215280" algn="just">
               <a:lnSpc>
                 <a:spcPct val="100000"/>
               </a:lnSpc>
@@ -3683,7 +3762,7 @@
         <p:spPr>
           <a:xfrm>
             <a:off x="3522600" y="1881720"/>
-            <a:ext cx="3116880" cy="240120"/>
+            <a:ext cx="3116520" cy="239760"/>
           </a:xfrm>
           <a:prstGeom prst="roundRect">
             <a:avLst>
@@ -3743,7 +3822,7 @@
         <p:spPr>
           <a:xfrm>
             <a:off x="6015240" y="3736440"/>
-            <a:ext cx="486720" cy="688320"/>
+            <a:ext cx="486360" cy="687960"/>
           </a:xfrm>
           <a:prstGeom prst="rect">
             <a:avLst/>
@@ -3762,7 +3841,7 @@
         <p:spPr>
           <a:xfrm>
             <a:off x="4673880" y="2560320"/>
-            <a:ext cx="360" cy="321480"/>
+            <a:ext cx="360" cy="321120"/>
           </a:xfrm>
           <a:custGeom>
             <a:avLst/>
@@ -3805,7 +3884,7 @@
         <p:spPr>
           <a:xfrm>
             <a:off x="4673880" y="3402720"/>
-            <a:ext cx="360" cy="343080"/>
+            <a:ext cx="360" cy="342720"/>
           </a:xfrm>
           <a:custGeom>
             <a:avLst/>
@@ -3852,7 +3931,7 @@
         <p:spPr>
           <a:xfrm>
             <a:off x="4093200" y="4461120"/>
-            <a:ext cx="2067840" cy="2834280"/>
+            <a:ext cx="2067480" cy="2833920"/>
           </a:xfrm>
           <a:prstGeom prst="rect">
             <a:avLst/>
@@ -3871,7 +3950,7 @@
         <p:spPr>
           <a:xfrm>
             <a:off x="5518080" y="5724000"/>
-            <a:ext cx="914040" cy="207360"/>
+            <a:ext cx="913680" cy="207000"/>
           </a:xfrm>
           <a:prstGeom prst="rect">
             <a:avLst/>
@@ -3896,6 +3975,7 @@
                   <a:srgbClr val="2f5597"/>
                 </a:solidFill>
                 <a:latin typeface="Cambria"/>
+                <a:ea typeface="DejaVu Sans"/>
               </a:rPr>
               <a:t>Training events</a:t>
             </a:r>
@@ -3914,7 +3994,7 @@
         <p:spPr>
           <a:xfrm>
             <a:off x="3605040" y="5652720"/>
-            <a:ext cx="1426680" cy="559440"/>
+            <a:ext cx="1426320" cy="559080"/>
           </a:xfrm>
           <a:prstGeom prst="rect">
             <a:avLst/>
@@ -3939,6 +4019,7 @@
                   <a:srgbClr val="ff1493"/>
                 </a:solidFill>
                 <a:latin typeface="Cambria"/>
+                <a:ea typeface="DejaVu Sans"/>
               </a:rPr>
               <a:t>Galaxy Interactive</a:t>
             </a:r>
@@ -3953,6 +4034,7 @@
                   <a:srgbClr val="ff1493"/>
                 </a:solidFill>
                 <a:latin typeface="Cambria"/>
+                <a:ea typeface="DejaVu Sans"/>
               </a:rPr>
               <a:t>Recommendation system</a:t>
             </a:r>
@@ -3970,8 +4052,8 @@
         </p:nvSpPr>
         <p:spPr>
           <a:xfrm>
-            <a:off x="4829040" y="4572720"/>
-            <a:ext cx="914040" cy="207360"/>
+            <a:off x="4865040" y="4536720"/>
+            <a:ext cx="913680" cy="207000"/>
           </a:xfrm>
           <a:prstGeom prst="rect">
             <a:avLst/>
@@ -3996,6 +4078,7 @@
                   <a:srgbClr val="ff1493"/>
                 </a:solidFill>
                 <a:latin typeface="Cambria"/>
+                <a:ea typeface="DejaVu Sans"/>
               </a:rPr>
               <a:t>Galaxy Tours</a:t>
             </a:r>
@@ -4014,7 +4097,7 @@
         <p:spPr>
           <a:xfrm>
             <a:off x="3713040" y="5904360"/>
-            <a:ext cx="914040" cy="207360"/>
+            <a:ext cx="913680" cy="207000"/>
           </a:xfrm>
           <a:prstGeom prst="rect">
             <a:avLst/>
@@ -4039,6 +4122,7 @@
                   <a:srgbClr val="000000"/>
                 </a:solidFill>
                 <a:latin typeface="Cambria"/>
+                <a:ea typeface="DejaVu Sans"/>
               </a:rPr>
               <a:t>Hackathon</a:t>
             </a:r>
@@ -4056,8 +4140,8 @@
         </p:nvSpPr>
         <p:spPr>
           <a:xfrm>
-            <a:off x="4937040" y="4464360"/>
-            <a:ext cx="914040" cy="207360"/>
+            <a:off x="4937040" y="4428360"/>
+            <a:ext cx="913680" cy="207000"/>
           </a:xfrm>
           <a:prstGeom prst="rect">
             <a:avLst/>
@@ -4082,6 +4166,7 @@
                   <a:srgbClr val="2f5597"/>
                 </a:solidFill>
                 <a:latin typeface="Cambria"/>
+                <a:ea typeface="DejaVu Sans"/>
               </a:rPr>
               <a:t>Training events</a:t>
             </a:r>
@@ -4099,8 +4184,8 @@
         </p:nvSpPr>
         <p:spPr>
           <a:xfrm>
-            <a:off x="5621040" y="5869080"/>
-            <a:ext cx="914040" cy="207360"/>
+            <a:off x="5585040" y="5833080"/>
+            <a:ext cx="913680" cy="207000"/>
           </a:xfrm>
           <a:prstGeom prst="rect">
             <a:avLst/>
@@ -4125,6 +4210,7 @@
                   <a:srgbClr val="ff1493"/>
                 </a:solidFill>
                 <a:latin typeface="Cambria"/>
+                <a:ea typeface="DejaVu Sans"/>
               </a:rPr>
               <a:t>Galaxy Flavor</a:t>
             </a:r>
@@ -4143,7 +4229,7 @@
         <p:spPr>
           <a:xfrm>
             <a:off x="3713040" y="7021080"/>
-            <a:ext cx="914040" cy="207360"/>
+            <a:ext cx="913680" cy="207000"/>
           </a:xfrm>
           <a:prstGeom prst="rect">
             <a:avLst/>
@@ -4168,6 +4254,7 @@
                   <a:srgbClr val="ff1493"/>
                 </a:solidFill>
                 <a:latin typeface="Cambria"/>
+                <a:ea typeface="DejaVu Sans"/>
               </a:rPr>
               <a:t>Galaxy Tours</a:t>
             </a:r>
@@ -4185,8 +4272,8 @@
         </p:nvSpPr>
         <p:spPr>
           <a:xfrm>
-            <a:off x="3641040" y="6876720"/>
-            <a:ext cx="914040" cy="207360"/>
+            <a:off x="3641040" y="6912720"/>
+            <a:ext cx="913680" cy="207000"/>
           </a:xfrm>
           <a:prstGeom prst="rect">
             <a:avLst/>
@@ -4211,6 +4298,7 @@
                   <a:srgbClr val="000000"/>
                 </a:solidFill>
                 <a:latin typeface="Cambria"/>
+                <a:ea typeface="DejaVu Sans"/>
               </a:rPr>
               <a:t>Hackathon</a:t>
             </a:r>
@@ -4228,8 +4316,8 @@
         </p:nvSpPr>
         <p:spPr>
           <a:xfrm>
-            <a:off x="3821040" y="7164360"/>
-            <a:ext cx="914040" cy="207360"/>
+            <a:off x="3821040" y="7128360"/>
+            <a:ext cx="913680" cy="207000"/>
           </a:xfrm>
           <a:prstGeom prst="rect">
             <a:avLst/>
@@ -4254,6 +4342,7 @@
                   <a:srgbClr val="2f5597"/>
                 </a:solidFill>
                 <a:latin typeface="Cambria"/>
+                <a:ea typeface="DejaVu Sans"/>
               </a:rPr>
               <a:t>Training events</a:t>
             </a:r>
@@ -4356,7 +4445,7 @@
         <p:spPr>
           <a:xfrm>
             <a:off x="3873600" y="4389120"/>
-            <a:ext cx="848160" cy="207360"/>
+            <a:ext cx="847800" cy="207000"/>
           </a:xfrm>
           <a:prstGeom prst="rect">
             <a:avLst/>
@@ -4377,7 +4466,11 @@
           <a:p>
             <a:r>
               <a:rPr b="1" lang="en-US" sz="800" spc="-1" strike="noStrike">
-                <a:latin typeface="Cambria"/>
+                <a:solidFill>
+                  <a:srgbClr val="000000"/>
+                </a:solidFill>
+                <a:latin typeface="Cambria"/>
+                <a:ea typeface="DejaVu Sans"/>
               </a:rPr>
               <a:t>destairdenbi</a:t>
             </a:r>
@@ -4400,7 +4493,7 @@
         <p:spPr>
           <a:xfrm>
             <a:off x="3644640" y="4349520"/>
-            <a:ext cx="274680" cy="274680"/>
+            <a:ext cx="274320" cy="274320"/>
           </a:xfrm>
           <a:prstGeom prst="rect">
             <a:avLst/>
@@ -4419,7 +4512,7 @@
         <p:spPr>
           <a:xfrm>
             <a:off x="5832720" y="2563200"/>
-            <a:ext cx="822600" cy="182520"/>
+            <a:ext cx="822240" cy="182160"/>
           </a:xfrm>
           <a:prstGeom prst="rect">
             <a:avLst/>
@@ -4449,6 +4542,7 @@
                   <a:srgbClr val="00bfff"/>
                 </a:solidFill>
                 <a:latin typeface="Cambria"/>
+                <a:ea typeface="DejaVu Sans"/>
               </a:rPr>
               <a:t>galaxyproject.org</a:t>
             </a:r>
@@ -4467,7 +4561,7 @@
         <p:spPr>
           <a:xfrm>
             <a:off x="5832720" y="3355200"/>
-            <a:ext cx="822600" cy="182520"/>
+            <a:ext cx="822240" cy="182160"/>
           </a:xfrm>
           <a:prstGeom prst="rect">
             <a:avLst/>
@@ -4497,6 +4591,7 @@
                   <a:srgbClr val="00bfff"/>
                 </a:solidFill>
                 <a:latin typeface="Cambria"/>
+                <a:ea typeface="DejaVu Sans"/>
               </a:rPr>
               <a:t>edamontology.org</a:t>
             </a:r>
@@ -4515,7 +4610,7 @@
         <p:spPr>
           <a:xfrm>
             <a:off x="5832720" y="4147200"/>
-            <a:ext cx="822600" cy="182520"/>
+            <a:ext cx="822240" cy="182160"/>
           </a:xfrm>
           <a:prstGeom prst="rect">
             <a:avLst/>
@@ -4545,6 +4640,7 @@
                   <a:srgbClr val="00bfff"/>
                 </a:solidFill>
                 <a:latin typeface="Cambria"/>
+                <a:ea typeface="DejaVu Sans"/>
               </a:rPr>
               <a:t>denbi.de/rbc</a:t>
             </a:r>
@@ -4567,7 +4663,7 @@
         <p:spPr>
           <a:xfrm>
             <a:off x="5419440" y="9363600"/>
-            <a:ext cx="582120" cy="403560"/>
+            <a:ext cx="581760" cy="403200"/>
           </a:xfrm>
           <a:prstGeom prst="rect">
             <a:avLst/>
@@ -4590,7 +4686,7 @@
         <p:spPr>
           <a:xfrm>
             <a:off x="6070680" y="9358200"/>
-            <a:ext cx="624960" cy="416520"/>
+            <a:ext cx="624600" cy="416160"/>
           </a:xfrm>
           <a:prstGeom prst="rect">
             <a:avLst/>
@@ -4613,7 +4709,7 @@
         <p:spPr>
           <a:xfrm>
             <a:off x="5869080" y="7040880"/>
-            <a:ext cx="694800" cy="182520"/>
+            <a:ext cx="694440" cy="182160"/>
           </a:xfrm>
           <a:prstGeom prst="rect">
             <a:avLst/>
@@ -4632,7 +4728,7 @@
         <p:spPr>
           <a:xfrm>
             <a:off x="5832720" y="7207200"/>
-            <a:ext cx="822600" cy="182520"/>
+            <a:ext cx="822240" cy="182160"/>
           </a:xfrm>
           <a:prstGeom prst="rect">
             <a:avLst/>
@@ -4662,11 +4758,12 @@
                   <a:srgbClr val="00bfff"/>
                 </a:solidFill>
                 <a:latin typeface="Cambria"/>
+                <a:ea typeface="DejaVu Sans"/>
               </a:rPr>
               <a:t>denbi.de</a:t>
             </a:r>
             <a:endParaRPr b="0" lang="en-US" sz="600" spc="-1" strike="noStrike">
-              <a:latin typeface="Arial"/>
+              <a:latin typeface="Cambria"/>
             </a:endParaRPr>
           </a:p>
         </p:txBody>
@@ -4680,7 +4777,7 @@
         <p:spPr>
           <a:xfrm>
             <a:off x="3600720" y="4615200"/>
-            <a:ext cx="1081800" cy="267120"/>
+            <a:ext cx="1081440" cy="266760"/>
           </a:xfrm>
           <a:prstGeom prst="rect">
             <a:avLst/>
@@ -4710,11 +4807,12 @@
                   <a:srgbClr val="00bfff"/>
                 </a:solidFill>
                 <a:latin typeface="Cambria"/>
+                <a:ea typeface="DejaVu Sans"/>
               </a:rPr>
               <a:t>destair.bioinf.uni-leipzig.de</a:t>
             </a:r>
             <a:endParaRPr b="0" lang="en-US" sz="600" spc="-1" strike="noStrike">
-              <a:latin typeface="Arial"/>
+              <a:latin typeface="Cambria"/>
             </a:endParaRPr>
           </a:p>
         </p:txBody>
